--- a/Pythonによるを用いた株価予測システムの開発_張浩.pptx
+++ b/Pythonによるを用いた株価予測システムの開発_張浩.pptx
@@ -10,15 +10,15 @@
   <p:sldIdLst>
     <p:sldId id="256" r:id="rId2"/>
     <p:sldId id="258" r:id="rId3"/>
-    <p:sldId id="259" r:id="rId4"/>
-    <p:sldId id="263" r:id="rId5"/>
-    <p:sldId id="264" r:id="rId6"/>
-    <p:sldId id="265" r:id="rId7"/>
-    <p:sldId id="266" r:id="rId8"/>
-    <p:sldId id="260" r:id="rId9"/>
-    <p:sldId id="261" r:id="rId10"/>
-    <p:sldId id="268" r:id="rId11"/>
-    <p:sldId id="262" r:id="rId12"/>
+    <p:sldId id="263" r:id="rId4"/>
+    <p:sldId id="264" r:id="rId5"/>
+    <p:sldId id="269" r:id="rId6"/>
+    <p:sldId id="270" r:id="rId7"/>
+    <p:sldId id="260" r:id="rId8"/>
+    <p:sldId id="271" r:id="rId9"/>
+    <p:sldId id="272" r:id="rId10"/>
+    <p:sldId id="273" r:id="rId11"/>
+    <p:sldId id="261" r:id="rId12"/>
     <p:sldId id="267" r:id="rId13"/>
   </p:sldIdLst>
   <p:sldSz cx="9144000" cy="6858000" type="screen4x3"/>
@@ -219,7 +219,7 @@
           <a:p>
             <a:fld id="{5F92B007-9052-47B1-8A47-14CF6107DF61}" type="datetimeFigureOut">
               <a:rPr kumimoji="1" lang="ja-JP" altLang="en-US" smtClean="0"/>
-              <a:t>2019/10/2</a:t>
+              <a:t>2019/11/11</a:t>
             </a:fld>
             <a:endParaRPr kumimoji="1" lang="ja-JP" altLang="en-US"/>
           </a:p>
@@ -658,15 +658,15 @@
           <a:lstStyle/>
           <a:p>
             <a:r>
+              <a:rPr kumimoji="1" lang="en-US" altLang="ja-JP" dirty="0" err="1" smtClean="0"/>
+              <a:t>Ref:http</a:t>
+            </a:r>
+            <a:r>
               <a:rPr kumimoji="1" lang="en-US" altLang="ja-JP" dirty="0" smtClean="0"/>
-              <a:t>Ref:</a:t>
-            </a:r>
-          </a:p>
-          <a:p>
-            <a:r>
-              <a:rPr kumimoji="1" lang="en-US" altLang="ja-JP" dirty="0" smtClean="0"/>
-              <a:t>https://markezine.jp/article/detail/29471</a:t>
-            </a:r>
+              <a:t>://www.wonds.co.jp/wp/2018/04/21/multi_regression_analysis/</a:t>
+            </a:r>
+          </a:p>
+          <a:p>
             <a:endParaRPr kumimoji="1" lang="ja-JP" altLang="en-US" dirty="0"/>
           </a:p>
         </p:txBody>
@@ -697,7 +697,7 @@
     </p:spTree>
     <p:extLst>
       <p:ext uri="{BB962C8B-B14F-4D97-AF65-F5344CB8AC3E}">
-        <p14:creationId xmlns:p14="http://schemas.microsoft.com/office/powerpoint/2010/main" val="2681482675"/>
+        <p14:creationId xmlns:p14="http://schemas.microsoft.com/office/powerpoint/2010/main" val="2970744946"/>
       </p:ext>
     </p:extLst>
   </p:cSld>
@@ -752,12 +752,14 @@
           <a:lstStyle/>
           <a:p>
             <a:r>
-              <a:rPr kumimoji="1" lang="en-US" altLang="ja-JP" dirty="0" err="1" smtClean="0"/>
-              <a:t>Ref:http</a:t>
-            </a:r>
-            <a:r>
               <a:rPr kumimoji="1" lang="en-US" altLang="ja-JP" dirty="0" smtClean="0"/>
-              <a:t>://www.wonds.co.jp/wp/2018/04/21/multi_regression_analysis/</a:t>
+              <a:t>Ref:</a:t>
+            </a:r>
+          </a:p>
+          <a:p>
+            <a:r>
+              <a:rPr kumimoji="1" lang="en-US" altLang="ja-JP" dirty="0" smtClean="0"/>
+              <a:t>http://www.wonds.co.jp/wp/2018/04/21/multi_regression_analysis/</a:t>
             </a:r>
           </a:p>
           <a:p>
@@ -846,6 +848,128 @@
           <a:lstStyle/>
           <a:p>
             <a:r>
+              <a:rPr kumimoji="1" lang="ja-JP" altLang="en-US" dirty="0" smtClean="0"/>
+              <a:t>回帰分析の中で、一番簡単なのは、線形回帰。</a:t>
+            </a:r>
+            <a:r>
+              <a:rPr kumimoji="1" lang="ja-JP" altLang="en-US" sz="1200" b="0" i="0" u="none" strike="noStrike" kern="1200" dirty="0" smtClean="0">
+                <a:solidFill>
+                  <a:schemeClr val="tx1"/>
+                </a:solidFill>
+                <a:effectLst/>
+                <a:latin typeface="+mn-lt"/>
+                <a:ea typeface="+mn-ea"/>
+                <a:cs typeface="+mn-cs"/>
+              </a:rPr>
+              <a:t>目的変数 </a:t>
+            </a:r>
+            <a:r>
+              <a:rPr kumimoji="1" lang="en-US" altLang="ja-JP" sz="1200" b="0" i="1" u="none" strike="noStrike" kern="1200" dirty="0" smtClean="0">
+                <a:solidFill>
+                  <a:schemeClr val="tx1"/>
+                </a:solidFill>
+                <a:effectLst/>
+                <a:latin typeface="+mn-lt"/>
+                <a:ea typeface="+mn-ea"/>
+                <a:cs typeface="+mn-cs"/>
+              </a:rPr>
+              <a:t>Y</a:t>
+            </a:r>
+            <a:r>
+              <a:rPr kumimoji="1" lang="ja-JP" altLang="en-US" sz="1200" b="0" i="0" u="none" strike="noStrike" kern="1200" dirty="0" smtClean="0">
+                <a:solidFill>
+                  <a:schemeClr val="tx1"/>
+                </a:solidFill>
+                <a:effectLst/>
+                <a:latin typeface="+mn-lt"/>
+                <a:ea typeface="+mn-ea"/>
+                <a:cs typeface="+mn-cs"/>
+              </a:rPr>
+              <a:t> が説明変数 </a:t>
+            </a:r>
+            <a:r>
+              <a:rPr kumimoji="1" lang="en-US" altLang="ja-JP" sz="1200" b="0" i="1" u="none" strike="noStrike" kern="1200" dirty="0" smtClean="0">
+                <a:solidFill>
+                  <a:schemeClr val="tx1"/>
+                </a:solidFill>
+                <a:effectLst/>
+                <a:latin typeface="+mn-lt"/>
+                <a:ea typeface="+mn-ea"/>
+                <a:cs typeface="+mn-cs"/>
+              </a:rPr>
+              <a:t>X</a:t>
+            </a:r>
+            <a:r>
+              <a:rPr kumimoji="1" lang="ja-JP" altLang="en-US" sz="1200" b="0" i="0" u="none" strike="noStrike" kern="1200" dirty="0" smtClean="0">
+                <a:solidFill>
+                  <a:schemeClr val="tx1"/>
+                </a:solidFill>
+                <a:effectLst/>
+                <a:latin typeface="+mn-lt"/>
+                <a:ea typeface="+mn-ea"/>
+                <a:cs typeface="+mn-cs"/>
+              </a:rPr>
+              <a:t> の係数 </a:t>
+            </a:r>
+            <a:r>
+              <a:rPr kumimoji="1" lang="en-US" altLang="ja-JP" sz="1200" b="0" i="1" u="none" strike="noStrike" kern="1200" dirty="0" smtClean="0">
+                <a:solidFill>
+                  <a:schemeClr val="tx1"/>
+                </a:solidFill>
+                <a:effectLst/>
+                <a:latin typeface="+mn-lt"/>
+                <a:ea typeface="+mn-ea"/>
+                <a:cs typeface="+mn-cs"/>
+              </a:rPr>
+              <a:t>β</a:t>
+            </a:r>
+            <a:r>
+              <a:rPr kumimoji="1" lang="ja-JP" altLang="en-US" sz="1200" b="0" i="0" u="none" strike="noStrike" kern="1200" dirty="0" smtClean="0">
+                <a:solidFill>
+                  <a:schemeClr val="tx1"/>
+                </a:solidFill>
+                <a:effectLst/>
+                <a:latin typeface="+mn-lt"/>
+                <a:ea typeface="+mn-ea"/>
+                <a:cs typeface="+mn-cs"/>
+              </a:rPr>
+              <a:t> に対して</a:t>
+            </a:r>
+            <a:r>
+              <a:rPr kumimoji="1" lang="ja-JP" altLang="en-US" sz="1200" b="0" i="0" u="none" strike="noStrike" kern="1200" dirty="0" smtClean="0">
+                <a:solidFill>
+                  <a:schemeClr val="tx1"/>
+                </a:solidFill>
+                <a:effectLst/>
+                <a:latin typeface="+mn-lt"/>
+                <a:ea typeface="+mn-ea"/>
+                <a:cs typeface="+mn-cs"/>
+                <a:hlinkClick r:id="rId3" tooltip="一次関数"/>
+              </a:rPr>
+              <a:t>線形</a:t>
+            </a:r>
+            <a:r>
+              <a:rPr kumimoji="1" lang="ja-JP" altLang="en-US" sz="1200" b="0" i="0" u="none" strike="noStrike" kern="1200" dirty="0" smtClean="0">
+                <a:solidFill>
+                  <a:schemeClr val="tx1"/>
+                </a:solidFill>
+                <a:effectLst/>
+                <a:latin typeface="+mn-lt"/>
+                <a:ea typeface="+mn-ea"/>
+                <a:cs typeface="+mn-cs"/>
+              </a:rPr>
+              <a:t>であるためである。</a:t>
+            </a:r>
+            <a:endParaRPr kumimoji="1" lang="en-US" altLang="ja-JP" dirty="0" smtClean="0"/>
+          </a:p>
+          <a:p>
+            <a:endParaRPr kumimoji="1" lang="en-US" altLang="ja-JP" dirty="0" smtClean="0"/>
+          </a:p>
+          <a:p>
+            <a:endParaRPr kumimoji="1" lang="en-US" altLang="ja-JP" dirty="0" smtClean="0"/>
+          </a:p>
+          <a:p>
+            <a:r>
               <a:rPr kumimoji="1" lang="en-US" altLang="ja-JP" dirty="0" smtClean="0"/>
               <a:t>Ref:</a:t>
             </a:r>
@@ -887,7 +1011,7 @@
     </p:spTree>
     <p:extLst>
       <p:ext uri="{BB962C8B-B14F-4D97-AF65-F5344CB8AC3E}">
-        <p14:creationId xmlns:p14="http://schemas.microsoft.com/office/powerpoint/2010/main" val="2970744946"/>
+        <p14:creationId xmlns:p14="http://schemas.microsoft.com/office/powerpoint/2010/main" val="2855878862"/>
       </p:ext>
     </p:extLst>
   </p:cSld>
@@ -942,6 +1066,120 @@
           <a:lstStyle/>
           <a:p>
             <a:r>
+              <a:rPr kumimoji="1" lang="ja-JP" altLang="en-US" sz="1200" b="0" i="0" u="none" strike="noStrike" kern="1200" dirty="0" smtClean="0">
+                <a:solidFill>
+                  <a:schemeClr val="tx1"/>
+                </a:solidFill>
+                <a:effectLst/>
+                <a:latin typeface="+mn-lt"/>
+                <a:ea typeface="+mn-ea"/>
+                <a:cs typeface="+mn-cs"/>
+              </a:rPr>
+              <a:t>自己回帰モデルは実現値</a:t>
+            </a:r>
+            <a:r>
+              <a:rPr kumimoji="1" lang="en-US" altLang="ja-JP" sz="1200" b="0" i="0" u="none" strike="noStrike" kern="1200" dirty="0" err="1" smtClean="0">
+                <a:solidFill>
+                  <a:schemeClr val="tx1"/>
+                </a:solidFill>
+                <a:effectLst/>
+                <a:latin typeface="+mn-lt"/>
+                <a:ea typeface="+mn-ea"/>
+                <a:cs typeface="+mn-cs"/>
+              </a:rPr>
+              <a:t>Xt</a:t>
+            </a:r>
+            <a:r>
+              <a:rPr kumimoji="1" lang="ja-JP" altLang="en-US" sz="1200" b="0" i="0" u="none" strike="noStrike" kern="1200" dirty="0" smtClean="0">
+                <a:solidFill>
+                  <a:schemeClr val="tx1"/>
+                </a:solidFill>
+                <a:effectLst/>
+                <a:latin typeface="+mn-lt"/>
+                <a:ea typeface="+mn-ea"/>
+                <a:cs typeface="+mn-cs"/>
+              </a:rPr>
+              <a:t>となる変数がその変数の過去の値</a:t>
+            </a:r>
+            <a:r>
+              <a:rPr kumimoji="1" lang="en-US" altLang="ja-JP" sz="1200" b="0" i="0" u="none" strike="noStrike" kern="1200" dirty="0" smtClean="0">
+                <a:solidFill>
+                  <a:schemeClr val="tx1"/>
+                </a:solidFill>
+                <a:effectLst/>
+                <a:latin typeface="+mn-lt"/>
+                <a:ea typeface="+mn-ea"/>
+                <a:cs typeface="+mn-cs"/>
+              </a:rPr>
+              <a:t>Xi</a:t>
+            </a:r>
+            <a:r>
+              <a:rPr kumimoji="1" lang="ja-JP" altLang="en-US" sz="1200" b="0" i="0" u="none" strike="noStrike" kern="1200" dirty="0" smtClean="0">
+                <a:solidFill>
+                  <a:schemeClr val="tx1"/>
+                </a:solidFill>
+                <a:effectLst/>
+                <a:latin typeface="+mn-lt"/>
+                <a:ea typeface="+mn-ea"/>
+                <a:cs typeface="+mn-cs"/>
+              </a:rPr>
+              <a:t>と</a:t>
+            </a:r>
+            <a:r>
+              <a:rPr kumimoji="1" lang="ja-JP" altLang="en-US" sz="1200" b="1" i="0" u="none" strike="noStrike" kern="1200" dirty="0" smtClean="0">
+                <a:solidFill>
+                  <a:schemeClr val="tx1"/>
+                </a:solidFill>
+                <a:effectLst/>
+                <a:latin typeface="+mn-lt"/>
+                <a:ea typeface="+mn-ea"/>
+                <a:cs typeface="+mn-cs"/>
+              </a:rPr>
+              <a:t>確率項</a:t>
+            </a:r>
+            <a:r>
+              <a:rPr kumimoji="1" lang="ja-JP" altLang="en-US" sz="1200" b="0" i="0" u="none" strike="noStrike" kern="1200" dirty="0" smtClean="0">
+                <a:solidFill>
+                  <a:schemeClr val="tx1"/>
+                </a:solidFill>
+                <a:effectLst/>
+                <a:latin typeface="+mn-lt"/>
+                <a:ea typeface="+mn-ea"/>
+                <a:cs typeface="+mn-cs"/>
+              </a:rPr>
+              <a:t>（確率、つまりその値を完全には予測できない項）に</a:t>
+            </a:r>
+            <a:r>
+              <a:rPr kumimoji="1" lang="ja-JP" altLang="en-US" sz="1200" b="1" i="0" u="none" strike="noStrike" kern="1200" dirty="0" smtClean="0">
+                <a:solidFill>
+                  <a:schemeClr val="tx1"/>
+                </a:solidFill>
+                <a:effectLst/>
+                <a:latin typeface="+mn-lt"/>
+                <a:ea typeface="+mn-ea"/>
+                <a:cs typeface="+mn-cs"/>
+              </a:rPr>
+              <a:t>線形に</a:t>
+            </a:r>
+            <a:r>
+              <a:rPr kumimoji="1" lang="ja-JP" altLang="en-US" sz="1200" b="0" i="0" u="none" strike="noStrike" kern="1200" dirty="0" smtClean="0">
+                <a:solidFill>
+                  <a:schemeClr val="tx1"/>
+                </a:solidFill>
+                <a:effectLst/>
+                <a:latin typeface="+mn-lt"/>
+                <a:ea typeface="+mn-ea"/>
+                <a:cs typeface="+mn-cs"/>
+              </a:rPr>
+              <a:t>依存している</a:t>
+            </a:r>
+            <a:endParaRPr kumimoji="1" lang="en-US" altLang="ja-JP" dirty="0" smtClean="0"/>
+          </a:p>
+          <a:p>
+            <a:endParaRPr kumimoji="1" lang="en-US" altLang="ja-JP" dirty="0" smtClean="0"/>
+          </a:p>
+          <a:p>
+            <a:r>
               <a:rPr kumimoji="1" lang="en-US" altLang="ja-JP" dirty="0" smtClean="0"/>
               <a:t>Ref:</a:t>
             </a:r>
@@ -949,23 +1187,8 @@
           <a:p>
             <a:r>
               <a:rPr kumimoji="1" lang="en-US" altLang="ja-JP" dirty="0" smtClean="0"/>
-              <a:t>https://diamond.jp/articles/-/156184</a:t>
-            </a:r>
-          </a:p>
-          <a:p>
-            <a:r>
-              <a:rPr kumimoji="1" lang="en-US" altLang="ja-JP" dirty="0" smtClean="0"/>
-              <a:t>https://www.anicom-sompo.co.jp/nekonoshiori/679.html</a:t>
-            </a:r>
-          </a:p>
-          <a:p>
-            <a:r>
-              <a:rPr kumimoji="1" lang="en-US" altLang="ja-JP" dirty="0" smtClean="0"/>
-              <a:t>https://ameblo.jp/kashi-sohko/entry-12115454506.html</a:t>
-            </a:r>
-          </a:p>
-          <a:p>
-            <a:endParaRPr kumimoji="1" lang="en-US" altLang="ja-JP" dirty="0" smtClean="0"/>
+              <a:t>http://www.wonds.co.jp/wp/2018/04/21/multi_regression_analysis/</a:t>
+            </a:r>
           </a:p>
           <a:p>
             <a:endParaRPr kumimoji="1" lang="ja-JP" altLang="en-US" dirty="0"/>
@@ -998,7 +1221,7 @@
     </p:spTree>
     <p:extLst>
       <p:ext uri="{BB962C8B-B14F-4D97-AF65-F5344CB8AC3E}">
-        <p14:creationId xmlns:p14="http://schemas.microsoft.com/office/powerpoint/2010/main" val="2970744946"/>
+        <p14:creationId xmlns:p14="http://schemas.microsoft.com/office/powerpoint/2010/main" val="2810427834"/>
       </p:ext>
     </p:extLst>
   </p:cSld>
@@ -1052,20 +1275,6 @@
           <a:bodyPr/>
           <a:lstStyle/>
           <a:p>
-            <a:r>
-              <a:rPr kumimoji="1" lang="en-US" altLang="ja-JP" dirty="0" err="1" smtClean="0"/>
-              <a:t>Ref:http</a:t>
-            </a:r>
-            <a:r>
-              <a:rPr kumimoji="1" lang="en-US" altLang="ja-JP" dirty="0" smtClean="0"/>
-              <a:t>:</a:t>
-            </a:r>
-          </a:p>
-          <a:p>
-            <a:r>
-              <a:rPr kumimoji="1" lang="en-US" altLang="ja-JP" dirty="0" smtClean="0"/>
-              <a:t>https://datumstudio.jp/blog/%E3%82%AF%E3%83%A9%E3%82%B9%E3%82%BF%E3%83%AA%E3%83%B3%E3%82%B0%EF%BC%881%EF%BC%89</a:t>
-            </a:r>
             <a:endParaRPr kumimoji="1" lang="ja-JP" altLang="en-US" dirty="0"/>
           </a:p>
         </p:txBody>
@@ -1096,7 +1305,7 @@
     </p:spTree>
     <p:extLst>
       <p:ext uri="{BB962C8B-B14F-4D97-AF65-F5344CB8AC3E}">
-        <p14:creationId xmlns:p14="http://schemas.microsoft.com/office/powerpoint/2010/main" val="2970744946"/>
+        <p14:creationId xmlns:p14="http://schemas.microsoft.com/office/powerpoint/2010/main" val="1959569301"/>
       </p:ext>
     </p:extLst>
   </p:cSld>
@@ -1125,7 +1334,7 @@
       </p:grpSpPr>
       <p:sp>
         <p:nvSpPr>
-          <p:cNvPr id="2" name="スライド イメージ プレースホルダー 1"/>
+          <p:cNvPr id="2" name="幻灯片图像占位符 1"/>
           <p:cNvSpPr>
             <a:spLocks noGrp="1" noRot="1" noChangeAspect="1"/>
           </p:cNvSpPr>
@@ -1137,7 +1346,7 @@
       </p:sp>
       <p:sp>
         <p:nvSpPr>
-          <p:cNvPr id="3" name="ノート プレースホルダー 2"/>
+          <p:cNvPr id="3" name="备注占位符 2"/>
           <p:cNvSpPr>
             <a:spLocks noGrp="1"/>
           </p:cNvSpPr>
@@ -1150,13 +1359,13 @@
           <a:bodyPr/>
           <a:lstStyle/>
           <a:p>
-            <a:endParaRPr kumimoji="1" lang="ja-JP" altLang="en-US" dirty="0"/>
-          </a:p>
-        </p:txBody>
-      </p:sp>
-      <p:sp>
-        <p:nvSpPr>
-          <p:cNvPr id="4" name="スライド番号プレースホルダー 3"/>
+            <a:endParaRPr lang="zh-CN" altLang="en-US" dirty="0"/>
+          </a:p>
+        </p:txBody>
+      </p:sp>
+      <p:sp>
+        <p:nvSpPr>
+          <p:cNvPr id="4" name="灯片编号占位符 3"/>
           <p:cNvSpPr>
             <a:spLocks noGrp="1"/>
           </p:cNvSpPr>
@@ -1171,7 +1380,7 @@
           <a:p>
             <a:fld id="{84A7045D-5482-465C-9262-4D1CBB23B4D8}" type="slidenum">
               <a:rPr kumimoji="1" lang="ja-JP" altLang="en-US" smtClean="0"/>
-              <a:t>8</a:t>
+              <a:t>9</a:t>
             </a:fld>
             <a:endParaRPr kumimoji="1" lang="ja-JP" altLang="en-US"/>
           </a:p>
@@ -1180,7 +1389,7 @@
     </p:spTree>
     <p:extLst>
       <p:ext uri="{BB962C8B-B14F-4D97-AF65-F5344CB8AC3E}">
-        <p14:creationId xmlns:p14="http://schemas.microsoft.com/office/powerpoint/2010/main" val="1959569301"/>
+        <p14:creationId xmlns:p14="http://schemas.microsoft.com/office/powerpoint/2010/main" val="1770745641"/>
       </p:ext>
     </p:extLst>
   </p:cSld>
@@ -1984,7 +2193,7 @@
           <a:p>
             <a:fld id="{E90ED720-0104-4369-84BC-D37694168613}" type="datetimeFigureOut">
               <a:rPr kumimoji="1" lang="ja-JP" altLang="en-US" smtClean="0"/>
-              <a:t>2019/10/2</a:t>
+              <a:t>2019/11/11</a:t>
             </a:fld>
             <a:endParaRPr kumimoji="1" lang="ja-JP" altLang="en-US"/>
           </a:p>
@@ -2235,7 +2444,7 @@
           <a:p>
             <a:fld id="{E90ED720-0104-4369-84BC-D37694168613}" type="datetimeFigureOut">
               <a:rPr kumimoji="1" lang="ja-JP" altLang="en-US" smtClean="0"/>
-              <a:t>2019/10/2</a:t>
+              <a:t>2019/11/11</a:t>
             </a:fld>
             <a:endParaRPr kumimoji="1" lang="ja-JP" altLang="en-US"/>
           </a:p>
@@ -2549,7 +2758,7 @@
           <a:p>
             <a:fld id="{E90ED720-0104-4369-84BC-D37694168613}" type="datetimeFigureOut">
               <a:rPr kumimoji="1" lang="ja-JP" altLang="en-US" smtClean="0"/>
-              <a:t>2019/10/2</a:t>
+              <a:t>2019/11/11</a:t>
             </a:fld>
             <a:endParaRPr kumimoji="1" lang="ja-JP" altLang="en-US"/>
           </a:p>
@@ -2882,7 +3091,7 @@
           <a:p>
             <a:fld id="{E90ED720-0104-4369-84BC-D37694168613}" type="datetimeFigureOut">
               <a:rPr kumimoji="1" lang="ja-JP" altLang="en-US" smtClean="0"/>
-              <a:t>2019/10/2</a:t>
+              <a:t>2019/11/11</a:t>
             </a:fld>
             <a:endParaRPr kumimoji="1" lang="ja-JP" altLang="en-US"/>
           </a:p>
@@ -3196,7 +3405,7 @@
           <a:p>
             <a:fld id="{E90ED720-0104-4369-84BC-D37694168613}" type="datetimeFigureOut">
               <a:rPr kumimoji="1" lang="ja-JP" altLang="en-US" smtClean="0"/>
-              <a:t>2019/10/2</a:t>
+              <a:t>2019/11/11</a:t>
             </a:fld>
             <a:endParaRPr kumimoji="1" lang="ja-JP" altLang="en-US"/>
           </a:p>
@@ -3589,7 +3798,7 @@
           <a:p>
             <a:fld id="{E90ED720-0104-4369-84BC-D37694168613}" type="datetimeFigureOut">
               <a:rPr kumimoji="1" lang="ja-JP" altLang="en-US" smtClean="0"/>
-              <a:t>2019/10/2</a:t>
+              <a:t>2019/11/11</a:t>
             </a:fld>
             <a:endParaRPr kumimoji="1" lang="ja-JP" altLang="en-US"/>
           </a:p>
@@ -3759,7 +3968,7 @@
           <a:p>
             <a:fld id="{E90ED720-0104-4369-84BC-D37694168613}" type="datetimeFigureOut">
               <a:rPr kumimoji="1" lang="ja-JP" altLang="en-US" smtClean="0"/>
-              <a:t>2019/10/2</a:t>
+              <a:t>2019/11/11</a:t>
             </a:fld>
             <a:endParaRPr kumimoji="1" lang="ja-JP" altLang="en-US"/>
           </a:p>
@@ -3939,7 +4148,7 @@
           <a:p>
             <a:fld id="{E90ED720-0104-4369-84BC-D37694168613}" type="datetimeFigureOut">
               <a:rPr kumimoji="1" lang="ja-JP" altLang="en-US" smtClean="0"/>
-              <a:t>2019/10/2</a:t>
+              <a:t>2019/11/11</a:t>
             </a:fld>
             <a:endParaRPr kumimoji="1" lang="ja-JP" altLang="en-US"/>
           </a:p>
@@ -4109,7 +4318,7 @@
           <a:p>
             <a:fld id="{E90ED720-0104-4369-84BC-D37694168613}" type="datetimeFigureOut">
               <a:rPr kumimoji="1" lang="ja-JP" altLang="en-US" smtClean="0"/>
-              <a:t>2019/10/2</a:t>
+              <a:t>2019/11/11</a:t>
             </a:fld>
             <a:endParaRPr kumimoji="1" lang="ja-JP" altLang="en-US"/>
           </a:p>
@@ -4356,7 +4565,7 @@
           <a:p>
             <a:fld id="{E90ED720-0104-4369-84BC-D37694168613}" type="datetimeFigureOut">
               <a:rPr kumimoji="1" lang="ja-JP" altLang="en-US" smtClean="0"/>
-              <a:t>2019/10/2</a:t>
+              <a:t>2019/11/11</a:t>
             </a:fld>
             <a:endParaRPr kumimoji="1" lang="ja-JP" altLang="en-US"/>
           </a:p>
@@ -4653,7 +4862,7 @@
           <a:p>
             <a:fld id="{E90ED720-0104-4369-84BC-D37694168613}" type="datetimeFigureOut">
               <a:rPr kumimoji="1" lang="ja-JP" altLang="en-US" smtClean="0"/>
-              <a:t>2019/10/2</a:t>
+              <a:t>2019/11/11</a:t>
             </a:fld>
             <a:endParaRPr kumimoji="1" lang="ja-JP" altLang="en-US"/>
           </a:p>
@@ -5032,7 +5241,7 @@
           <a:p>
             <a:fld id="{E90ED720-0104-4369-84BC-D37694168613}" type="datetimeFigureOut">
               <a:rPr kumimoji="1" lang="ja-JP" altLang="en-US" smtClean="0"/>
-              <a:t>2019/10/2</a:t>
+              <a:t>2019/11/11</a:t>
             </a:fld>
             <a:endParaRPr kumimoji="1" lang="ja-JP" altLang="en-US"/>
           </a:p>
@@ -5155,7 +5364,7 @@
           <a:p>
             <a:fld id="{E90ED720-0104-4369-84BC-D37694168613}" type="datetimeFigureOut">
               <a:rPr kumimoji="1" lang="ja-JP" altLang="en-US" smtClean="0"/>
-              <a:t>2019/10/2</a:t>
+              <a:t>2019/11/11</a:t>
             </a:fld>
             <a:endParaRPr kumimoji="1" lang="ja-JP" altLang="en-US"/>
           </a:p>
@@ -5250,7 +5459,7 @@
           <a:p>
             <a:fld id="{E90ED720-0104-4369-84BC-D37694168613}" type="datetimeFigureOut">
               <a:rPr kumimoji="1" lang="ja-JP" altLang="en-US" smtClean="0"/>
-              <a:t>2019/10/2</a:t>
+              <a:t>2019/11/11</a:t>
             </a:fld>
             <a:endParaRPr kumimoji="1" lang="ja-JP" altLang="en-US"/>
           </a:p>
@@ -5505,7 +5714,7 @@
           <a:p>
             <a:fld id="{E90ED720-0104-4369-84BC-D37694168613}" type="datetimeFigureOut">
               <a:rPr kumimoji="1" lang="ja-JP" altLang="en-US" smtClean="0"/>
-              <a:t>2019/10/2</a:t>
+              <a:t>2019/11/11</a:t>
             </a:fld>
             <a:endParaRPr kumimoji="1" lang="ja-JP" altLang="en-US"/>
           </a:p>
@@ -5768,7 +5977,7 @@
           <a:p>
             <a:fld id="{E90ED720-0104-4369-84BC-D37694168613}" type="datetimeFigureOut">
               <a:rPr kumimoji="1" lang="ja-JP" altLang="en-US" smtClean="0"/>
-              <a:t>2019/10/2</a:t>
+              <a:t>2019/11/11</a:t>
             </a:fld>
             <a:endParaRPr kumimoji="1" lang="ja-JP" altLang="en-US"/>
           </a:p>
@@ -6582,7 +6791,7 @@
           <a:p>
             <a:fld id="{E90ED720-0104-4369-84BC-D37694168613}" type="datetimeFigureOut">
               <a:rPr kumimoji="1" lang="ja-JP" altLang="en-US" smtClean="0"/>
-              <a:t>2019/10/2</a:t>
+              <a:t>2019/11/11</a:t>
             </a:fld>
             <a:endParaRPr kumimoji="1" lang="ja-JP" altLang="en-US"/>
           </a:p>
@@ -7174,21 +7383,29 @@
           <a:lstStyle/>
           <a:p>
             <a:r>
-              <a:rPr kumimoji="1" lang="ja-JP" altLang="en-US" dirty="0" smtClean="0"/>
-              <a:t>張浩　</a:t>
-            </a:r>
-            <a:r>
               <a:rPr lang="en-US" altLang="ja-JP" dirty="0" smtClean="0"/>
               <a:t>2019348</a:t>
             </a:r>
+            <a:r>
+              <a:rPr lang="ja-JP" altLang="en-US" dirty="0" smtClean="0"/>
+              <a:t>　</a:t>
+            </a:r>
+            <a:r>
+              <a:rPr kumimoji="1" lang="ja-JP" altLang="en-US" dirty="0"/>
+              <a:t>張浩　</a:t>
+            </a:r>
+            <a:endParaRPr lang="en-US" altLang="ja-JP" dirty="0" smtClean="0"/>
+          </a:p>
+          <a:p>
+            <a:r>
+              <a:rPr kumimoji="1" lang="ja-JP" altLang="en-US" dirty="0" smtClean="0"/>
+              <a:t>フォロー担当　矢</a:t>
+            </a:r>
+            <a:r>
+              <a:rPr kumimoji="1" lang="ja-JP" altLang="en-US" dirty="0" smtClean="0"/>
+              <a:t>野潤也</a:t>
+            </a:r>
             <a:endParaRPr kumimoji="1" lang="en-US" altLang="ja-JP" dirty="0" smtClean="0"/>
-          </a:p>
-          <a:p>
-            <a:r>
-              <a:rPr kumimoji="1" lang="ja-JP" altLang="en-US" dirty="0" smtClean="0"/>
-              <a:t>名古屋第二営業所</a:t>
-            </a:r>
-            <a:endParaRPr kumimoji="1" lang="ja-JP" altLang="en-US" dirty="0"/>
           </a:p>
         </p:txBody>
       </p:sp>
@@ -7231,7 +7448,7 @@
       </p:grpSpPr>
       <p:sp>
         <p:nvSpPr>
-          <p:cNvPr id="2" name="タイトル 1"/>
+          <p:cNvPr id="2" name="标题 1"/>
           <p:cNvSpPr>
             <a:spLocks noGrp="1"/>
           </p:cNvSpPr>
@@ -7245,3483 +7462,61 @@
           <a:lstStyle/>
           <a:p>
             <a:r>
-              <a:rPr kumimoji="1" lang="ja-JP" altLang="en-US" dirty="0" smtClean="0"/>
-              <a:t>進捗状況</a:t>
-            </a:r>
-            <a:endParaRPr kumimoji="1" lang="ja-JP" altLang="en-US" dirty="0"/>
-          </a:p>
-        </p:txBody>
-      </p:sp>
-      <p:pic>
-        <p:nvPicPr>
-          <p:cNvPr id="6" name="图片 5"/>
-          <p:cNvPicPr>
-            <a:picLocks noChangeAspect="1"/>
-          </p:cNvPicPr>
-          <p:nvPr/>
-        </p:nvPicPr>
-        <p:blipFill>
-          <a:blip r:embed="rId2"/>
-          <a:stretch>
-            <a:fillRect/>
-          </a:stretch>
-        </p:blipFill>
-        <p:spPr>
-          <a:xfrm>
-            <a:off x="323528" y="1930400"/>
-            <a:ext cx="8028384" cy="4706294"/>
-          </a:xfrm>
-          <a:prstGeom prst="rect">
-            <a:avLst/>
-          </a:prstGeom>
-        </p:spPr>
-      </p:pic>
+              <a:rPr lang="ja-JP" altLang="en-US" dirty="0" smtClean="0"/>
+              <a:t>課題</a:t>
+            </a:r>
+            <a:endParaRPr lang="zh-CN" altLang="en-US" dirty="0"/>
+          </a:p>
+        </p:txBody>
+      </p:sp>
+      <p:sp>
+        <p:nvSpPr>
+          <p:cNvPr id="3" name="内容占位符 2"/>
+          <p:cNvSpPr>
+            <a:spLocks noGrp="1"/>
+          </p:cNvSpPr>
+          <p:nvPr>
+            <p:ph idx="1"/>
+          </p:nvPr>
+        </p:nvSpPr>
+        <p:spPr/>
+        <p:txBody>
+          <a:bodyPr/>
+          <a:lstStyle/>
+          <a:p>
+            <a:r>
+              <a:rPr lang="en-US" altLang="zh-CN" dirty="0" smtClean="0"/>
+              <a:t>ARIMA</a:t>
+            </a:r>
+            <a:r>
+              <a:rPr lang="ja-JP" altLang="en-US" dirty="0" smtClean="0"/>
+              <a:t>モデルは一つの入力に限られている。</a:t>
+            </a:r>
+            <a:endParaRPr lang="en-US" altLang="ja-JP" dirty="0" smtClean="0"/>
+          </a:p>
+          <a:p>
+            <a:r>
+              <a:rPr lang="ja-JP" altLang="en-US" dirty="0" smtClean="0"/>
+              <a:t>新しいデータを追加できない。</a:t>
+            </a:r>
+            <a:endParaRPr lang="zh-CN" altLang="en-US" dirty="0"/>
+          </a:p>
+        </p:txBody>
+      </p:sp>
     </p:spTree>
     <p:extLst>
       <p:ext uri="{BB962C8B-B14F-4D97-AF65-F5344CB8AC3E}">
-        <p14:creationId xmlns:p14="http://schemas.microsoft.com/office/powerpoint/2010/main" val="2599161162"/>
+        <p14:creationId xmlns:p14="http://schemas.microsoft.com/office/powerpoint/2010/main" val="2109372248"/>
       </p:ext>
     </p:extLst>
   </p:cSld>
   <p:clrMapOvr>
     <a:masterClrMapping/>
   </p:clrMapOvr>
-  <p:timing>
-    <p:tnLst>
-      <p:par>
-        <p:cTn id="1" dur="indefinite" restart="never" nodeType="tmRoot"/>
-      </p:par>
-    </p:tnLst>
-  </p:timing>
 </p:sld>
 </file>
 
 <file path=ppt/slides/slide11.xml><?xml version="1.0" encoding="utf-8"?>
-<p:sld xmlns:a="http://schemas.openxmlformats.org/drawingml/2006/main" xmlns:r="http://schemas.openxmlformats.org/officeDocument/2006/relationships" xmlns:p="http://schemas.openxmlformats.org/presentationml/2006/main">
-  <p:cSld>
-    <p:spTree>
-      <p:nvGrpSpPr>
-        <p:cNvPr id="1" name=""/>
-        <p:cNvGrpSpPr/>
-        <p:nvPr/>
-      </p:nvGrpSpPr>
-      <p:grpSpPr>
-        <a:xfrm>
-          <a:off x="0" y="0"/>
-          <a:ext cx="0" cy="0"/>
-          <a:chOff x="0" y="0"/>
-          <a:chExt cx="0" cy="0"/>
-        </a:xfrm>
-      </p:grpSpPr>
-      <p:sp>
-        <p:nvSpPr>
-          <p:cNvPr id="2" name="タイトル 1"/>
-          <p:cNvSpPr>
-            <a:spLocks noGrp="1"/>
-          </p:cNvSpPr>
-          <p:nvPr>
-            <p:ph type="title"/>
-          </p:nvPr>
-        </p:nvSpPr>
-        <p:spPr/>
-        <p:txBody>
-          <a:bodyPr/>
-          <a:lstStyle/>
-          <a:p>
-            <a:r>
-              <a:rPr lang="ja-JP" altLang="en-US" dirty="0"/>
-              <a:t>活動内容</a:t>
-            </a:r>
-            <a:endParaRPr kumimoji="1" lang="ja-JP" altLang="en-US" dirty="0"/>
-          </a:p>
-        </p:txBody>
-      </p:sp>
-      <p:sp>
-        <p:nvSpPr>
-          <p:cNvPr id="3" name="コンテンツ プレースホルダー 2"/>
-          <p:cNvSpPr>
-            <a:spLocks noGrp="1"/>
-          </p:cNvSpPr>
-          <p:nvPr>
-            <p:ph idx="1"/>
-          </p:nvPr>
-        </p:nvSpPr>
-        <p:spPr/>
-        <p:txBody>
-          <a:bodyPr>
-            <a:normAutofit/>
-          </a:bodyPr>
-          <a:lstStyle/>
-          <a:p>
-            <a:r>
-              <a:rPr kumimoji="1" lang="en-US" altLang="ja-JP" sz="2800" dirty="0" smtClean="0"/>
-              <a:t>N1</a:t>
-            </a:r>
-            <a:r>
-              <a:rPr kumimoji="1" lang="ja-JP" altLang="en-US" sz="2800" dirty="0" smtClean="0"/>
-              <a:t>による</a:t>
-            </a:r>
-            <a:r>
-              <a:rPr kumimoji="1" lang="en-US" altLang="ja-JP" sz="2800" dirty="0" smtClean="0"/>
-              <a:t>python</a:t>
-            </a:r>
-            <a:r>
-              <a:rPr kumimoji="1" lang="ja-JP" altLang="en-US" sz="2800" dirty="0" smtClean="0"/>
-              <a:t>と</a:t>
-            </a:r>
-            <a:r>
-              <a:rPr kumimoji="1" lang="en-US" altLang="ja-JP" sz="2800" dirty="0" smtClean="0"/>
-              <a:t>AI</a:t>
-            </a:r>
-            <a:r>
-              <a:rPr kumimoji="1" lang="ja-JP" altLang="en-US" sz="2800" dirty="0" smtClean="0"/>
-              <a:t>を身につけ、未来の業務に対応できるように頑張ります。</a:t>
-            </a:r>
-            <a:endParaRPr kumimoji="1" lang="en-US" altLang="ja-JP" sz="2800" dirty="0" smtClean="0"/>
-          </a:p>
-          <a:p>
-            <a:r>
-              <a:rPr lang="ja-JP" altLang="en-US" sz="2800" dirty="0" smtClean="0"/>
-              <a:t>できるだけ、精確的に株価を予測し、生活を改善します。</a:t>
-            </a:r>
-            <a:endParaRPr kumimoji="1" lang="ja-JP" altLang="en-US" sz="2800" dirty="0"/>
-          </a:p>
-        </p:txBody>
-      </p:sp>
-    </p:spTree>
-    <p:extLst>
-      <p:ext uri="{BB962C8B-B14F-4D97-AF65-F5344CB8AC3E}">
-        <p14:creationId xmlns:p14="http://schemas.microsoft.com/office/powerpoint/2010/main" val="1630071558"/>
-      </p:ext>
-    </p:extLst>
-  </p:cSld>
-  <p:clrMapOvr>
-    <a:masterClrMapping/>
-  </p:clrMapOvr>
-  <p:timing>
-    <p:tnLst>
-      <p:par>
-        <p:cTn id="1" dur="indefinite" restart="never" nodeType="tmRoot"/>
-      </p:par>
-    </p:tnLst>
-  </p:timing>
-</p:sld>
-</file>
-
-<file path=ppt/slides/slide12.xml><?xml version="1.0" encoding="utf-8"?>
-<p:sld xmlns:a="http://schemas.openxmlformats.org/drawingml/2006/main" xmlns:r="http://schemas.openxmlformats.org/officeDocument/2006/relationships" xmlns:p="http://schemas.openxmlformats.org/presentationml/2006/main">
-  <p:cSld>
-    <p:spTree>
-      <p:nvGrpSpPr>
-        <p:cNvPr id="1" name=""/>
-        <p:cNvGrpSpPr/>
-        <p:nvPr/>
-      </p:nvGrpSpPr>
-      <p:grpSpPr>
-        <a:xfrm>
-          <a:off x="0" y="0"/>
-          <a:ext cx="0" cy="0"/>
-          <a:chOff x="0" y="0"/>
-          <a:chExt cx="0" cy="0"/>
-        </a:xfrm>
-      </p:grpSpPr>
-      <p:sp>
-        <p:nvSpPr>
-          <p:cNvPr id="2" name="タイトル 1"/>
-          <p:cNvSpPr>
-            <a:spLocks noGrp="1"/>
-          </p:cNvSpPr>
-          <p:nvPr>
-            <p:ph type="title"/>
-          </p:nvPr>
-        </p:nvSpPr>
-        <p:spPr>
-          <a:xfrm>
-            <a:off x="457200" y="3068960"/>
-            <a:ext cx="8229600" cy="1143000"/>
-          </a:xfrm>
-        </p:spPr>
-        <p:txBody>
-          <a:bodyPr>
-            <a:normAutofit/>
-          </a:bodyPr>
-          <a:lstStyle/>
-          <a:p>
-            <a:r>
-              <a:rPr lang="ja-JP" altLang="en-US" dirty="0"/>
-              <a:t>ご清</a:t>
-            </a:r>
-            <a:r>
-              <a:rPr lang="ja-JP" altLang="en-US" dirty="0" smtClean="0"/>
-              <a:t>聴ありがとうございます。</a:t>
-            </a:r>
-            <a:endParaRPr kumimoji="1" lang="ja-JP" altLang="en-US" dirty="0"/>
-          </a:p>
-        </p:txBody>
-      </p:sp>
-    </p:spTree>
-    <p:extLst>
-      <p:ext uri="{BB962C8B-B14F-4D97-AF65-F5344CB8AC3E}">
-        <p14:creationId xmlns:p14="http://schemas.microsoft.com/office/powerpoint/2010/main" val="2731057766"/>
-      </p:ext>
-    </p:extLst>
-  </p:cSld>
-  <p:clrMapOvr>
-    <a:masterClrMapping/>
-  </p:clrMapOvr>
-  <p:timing>
-    <p:tnLst>
-      <p:par>
-        <p:cTn id="1" dur="indefinite" restart="never" nodeType="tmRoot"/>
-      </p:par>
-    </p:tnLst>
-  </p:timing>
-</p:sld>
-</file>
-
-<file path=ppt/slides/slide2.xml><?xml version="1.0" encoding="utf-8"?>
-<p:sld xmlns:a="http://schemas.openxmlformats.org/drawingml/2006/main" xmlns:r="http://schemas.openxmlformats.org/officeDocument/2006/relationships" xmlns:p="http://schemas.openxmlformats.org/presentationml/2006/main">
-  <p:cSld>
-    <p:spTree>
-      <p:nvGrpSpPr>
-        <p:cNvPr id="1" name=""/>
-        <p:cNvGrpSpPr/>
-        <p:nvPr/>
-      </p:nvGrpSpPr>
-      <p:grpSpPr>
-        <a:xfrm>
-          <a:off x="0" y="0"/>
-          <a:ext cx="0" cy="0"/>
-          <a:chOff x="0" y="0"/>
-          <a:chExt cx="0" cy="0"/>
-        </a:xfrm>
-      </p:grpSpPr>
-      <p:sp>
-        <p:nvSpPr>
-          <p:cNvPr id="2" name="タイトル 1"/>
-          <p:cNvSpPr>
-            <a:spLocks noGrp="1"/>
-          </p:cNvSpPr>
-          <p:nvPr>
-            <p:ph type="title"/>
-          </p:nvPr>
-        </p:nvSpPr>
-        <p:spPr/>
-        <p:txBody>
-          <a:bodyPr/>
-          <a:lstStyle/>
-          <a:p>
-            <a:r>
-              <a:rPr lang="ja-JP" altLang="en-US" dirty="0"/>
-              <a:t>目的</a:t>
-            </a:r>
-            <a:endParaRPr kumimoji="1" lang="ja-JP" altLang="en-US" dirty="0"/>
-          </a:p>
-        </p:txBody>
-      </p:sp>
-      <p:sp>
-        <p:nvSpPr>
-          <p:cNvPr id="3" name="コンテンツ プレースホルダー 2"/>
-          <p:cNvSpPr>
-            <a:spLocks noGrp="1"/>
-          </p:cNvSpPr>
-          <p:nvPr>
-            <p:ph idx="1"/>
-          </p:nvPr>
-        </p:nvSpPr>
-        <p:spPr/>
-        <p:txBody>
-          <a:bodyPr>
-            <a:normAutofit/>
-          </a:bodyPr>
-          <a:lstStyle/>
-          <a:p>
-            <a:r>
-              <a:rPr lang="en-US" altLang="ja-JP" dirty="0"/>
-              <a:t>Python</a:t>
-            </a:r>
-            <a:r>
-              <a:rPr lang="ja-JP" altLang="en-US" dirty="0"/>
-              <a:t>の勉強</a:t>
-            </a:r>
-            <a:endParaRPr lang="en-US" altLang="ja-JP" dirty="0"/>
-          </a:p>
-          <a:p>
-            <a:pPr marL="742950" lvl="2" indent="-342900"/>
-            <a:r>
-              <a:rPr lang="ja-JP" altLang="en-US" sz="1800" dirty="0"/>
-              <a:t>人気ランキング１位</a:t>
-            </a:r>
-            <a:endParaRPr lang="en-US" altLang="ja-JP" sz="1800" dirty="0"/>
-          </a:p>
-          <a:p>
-            <a:pPr marL="742950" lvl="2" indent="-342900"/>
-            <a:r>
-              <a:rPr lang="ja-JP" altLang="en-US" sz="1800" dirty="0"/>
-              <a:t>簡単、ライブラリが豊富</a:t>
-            </a:r>
-            <a:endParaRPr lang="en-US" altLang="ja-JP" sz="1800" dirty="0"/>
-          </a:p>
-          <a:p>
-            <a:pPr marL="742950" lvl="2" indent="-342900"/>
-            <a:r>
-              <a:rPr lang="en-US" altLang="ja-JP" sz="1800" dirty="0"/>
-              <a:t>AI</a:t>
-            </a:r>
-            <a:r>
-              <a:rPr lang="ja-JP" altLang="en-US" sz="1800" dirty="0"/>
-              <a:t>の分野で圧倒的な</a:t>
-            </a:r>
-            <a:r>
-              <a:rPr lang="ja-JP" altLang="en-US" sz="1800" dirty="0" smtClean="0"/>
-              <a:t>地位</a:t>
-            </a:r>
-            <a:endParaRPr lang="en-US" altLang="ja-JP" sz="1800" dirty="0" smtClean="0"/>
-          </a:p>
-          <a:p>
-            <a:pPr marL="742950" lvl="2" indent="-342900"/>
-            <a:endParaRPr lang="en-US" altLang="ja-JP" dirty="0"/>
-          </a:p>
-          <a:p>
-            <a:r>
-              <a:rPr lang="en-US" altLang="ja-JP" dirty="0"/>
-              <a:t>AI</a:t>
-            </a:r>
-            <a:r>
-              <a:rPr lang="ja-JP" altLang="en-US" dirty="0"/>
-              <a:t>の勉強</a:t>
-            </a:r>
-            <a:endParaRPr lang="en-US" altLang="ja-JP" dirty="0"/>
-          </a:p>
-          <a:p>
-            <a:pPr marL="742950" lvl="2" indent="-342900"/>
-            <a:r>
-              <a:rPr lang="ja-JP" altLang="en-US" sz="1800" dirty="0"/>
-              <a:t>興味ある</a:t>
-            </a:r>
-            <a:endParaRPr lang="en-US" altLang="ja-JP" sz="1800" dirty="0"/>
-          </a:p>
-          <a:p>
-            <a:pPr marL="742950" lvl="2" indent="-342900"/>
-            <a:r>
-              <a:rPr lang="ja-JP" altLang="en-US" sz="1800" dirty="0"/>
-              <a:t>時代に遅れないよう</a:t>
-            </a:r>
-            <a:endParaRPr lang="en-US" altLang="ja-JP" sz="1800" dirty="0"/>
-          </a:p>
-          <a:p>
-            <a:pPr lvl="1"/>
-            <a:endParaRPr kumimoji="1" lang="ja-JP" altLang="en-US" dirty="0"/>
-          </a:p>
-        </p:txBody>
-      </p:sp>
-      <p:pic>
-        <p:nvPicPr>
-          <p:cNvPr id="5122" name="Picture 2" descr="「AI」の画像検索結果">
-            <a:hlinkClick r:id="rId3"/>
-          </p:cNvPr>
-          <p:cNvPicPr>
-            <a:picLocks noChangeAspect="1" noChangeArrowheads="1"/>
-          </p:cNvPicPr>
-          <p:nvPr/>
-        </p:nvPicPr>
-        <p:blipFill>
-          <a:blip r:embed="rId4">
-            <a:extLst>
-              <a:ext uri="{28A0092B-C50C-407E-A947-70E740481C1C}">
-                <a14:useLocalDpi xmlns:a14="http://schemas.microsoft.com/office/drawing/2010/main" val="0"/>
-              </a:ext>
-            </a:extLst>
-          </a:blip>
-          <a:srcRect/>
-          <a:stretch>
-            <a:fillRect/>
-          </a:stretch>
-        </p:blipFill>
-        <p:spPr bwMode="auto">
-          <a:xfrm>
-            <a:off x="4067944" y="4055228"/>
-            <a:ext cx="3532650" cy="1986135"/>
-          </a:xfrm>
-          <a:prstGeom prst="rect">
-            <a:avLst/>
-          </a:prstGeom>
-          <a:noFill/>
-          <a:extLst>
-            <a:ext uri="{909E8E84-426E-40DD-AFC4-6F175D3DCCD1}">
-              <a14:hiddenFill xmlns:a14="http://schemas.microsoft.com/office/drawing/2010/main">
-                <a:solidFill>
-                  <a:srgbClr val="FFFFFF"/>
-                </a:solidFill>
-              </a14:hiddenFill>
-            </a:ext>
-          </a:extLst>
-        </p:spPr>
-      </p:pic>
-    </p:spTree>
-    <p:extLst>
-      <p:ext uri="{BB962C8B-B14F-4D97-AF65-F5344CB8AC3E}">
-        <p14:creationId xmlns:p14="http://schemas.microsoft.com/office/powerpoint/2010/main" val="572296245"/>
-      </p:ext>
-    </p:extLst>
-  </p:cSld>
-  <p:clrMapOvr>
-    <a:masterClrMapping/>
-  </p:clrMapOvr>
-  <p:timing>
-    <p:tnLst>
-      <p:par>
-        <p:cTn id="1" dur="indefinite" restart="never" nodeType="tmRoot"/>
-      </p:par>
-    </p:tnLst>
-  </p:timing>
-</p:sld>
-</file>
-
-<file path=ppt/slides/slide3.xml><?xml version="1.0" encoding="utf-8"?>
-<p:sld xmlns:a="http://schemas.openxmlformats.org/drawingml/2006/main" xmlns:r="http://schemas.openxmlformats.org/officeDocument/2006/relationships" xmlns:p="http://schemas.openxmlformats.org/presentationml/2006/main">
-  <p:cSld>
-    <p:spTree>
-      <p:nvGrpSpPr>
-        <p:cNvPr id="1" name=""/>
-        <p:cNvGrpSpPr/>
-        <p:nvPr/>
-      </p:nvGrpSpPr>
-      <p:grpSpPr>
-        <a:xfrm>
-          <a:off x="0" y="0"/>
-          <a:ext cx="0" cy="0"/>
-          <a:chOff x="0" y="0"/>
-          <a:chExt cx="0" cy="0"/>
-        </a:xfrm>
-      </p:grpSpPr>
-      <p:sp>
-        <p:nvSpPr>
-          <p:cNvPr id="2" name="タイトル 1"/>
-          <p:cNvSpPr>
-            <a:spLocks noGrp="1"/>
-          </p:cNvSpPr>
-          <p:nvPr>
-            <p:ph type="title"/>
-          </p:nvPr>
-        </p:nvSpPr>
-        <p:spPr/>
-        <p:txBody>
-          <a:bodyPr/>
-          <a:lstStyle/>
-          <a:p>
-            <a:r>
-              <a:rPr lang="ja-JP" altLang="en-US" dirty="0"/>
-              <a:t>背景</a:t>
-            </a:r>
-            <a:endParaRPr kumimoji="1" lang="ja-JP" altLang="en-US" dirty="0"/>
-          </a:p>
-        </p:txBody>
-      </p:sp>
-      <p:sp>
-        <p:nvSpPr>
-          <p:cNvPr id="3" name="コンテンツ プレースホルダー 2"/>
-          <p:cNvSpPr>
-            <a:spLocks noGrp="1"/>
-          </p:cNvSpPr>
-          <p:nvPr>
-            <p:ph idx="1"/>
-          </p:nvPr>
-        </p:nvSpPr>
-        <p:spPr/>
-        <p:txBody>
-          <a:bodyPr/>
-          <a:lstStyle/>
-          <a:p>
-            <a:r>
-              <a:rPr lang="ja-JP" altLang="en-US" dirty="0"/>
-              <a:t>機械</a:t>
-            </a:r>
-            <a:r>
-              <a:rPr lang="ja-JP" altLang="en-US" dirty="0" smtClean="0"/>
-              <a:t>学習</a:t>
-            </a:r>
-            <a:endParaRPr lang="en-US" altLang="ja-JP" dirty="0" smtClean="0"/>
-          </a:p>
-          <a:p>
-            <a:pPr lvl="1"/>
-            <a:r>
-              <a:rPr lang="en-US" altLang="ja-JP" sz="1800" dirty="0" smtClean="0"/>
-              <a:t>AI</a:t>
-            </a:r>
-            <a:r>
-              <a:rPr lang="ja-JP" altLang="en-US" sz="1800" dirty="0" err="1" smtClean="0"/>
-              <a:t>、</a:t>
-            </a:r>
-            <a:r>
-              <a:rPr lang="ja-JP" altLang="en-US" sz="1800" dirty="0" smtClean="0"/>
-              <a:t>ディープラーニングと違う</a:t>
-            </a:r>
-            <a:endParaRPr lang="en-US" altLang="ja-JP" sz="1800" dirty="0" smtClean="0"/>
-          </a:p>
-        </p:txBody>
-      </p:sp>
-      <p:sp>
-        <p:nvSpPr>
-          <p:cNvPr id="4" name="円/楕円 3"/>
-          <p:cNvSpPr/>
-          <p:nvPr/>
-        </p:nvSpPr>
-        <p:spPr>
-          <a:xfrm>
-            <a:off x="565448" y="3016225"/>
-            <a:ext cx="7632848" cy="3744416"/>
-          </a:xfrm>
-          <a:prstGeom prst="ellipse">
-            <a:avLst/>
-          </a:prstGeom>
-          <a:solidFill>
-            <a:schemeClr val="tx2">
-              <a:lumMod val="20000"/>
-              <a:lumOff val="80000"/>
-            </a:schemeClr>
-          </a:solidFill>
-        </p:spPr>
-        <p:style>
-          <a:lnRef idx="2">
-            <a:schemeClr val="accent1">
-              <a:shade val="50000"/>
-            </a:schemeClr>
-          </a:lnRef>
-          <a:fillRef idx="1">
-            <a:schemeClr val="accent1"/>
-          </a:fillRef>
-          <a:effectRef idx="0">
-            <a:schemeClr val="accent1"/>
-          </a:effectRef>
-          <a:fontRef idx="minor">
-            <a:schemeClr val="lt1"/>
-          </a:fontRef>
-        </p:style>
-        <p:txBody>
-          <a:bodyPr rtlCol="0" anchor="ctr"/>
-          <a:lstStyle/>
-          <a:p>
-            <a:pPr algn="ctr"/>
-            <a:endParaRPr kumimoji="1" lang="ja-JP" altLang="en-US">
-              <a:solidFill>
-                <a:schemeClr val="accent1">
-                  <a:lumMod val="40000"/>
-                  <a:lumOff val="60000"/>
-                </a:schemeClr>
-              </a:solidFill>
-            </a:endParaRPr>
-          </a:p>
-        </p:txBody>
-      </p:sp>
-      <p:sp>
-        <p:nvSpPr>
-          <p:cNvPr id="5" name="テキスト ボックス 4"/>
-          <p:cNvSpPr txBox="1"/>
-          <p:nvPr/>
-        </p:nvSpPr>
-        <p:spPr>
-          <a:xfrm>
-            <a:off x="1298476" y="3418288"/>
-            <a:ext cx="5950768" cy="646331"/>
-          </a:xfrm>
-          <a:prstGeom prst="rect">
-            <a:avLst/>
-          </a:prstGeom>
-          <a:noFill/>
-        </p:spPr>
-        <p:txBody>
-          <a:bodyPr wrap="square" rtlCol="0">
-            <a:spAutoFit/>
-          </a:bodyPr>
-          <a:lstStyle/>
-          <a:p>
-            <a:pPr algn="ctr"/>
-            <a:r>
-              <a:rPr kumimoji="1" lang="en-US" altLang="ja-JP" dirty="0" smtClean="0"/>
-              <a:t>AI</a:t>
-            </a:r>
-            <a:r>
-              <a:rPr kumimoji="1" lang="ja-JP" altLang="en-US" dirty="0" smtClean="0"/>
-              <a:t>（人工知能）</a:t>
-            </a:r>
-            <a:endParaRPr kumimoji="1" lang="en-US" altLang="ja-JP" dirty="0" smtClean="0"/>
-          </a:p>
-          <a:p>
-            <a:pPr algn="ctr"/>
-            <a:r>
-              <a:rPr lang="ja-JP" altLang="en-US" dirty="0"/>
-              <a:t>人間</a:t>
-            </a:r>
-            <a:r>
-              <a:rPr lang="ja-JP" altLang="en-US" dirty="0" smtClean="0"/>
-              <a:t>と同類の知能を実現させようという取組やその技術</a:t>
-            </a:r>
-            <a:endParaRPr kumimoji="1" lang="ja-JP" altLang="en-US" dirty="0"/>
-          </a:p>
-        </p:txBody>
-      </p:sp>
-      <p:sp>
-        <p:nvSpPr>
-          <p:cNvPr id="6" name="円/楕円 5"/>
-          <p:cNvSpPr/>
-          <p:nvPr/>
-        </p:nvSpPr>
-        <p:spPr>
-          <a:xfrm>
-            <a:off x="1298476" y="4157464"/>
-            <a:ext cx="6166792" cy="2655912"/>
-          </a:xfrm>
-          <a:prstGeom prst="ellipse">
-            <a:avLst/>
-          </a:prstGeom>
-          <a:solidFill>
-            <a:schemeClr val="tx2">
-              <a:lumMod val="40000"/>
-              <a:lumOff val="60000"/>
-            </a:schemeClr>
-          </a:solidFill>
-        </p:spPr>
-        <p:style>
-          <a:lnRef idx="2">
-            <a:schemeClr val="accent1">
-              <a:shade val="50000"/>
-            </a:schemeClr>
-          </a:lnRef>
-          <a:fillRef idx="1">
-            <a:schemeClr val="accent1"/>
-          </a:fillRef>
-          <a:effectRef idx="0">
-            <a:schemeClr val="accent1"/>
-          </a:effectRef>
-          <a:fontRef idx="minor">
-            <a:schemeClr val="lt1"/>
-          </a:fontRef>
-        </p:style>
-        <p:txBody>
-          <a:bodyPr rtlCol="0" anchor="ctr"/>
-          <a:lstStyle/>
-          <a:p>
-            <a:pPr algn="ctr"/>
-            <a:endParaRPr kumimoji="1" lang="ja-JP" altLang="en-US"/>
-          </a:p>
-        </p:txBody>
-      </p:sp>
-      <p:sp>
-        <p:nvSpPr>
-          <p:cNvPr id="7" name="テキスト ボックス 6"/>
-          <p:cNvSpPr txBox="1"/>
-          <p:nvPr/>
-        </p:nvSpPr>
-        <p:spPr>
-          <a:xfrm>
-            <a:off x="2151348" y="4270553"/>
-            <a:ext cx="4389648" cy="923330"/>
-          </a:xfrm>
-          <a:prstGeom prst="rect">
-            <a:avLst/>
-          </a:prstGeom>
-          <a:noFill/>
-        </p:spPr>
-        <p:txBody>
-          <a:bodyPr wrap="square" rtlCol="0">
-            <a:spAutoFit/>
-          </a:bodyPr>
-          <a:lstStyle/>
-          <a:p>
-            <a:pPr algn="ctr"/>
-            <a:r>
-              <a:rPr lang="ja-JP" altLang="en-US" dirty="0" smtClean="0"/>
-              <a:t>機械学習</a:t>
-            </a:r>
-            <a:endParaRPr lang="en-US" altLang="ja-JP" dirty="0" smtClean="0"/>
-          </a:p>
-          <a:p>
-            <a:pPr algn="ctr"/>
-            <a:r>
-              <a:rPr kumimoji="1" lang="ja-JP" altLang="en-US" dirty="0" smtClean="0"/>
-              <a:t>特定のタスクをトレーニング</a:t>
-            </a:r>
-            <a:r>
-              <a:rPr lang="ja-JP" altLang="en-US" dirty="0"/>
-              <a:t>に</a:t>
-            </a:r>
-            <a:r>
-              <a:rPr lang="ja-JP" altLang="en-US" dirty="0" smtClean="0"/>
-              <a:t>より実行できるようになる</a:t>
-            </a:r>
-            <a:r>
-              <a:rPr lang="en-US" altLang="ja-JP" dirty="0" smtClean="0"/>
-              <a:t>AI</a:t>
-            </a:r>
-            <a:r>
-              <a:rPr lang="ja-JP" altLang="en-US" dirty="0" err="1" smtClean="0"/>
-              <a:t>。</a:t>
-            </a:r>
-            <a:r>
-              <a:rPr lang="ja-JP" altLang="en-US" dirty="0" smtClean="0"/>
-              <a:t>人が特徴を定義</a:t>
-            </a:r>
-            <a:endParaRPr kumimoji="1" lang="ja-JP" altLang="en-US" dirty="0"/>
-          </a:p>
-        </p:txBody>
-      </p:sp>
-      <p:sp>
-        <p:nvSpPr>
-          <p:cNvPr id="8" name="円/楕円 7"/>
-          <p:cNvSpPr/>
-          <p:nvPr/>
-        </p:nvSpPr>
-        <p:spPr>
-          <a:xfrm>
-            <a:off x="2098948" y="5176464"/>
-            <a:ext cx="4489276" cy="1636911"/>
-          </a:xfrm>
-          <a:prstGeom prst="ellipse">
-            <a:avLst/>
-          </a:prstGeom>
-          <a:solidFill>
-            <a:schemeClr val="tx2">
-              <a:lumMod val="60000"/>
-              <a:lumOff val="40000"/>
-            </a:schemeClr>
-          </a:solidFill>
-        </p:spPr>
-        <p:style>
-          <a:lnRef idx="2">
-            <a:schemeClr val="accent1">
-              <a:shade val="50000"/>
-            </a:schemeClr>
-          </a:lnRef>
-          <a:fillRef idx="1">
-            <a:schemeClr val="accent1"/>
-          </a:fillRef>
-          <a:effectRef idx="0">
-            <a:schemeClr val="accent1"/>
-          </a:effectRef>
-          <a:fontRef idx="minor">
-            <a:schemeClr val="lt1"/>
-          </a:fontRef>
-        </p:style>
-        <p:txBody>
-          <a:bodyPr rtlCol="0" anchor="ctr"/>
-          <a:lstStyle/>
-          <a:p>
-            <a:pPr algn="ctr"/>
-            <a:endParaRPr kumimoji="1" lang="ja-JP" altLang="en-US"/>
-          </a:p>
-        </p:txBody>
-      </p:sp>
-      <p:sp>
-        <p:nvSpPr>
-          <p:cNvPr id="9" name="テキスト ボックス 8"/>
-          <p:cNvSpPr txBox="1"/>
-          <p:nvPr/>
-        </p:nvSpPr>
-        <p:spPr>
-          <a:xfrm>
-            <a:off x="2864231" y="5722982"/>
-            <a:ext cx="2864253" cy="646331"/>
-          </a:xfrm>
-          <a:prstGeom prst="rect">
-            <a:avLst/>
-          </a:prstGeom>
-          <a:noFill/>
-        </p:spPr>
-        <p:txBody>
-          <a:bodyPr wrap="square" rtlCol="0">
-            <a:spAutoFit/>
-          </a:bodyPr>
-          <a:lstStyle/>
-          <a:p>
-            <a:pPr algn="ctr"/>
-            <a:r>
-              <a:rPr lang="ja-JP" altLang="en-US" dirty="0" smtClean="0"/>
-              <a:t>ディープラーニング</a:t>
-            </a:r>
-            <a:endParaRPr lang="en-US" altLang="ja-JP" dirty="0" smtClean="0"/>
-          </a:p>
-          <a:p>
-            <a:pPr algn="ctr"/>
-            <a:r>
-              <a:rPr lang="ja-JP" altLang="en-US" dirty="0" smtClean="0"/>
-              <a:t>マシンが特徴を自動定義</a:t>
-            </a:r>
-            <a:endParaRPr kumimoji="1" lang="ja-JP" altLang="en-US" dirty="0"/>
-          </a:p>
-        </p:txBody>
-      </p:sp>
-    </p:spTree>
-    <p:extLst>
-      <p:ext uri="{BB962C8B-B14F-4D97-AF65-F5344CB8AC3E}">
-        <p14:creationId xmlns:p14="http://schemas.microsoft.com/office/powerpoint/2010/main" val="247619550"/>
-      </p:ext>
-    </p:extLst>
-  </p:cSld>
-  <p:clrMapOvr>
-    <a:masterClrMapping/>
-  </p:clrMapOvr>
-  <p:timing>
-    <p:tnLst>
-      <p:par>
-        <p:cTn id="1" dur="indefinite" restart="never" nodeType="tmRoot">
-          <p:childTnLst>
-            <p:seq concurrent="1" nextAc="seek">
-              <p:cTn id="2" dur="indefinite" nodeType="mainSeq">
-                <p:childTnLst>
-                  <p:par>
-                    <p:cTn id="3" fill="hold">
-                      <p:stCondLst>
-                        <p:cond delay="indefinite"/>
-                      </p:stCondLst>
-                      <p:childTnLst>
-                        <p:par>
-                          <p:cTn id="4" fill="hold">
-                            <p:stCondLst>
-                              <p:cond delay="0"/>
-                            </p:stCondLst>
-                            <p:childTnLst>
-                              <p:par>
-                                <p:cTn id="5" presetID="10" presetClass="entr" presetSubtype="0" fill="hold" grpId="0" nodeType="clickEffect">
-                                  <p:stCondLst>
-                                    <p:cond delay="0"/>
-                                  </p:stCondLst>
-                                  <p:childTnLst>
-                                    <p:set>
-                                      <p:cBhvr>
-                                        <p:cTn id="6" dur="1" fill="hold">
-                                          <p:stCondLst>
-                                            <p:cond delay="0"/>
-                                          </p:stCondLst>
-                                        </p:cTn>
-                                        <p:tgtEl>
-                                          <p:spTgt spid="4"/>
-                                        </p:tgtEl>
-                                        <p:attrNameLst>
-                                          <p:attrName>style.visibility</p:attrName>
-                                        </p:attrNameLst>
-                                      </p:cBhvr>
-                                      <p:to>
-                                        <p:strVal val="visible"/>
-                                      </p:to>
-                                    </p:set>
-                                    <p:animEffect transition="in" filter="fade">
-                                      <p:cBhvr>
-                                        <p:cTn id="7" dur="500"/>
-                                        <p:tgtEl>
-                                          <p:spTgt spid="4"/>
-                                        </p:tgtEl>
-                                      </p:cBhvr>
-                                    </p:animEffect>
-                                  </p:childTnLst>
-                                </p:cTn>
-                              </p:par>
-                              <p:par>
-                                <p:cTn id="8" presetID="10" presetClass="entr" presetSubtype="0" fill="hold" grpId="0" nodeType="withEffect">
-                                  <p:stCondLst>
-                                    <p:cond delay="0"/>
-                                  </p:stCondLst>
-                                  <p:childTnLst>
-                                    <p:set>
-                                      <p:cBhvr>
-                                        <p:cTn id="9" dur="1" fill="hold">
-                                          <p:stCondLst>
-                                            <p:cond delay="0"/>
-                                          </p:stCondLst>
-                                        </p:cTn>
-                                        <p:tgtEl>
-                                          <p:spTgt spid="5"/>
-                                        </p:tgtEl>
-                                        <p:attrNameLst>
-                                          <p:attrName>style.visibility</p:attrName>
-                                        </p:attrNameLst>
-                                      </p:cBhvr>
-                                      <p:to>
-                                        <p:strVal val="visible"/>
-                                      </p:to>
-                                    </p:set>
-                                    <p:animEffect transition="in" filter="fade">
-                                      <p:cBhvr>
-                                        <p:cTn id="10" dur="500"/>
-                                        <p:tgtEl>
-                                          <p:spTgt spid="5"/>
-                                        </p:tgtEl>
-                                      </p:cBhvr>
-                                    </p:animEffect>
-                                  </p:childTnLst>
-                                </p:cTn>
-                              </p:par>
-                            </p:childTnLst>
-                          </p:cTn>
-                        </p:par>
-                      </p:childTnLst>
-                    </p:cTn>
-                  </p:par>
-                  <p:par>
-                    <p:cTn id="11" fill="hold">
-                      <p:stCondLst>
-                        <p:cond delay="indefinite"/>
-                      </p:stCondLst>
-                      <p:childTnLst>
-                        <p:par>
-                          <p:cTn id="12" fill="hold">
-                            <p:stCondLst>
-                              <p:cond delay="0"/>
-                            </p:stCondLst>
-                            <p:childTnLst>
-                              <p:par>
-                                <p:cTn id="13" presetID="10" presetClass="entr" presetSubtype="0" fill="hold" grpId="0" nodeType="clickEffect">
-                                  <p:stCondLst>
-                                    <p:cond delay="0"/>
-                                  </p:stCondLst>
-                                  <p:childTnLst>
-                                    <p:set>
-                                      <p:cBhvr>
-                                        <p:cTn id="14" dur="1" fill="hold">
-                                          <p:stCondLst>
-                                            <p:cond delay="0"/>
-                                          </p:stCondLst>
-                                        </p:cTn>
-                                        <p:tgtEl>
-                                          <p:spTgt spid="6"/>
-                                        </p:tgtEl>
-                                        <p:attrNameLst>
-                                          <p:attrName>style.visibility</p:attrName>
-                                        </p:attrNameLst>
-                                      </p:cBhvr>
-                                      <p:to>
-                                        <p:strVal val="visible"/>
-                                      </p:to>
-                                    </p:set>
-                                    <p:animEffect transition="in" filter="fade">
-                                      <p:cBhvr>
-                                        <p:cTn id="15" dur="500"/>
-                                        <p:tgtEl>
-                                          <p:spTgt spid="6"/>
-                                        </p:tgtEl>
-                                      </p:cBhvr>
-                                    </p:animEffect>
-                                  </p:childTnLst>
-                                </p:cTn>
-                              </p:par>
-                              <p:par>
-                                <p:cTn id="16" presetID="10" presetClass="entr" presetSubtype="0" fill="hold" grpId="0" nodeType="withEffect">
-                                  <p:stCondLst>
-                                    <p:cond delay="0"/>
-                                  </p:stCondLst>
-                                  <p:childTnLst>
-                                    <p:set>
-                                      <p:cBhvr>
-                                        <p:cTn id="17" dur="1" fill="hold">
-                                          <p:stCondLst>
-                                            <p:cond delay="0"/>
-                                          </p:stCondLst>
-                                        </p:cTn>
-                                        <p:tgtEl>
-                                          <p:spTgt spid="7"/>
-                                        </p:tgtEl>
-                                        <p:attrNameLst>
-                                          <p:attrName>style.visibility</p:attrName>
-                                        </p:attrNameLst>
-                                      </p:cBhvr>
-                                      <p:to>
-                                        <p:strVal val="visible"/>
-                                      </p:to>
-                                    </p:set>
-                                    <p:animEffect transition="in" filter="fade">
-                                      <p:cBhvr>
-                                        <p:cTn id="18" dur="500"/>
-                                        <p:tgtEl>
-                                          <p:spTgt spid="7"/>
-                                        </p:tgtEl>
-                                      </p:cBhvr>
-                                    </p:animEffect>
-                                  </p:childTnLst>
-                                </p:cTn>
-                              </p:par>
-                            </p:childTnLst>
-                          </p:cTn>
-                        </p:par>
-                      </p:childTnLst>
-                    </p:cTn>
-                  </p:par>
-                  <p:par>
-                    <p:cTn id="19" fill="hold">
-                      <p:stCondLst>
-                        <p:cond delay="indefinite"/>
-                      </p:stCondLst>
-                      <p:childTnLst>
-                        <p:par>
-                          <p:cTn id="20" fill="hold">
-                            <p:stCondLst>
-                              <p:cond delay="0"/>
-                            </p:stCondLst>
-                            <p:childTnLst>
-                              <p:par>
-                                <p:cTn id="21" presetID="10" presetClass="entr" presetSubtype="0" fill="hold" grpId="0" nodeType="clickEffect">
-                                  <p:stCondLst>
-                                    <p:cond delay="0"/>
-                                  </p:stCondLst>
-                                  <p:childTnLst>
-                                    <p:set>
-                                      <p:cBhvr>
-                                        <p:cTn id="22" dur="1" fill="hold">
-                                          <p:stCondLst>
-                                            <p:cond delay="0"/>
-                                          </p:stCondLst>
-                                        </p:cTn>
-                                        <p:tgtEl>
-                                          <p:spTgt spid="8"/>
-                                        </p:tgtEl>
-                                        <p:attrNameLst>
-                                          <p:attrName>style.visibility</p:attrName>
-                                        </p:attrNameLst>
-                                      </p:cBhvr>
-                                      <p:to>
-                                        <p:strVal val="visible"/>
-                                      </p:to>
-                                    </p:set>
-                                    <p:animEffect transition="in" filter="fade">
-                                      <p:cBhvr>
-                                        <p:cTn id="23" dur="500"/>
-                                        <p:tgtEl>
-                                          <p:spTgt spid="8"/>
-                                        </p:tgtEl>
-                                      </p:cBhvr>
-                                    </p:animEffect>
-                                  </p:childTnLst>
-                                </p:cTn>
-                              </p:par>
-                              <p:par>
-                                <p:cTn id="24" presetID="10" presetClass="entr" presetSubtype="0" fill="hold" grpId="0" nodeType="withEffect">
-                                  <p:stCondLst>
-                                    <p:cond delay="0"/>
-                                  </p:stCondLst>
-                                  <p:childTnLst>
-                                    <p:set>
-                                      <p:cBhvr>
-                                        <p:cTn id="25" dur="1" fill="hold">
-                                          <p:stCondLst>
-                                            <p:cond delay="0"/>
-                                          </p:stCondLst>
-                                        </p:cTn>
-                                        <p:tgtEl>
-                                          <p:spTgt spid="9"/>
-                                        </p:tgtEl>
-                                        <p:attrNameLst>
-                                          <p:attrName>style.visibility</p:attrName>
-                                        </p:attrNameLst>
-                                      </p:cBhvr>
-                                      <p:to>
-                                        <p:strVal val="visible"/>
-                                      </p:to>
-                                    </p:set>
-                                    <p:animEffect transition="in" filter="fade">
-                                      <p:cBhvr>
-                                        <p:cTn id="26" dur="500"/>
-                                        <p:tgtEl>
-                                          <p:spTgt spid="9"/>
-                                        </p:tgtEl>
-                                      </p:cBhvr>
-                                    </p:animEffect>
-                                  </p:childTnLst>
-                                </p:cTn>
-                              </p:par>
-                            </p:childTnLst>
-                          </p:cTn>
-                        </p:par>
-                      </p:childTnLst>
-                    </p:cTn>
-                  </p:par>
-                </p:childTnLst>
-              </p:cTn>
-              <p:prevCondLst>
-                <p:cond evt="onPrev" delay="0">
-                  <p:tgtEl>
-                    <p:sldTgt/>
-                  </p:tgtEl>
-                </p:cond>
-              </p:prevCondLst>
-              <p:nextCondLst>
-                <p:cond evt="onNext" delay="0">
-                  <p:tgtEl>
-                    <p:sldTgt/>
-                  </p:tgtEl>
-                </p:cond>
-              </p:nextCondLst>
-            </p:seq>
-          </p:childTnLst>
-        </p:cTn>
-      </p:par>
-    </p:tnLst>
-    <p:bldLst>
-      <p:bldP spid="4" grpId="0" animBg="1"/>
-      <p:bldP spid="5" grpId="0"/>
-      <p:bldP spid="6" grpId="0" animBg="1"/>
-      <p:bldP spid="7" grpId="0"/>
-      <p:bldP spid="8" grpId="0" animBg="1"/>
-      <p:bldP spid="9" grpId="0"/>
-    </p:bldLst>
-  </p:timing>
-</p:sld>
-</file>
-
-<file path=ppt/slides/slide4.xml><?xml version="1.0" encoding="utf-8"?>
-<p:sld xmlns:a="http://schemas.openxmlformats.org/drawingml/2006/main" xmlns:r="http://schemas.openxmlformats.org/officeDocument/2006/relationships" xmlns:p="http://schemas.openxmlformats.org/presentationml/2006/main">
-  <p:cSld>
-    <p:spTree>
-      <p:nvGrpSpPr>
-        <p:cNvPr id="1" name=""/>
-        <p:cNvGrpSpPr/>
-        <p:nvPr/>
-      </p:nvGrpSpPr>
-      <p:grpSpPr>
-        <a:xfrm>
-          <a:off x="0" y="0"/>
-          <a:ext cx="0" cy="0"/>
-          <a:chOff x="0" y="0"/>
-          <a:chExt cx="0" cy="0"/>
-        </a:xfrm>
-      </p:grpSpPr>
-      <p:sp>
-        <p:nvSpPr>
-          <p:cNvPr id="2" name="タイトル 1"/>
-          <p:cNvSpPr>
-            <a:spLocks noGrp="1"/>
-          </p:cNvSpPr>
-          <p:nvPr>
-            <p:ph type="title"/>
-          </p:nvPr>
-        </p:nvSpPr>
-        <p:spPr/>
-        <p:txBody>
-          <a:bodyPr/>
-          <a:lstStyle/>
-          <a:p>
-            <a:r>
-              <a:rPr lang="ja-JP" altLang="en-US" dirty="0"/>
-              <a:t>背景</a:t>
-            </a:r>
-            <a:endParaRPr kumimoji="1" lang="ja-JP" altLang="en-US" dirty="0"/>
-          </a:p>
-        </p:txBody>
-      </p:sp>
-      <p:sp>
-        <p:nvSpPr>
-          <p:cNvPr id="3" name="コンテンツ プレースホルダー 2"/>
-          <p:cNvSpPr>
-            <a:spLocks noGrp="1"/>
-          </p:cNvSpPr>
-          <p:nvPr>
-            <p:ph idx="1"/>
-          </p:nvPr>
-        </p:nvSpPr>
-        <p:spPr/>
-        <p:txBody>
-          <a:bodyPr/>
-          <a:lstStyle/>
-          <a:p>
-            <a:r>
-              <a:rPr lang="ja-JP" altLang="en-US" dirty="0"/>
-              <a:t>機械</a:t>
-            </a:r>
-            <a:r>
-              <a:rPr lang="ja-JP" altLang="en-US" dirty="0" smtClean="0"/>
-              <a:t>学習</a:t>
-            </a:r>
-            <a:endParaRPr lang="en-US" altLang="ja-JP" dirty="0" smtClean="0"/>
-          </a:p>
-          <a:p>
-            <a:pPr lvl="1"/>
-            <a:r>
-              <a:rPr lang="ja-JP" altLang="en-US" sz="1800" dirty="0" smtClean="0"/>
-              <a:t>回帰</a:t>
-            </a:r>
-            <a:endParaRPr lang="en-US" altLang="ja-JP" sz="1800" dirty="0" smtClean="0"/>
-          </a:p>
-          <a:p>
-            <a:pPr lvl="1"/>
-            <a:r>
-              <a:rPr lang="ja-JP" altLang="en-US" sz="1800" dirty="0" smtClean="0"/>
-              <a:t>クラス分類</a:t>
-            </a:r>
-            <a:endParaRPr lang="en-US" altLang="ja-JP" sz="1800" dirty="0"/>
-          </a:p>
-          <a:p>
-            <a:pPr lvl="1"/>
-            <a:r>
-              <a:rPr lang="ja-JP" altLang="en-US" sz="1800" dirty="0" smtClean="0"/>
-              <a:t>クラスタリング</a:t>
-            </a:r>
-            <a:endParaRPr kumimoji="1" lang="ja-JP" altLang="en-US" sz="1800" dirty="0"/>
-          </a:p>
-        </p:txBody>
-      </p:sp>
-      <p:pic>
-        <p:nvPicPr>
-          <p:cNvPr id="4" name="图片 3"/>
-          <p:cNvPicPr>
-            <a:picLocks noChangeAspect="1"/>
-          </p:cNvPicPr>
-          <p:nvPr/>
-        </p:nvPicPr>
-        <p:blipFill>
-          <a:blip r:embed="rId3">
-            <a:extLst>
-              <a:ext uri="{28A0092B-C50C-407E-A947-70E740481C1C}">
-                <a14:useLocalDpi xmlns:a14="http://schemas.microsoft.com/office/drawing/2010/main" val="0"/>
-              </a:ext>
-            </a:extLst>
-          </a:blip>
-          <a:stretch>
-            <a:fillRect/>
-          </a:stretch>
-        </p:blipFill>
-        <p:spPr>
-          <a:xfrm>
-            <a:off x="971600" y="4100976"/>
-            <a:ext cx="3672408" cy="2444446"/>
-          </a:xfrm>
-          <a:prstGeom prst="rect">
-            <a:avLst/>
-          </a:prstGeom>
-        </p:spPr>
-      </p:pic>
-    </p:spTree>
-    <p:extLst>
-      <p:ext uri="{BB962C8B-B14F-4D97-AF65-F5344CB8AC3E}">
-        <p14:creationId xmlns:p14="http://schemas.microsoft.com/office/powerpoint/2010/main" val="2372213850"/>
-      </p:ext>
-    </p:extLst>
-  </p:cSld>
-  <p:clrMapOvr>
-    <a:masterClrMapping/>
-  </p:clrMapOvr>
-  <p:timing>
-    <p:tnLst>
-      <p:par>
-        <p:cTn id="1" dur="indefinite" restart="never" nodeType="tmRoot"/>
-      </p:par>
-    </p:tnLst>
-  </p:timing>
-</p:sld>
-</file>
-
-<file path=ppt/slides/slide5.xml><?xml version="1.0" encoding="utf-8"?>
-<p:sld xmlns:a="http://schemas.openxmlformats.org/drawingml/2006/main" xmlns:r="http://schemas.openxmlformats.org/officeDocument/2006/relationships" xmlns:p="http://schemas.openxmlformats.org/presentationml/2006/main">
-  <p:cSld>
-    <p:spTree>
-      <p:nvGrpSpPr>
-        <p:cNvPr id="1" name=""/>
-        <p:cNvGrpSpPr/>
-        <p:nvPr/>
-      </p:nvGrpSpPr>
-      <p:grpSpPr>
-        <a:xfrm>
-          <a:off x="0" y="0"/>
-          <a:ext cx="0" cy="0"/>
-          <a:chOff x="0" y="0"/>
-          <a:chExt cx="0" cy="0"/>
-        </a:xfrm>
-      </p:grpSpPr>
-      <p:sp>
-        <p:nvSpPr>
-          <p:cNvPr id="2" name="タイトル 1"/>
-          <p:cNvSpPr>
-            <a:spLocks noGrp="1"/>
-          </p:cNvSpPr>
-          <p:nvPr>
-            <p:ph type="title"/>
-          </p:nvPr>
-        </p:nvSpPr>
-        <p:spPr/>
-        <p:txBody>
-          <a:bodyPr/>
-          <a:lstStyle/>
-          <a:p>
-            <a:r>
-              <a:rPr lang="ja-JP" altLang="en-US" dirty="0"/>
-              <a:t>背景</a:t>
-            </a:r>
-            <a:endParaRPr kumimoji="1" lang="ja-JP" altLang="en-US" dirty="0"/>
-          </a:p>
-        </p:txBody>
-      </p:sp>
-      <p:sp>
-        <p:nvSpPr>
-          <p:cNvPr id="3" name="コンテンツ プレースホルダー 2"/>
-          <p:cNvSpPr>
-            <a:spLocks noGrp="1"/>
-          </p:cNvSpPr>
-          <p:nvPr>
-            <p:ph idx="1"/>
-          </p:nvPr>
-        </p:nvSpPr>
-        <p:spPr/>
-        <p:txBody>
-          <a:bodyPr/>
-          <a:lstStyle/>
-          <a:p>
-            <a:r>
-              <a:rPr lang="ja-JP" altLang="en-US" dirty="0" smtClean="0"/>
-              <a:t>回帰分析</a:t>
-            </a:r>
-            <a:endParaRPr lang="en-US" altLang="ja-JP" dirty="0" smtClean="0"/>
-          </a:p>
-          <a:p>
-            <a:pPr lvl="1"/>
-            <a:r>
-              <a:rPr lang="ja-JP" altLang="en-US" sz="1800" dirty="0"/>
-              <a:t>関数をデータに当てはめることによって、ある変数</a:t>
-            </a:r>
-            <a:r>
-              <a:rPr lang="en-US" altLang="ja-JP" sz="1800" dirty="0"/>
-              <a:t>y</a:t>
-            </a:r>
-            <a:r>
-              <a:rPr lang="ja-JP" altLang="en-US" sz="1800" dirty="0"/>
-              <a:t>の変動を別の変数</a:t>
-            </a:r>
-            <a:r>
-              <a:rPr lang="en-US" altLang="ja-JP" sz="1800" dirty="0"/>
-              <a:t>x</a:t>
-            </a:r>
-            <a:r>
-              <a:rPr lang="ja-JP" altLang="en-US" sz="1800" dirty="0"/>
-              <a:t>の変動により説明・予測・影響関係を検討するための手法</a:t>
-            </a:r>
-            <a:endParaRPr lang="en-US" altLang="ja-JP" sz="1800" dirty="0" smtClean="0"/>
-          </a:p>
-        </p:txBody>
-      </p:sp>
-      <p:pic>
-        <p:nvPicPr>
-          <p:cNvPr id="2050" name="Picture 2" descr="f:id:ikeay:20160502151322p:plain"/>
-          <p:cNvPicPr>
-            <a:picLocks noChangeAspect="1" noChangeArrowheads="1"/>
-          </p:cNvPicPr>
-          <p:nvPr/>
-        </p:nvPicPr>
-        <p:blipFill>
-          <a:blip r:embed="rId3">
-            <a:extLst>
-              <a:ext uri="{28A0092B-C50C-407E-A947-70E740481C1C}">
-                <a14:useLocalDpi xmlns:a14="http://schemas.microsoft.com/office/drawing/2010/main" val="0"/>
-              </a:ext>
-            </a:extLst>
-          </a:blip>
-          <a:srcRect/>
-          <a:stretch>
-            <a:fillRect/>
-          </a:stretch>
-        </p:blipFill>
-        <p:spPr bwMode="auto">
-          <a:xfrm>
-            <a:off x="1997517" y="3717032"/>
-            <a:ext cx="3571875" cy="2438400"/>
-          </a:xfrm>
-          <a:prstGeom prst="rect">
-            <a:avLst/>
-          </a:prstGeom>
-          <a:noFill/>
-          <a:extLst>
-            <a:ext uri="{909E8E84-426E-40DD-AFC4-6F175D3DCCD1}">
-              <a14:hiddenFill xmlns:a14="http://schemas.microsoft.com/office/drawing/2010/main">
-                <a:solidFill>
-                  <a:srgbClr val="FFFFFF"/>
-                </a:solidFill>
-              </a14:hiddenFill>
-            </a:ext>
-          </a:extLst>
-        </p:spPr>
-      </p:pic>
-    </p:spTree>
-    <p:extLst>
-      <p:ext uri="{BB962C8B-B14F-4D97-AF65-F5344CB8AC3E}">
-        <p14:creationId xmlns:p14="http://schemas.microsoft.com/office/powerpoint/2010/main" val="593927290"/>
-      </p:ext>
-    </p:extLst>
-  </p:cSld>
-  <p:clrMapOvr>
-    <a:masterClrMapping/>
-  </p:clrMapOvr>
-  <p:timing>
-    <p:tnLst>
-      <p:par>
-        <p:cTn id="1" dur="indefinite" restart="never" nodeType="tmRoot">
-          <p:childTnLst>
-            <p:seq concurrent="1" nextAc="seek">
-              <p:cTn id="2" dur="indefinite" nodeType="mainSeq">
-                <p:childTnLst>
-                  <p:par>
-                    <p:cTn id="3" fill="hold">
-                      <p:stCondLst>
-                        <p:cond delay="indefinite"/>
-                      </p:stCondLst>
-                      <p:childTnLst>
-                        <p:par>
-                          <p:cTn id="4" fill="hold">
-                            <p:stCondLst>
-                              <p:cond delay="0"/>
-                            </p:stCondLst>
-                            <p:childTnLst>
-                              <p:par>
-                                <p:cTn id="5" presetID="10" presetClass="entr" presetSubtype="0" fill="hold" nodeType="clickEffect">
-                                  <p:stCondLst>
-                                    <p:cond delay="0"/>
-                                  </p:stCondLst>
-                                  <p:childTnLst>
-                                    <p:set>
-                                      <p:cBhvr>
-                                        <p:cTn id="6" dur="1" fill="hold">
-                                          <p:stCondLst>
-                                            <p:cond delay="0"/>
-                                          </p:stCondLst>
-                                        </p:cTn>
-                                        <p:tgtEl>
-                                          <p:spTgt spid="2050"/>
-                                        </p:tgtEl>
-                                        <p:attrNameLst>
-                                          <p:attrName>style.visibility</p:attrName>
-                                        </p:attrNameLst>
-                                      </p:cBhvr>
-                                      <p:to>
-                                        <p:strVal val="visible"/>
-                                      </p:to>
-                                    </p:set>
-                                    <p:animEffect transition="in" filter="fade">
-                                      <p:cBhvr>
-                                        <p:cTn id="7" dur="500"/>
-                                        <p:tgtEl>
-                                          <p:spTgt spid="2050"/>
-                                        </p:tgtEl>
-                                      </p:cBhvr>
-                                    </p:animEffect>
-                                  </p:childTnLst>
-                                </p:cTn>
-                              </p:par>
-                            </p:childTnLst>
-                          </p:cTn>
-                        </p:par>
-                      </p:childTnLst>
-                    </p:cTn>
-                  </p:par>
-                </p:childTnLst>
-              </p:cTn>
-              <p:prevCondLst>
-                <p:cond evt="onPrev" delay="0">
-                  <p:tgtEl>
-                    <p:sldTgt/>
-                  </p:tgtEl>
-                </p:cond>
-              </p:prevCondLst>
-              <p:nextCondLst>
-                <p:cond evt="onNext" delay="0">
-                  <p:tgtEl>
-                    <p:sldTgt/>
-                  </p:tgtEl>
-                </p:cond>
-              </p:nextCondLst>
-            </p:seq>
-          </p:childTnLst>
-        </p:cTn>
-      </p:par>
-    </p:tnLst>
-  </p:timing>
-</p:sld>
-</file>
-
-<file path=ppt/slides/slide6.xml><?xml version="1.0" encoding="utf-8"?>
-<p:sld xmlns:a="http://schemas.openxmlformats.org/drawingml/2006/main" xmlns:r="http://schemas.openxmlformats.org/officeDocument/2006/relationships" xmlns:p="http://schemas.openxmlformats.org/presentationml/2006/main">
-  <p:cSld>
-    <p:spTree>
-      <p:nvGrpSpPr>
-        <p:cNvPr id="1" name=""/>
-        <p:cNvGrpSpPr/>
-        <p:nvPr/>
-      </p:nvGrpSpPr>
-      <p:grpSpPr>
-        <a:xfrm>
-          <a:off x="0" y="0"/>
-          <a:ext cx="0" cy="0"/>
-          <a:chOff x="0" y="0"/>
-          <a:chExt cx="0" cy="0"/>
-        </a:xfrm>
-      </p:grpSpPr>
-      <p:pic>
-        <p:nvPicPr>
-          <p:cNvPr id="13" name="図 12"/>
-          <p:cNvPicPr>
-            <a:picLocks noChangeAspect="1"/>
-          </p:cNvPicPr>
-          <p:nvPr/>
-        </p:nvPicPr>
-        <p:blipFill>
-          <a:blip r:embed="rId3" cstate="print">
-            <a:extLst>
-              <a:ext uri="{28A0092B-C50C-407E-A947-70E740481C1C}">
-                <a14:useLocalDpi xmlns:a14="http://schemas.microsoft.com/office/drawing/2010/main" val="0"/>
-              </a:ext>
-            </a:extLst>
-          </a:blip>
-          <a:stretch>
-            <a:fillRect/>
-          </a:stretch>
-        </p:blipFill>
-        <p:spPr>
-          <a:xfrm>
-            <a:off x="-40845" y="5418478"/>
-            <a:ext cx="1475068" cy="1475068"/>
-          </a:xfrm>
-          <a:prstGeom prst="rect">
-            <a:avLst/>
-          </a:prstGeom>
-        </p:spPr>
-      </p:pic>
-      <p:sp>
-        <p:nvSpPr>
-          <p:cNvPr id="2" name="タイトル 1"/>
-          <p:cNvSpPr>
-            <a:spLocks noGrp="1"/>
-          </p:cNvSpPr>
-          <p:nvPr>
-            <p:ph type="title"/>
-          </p:nvPr>
-        </p:nvSpPr>
-        <p:spPr/>
-        <p:txBody>
-          <a:bodyPr/>
-          <a:lstStyle/>
-          <a:p>
-            <a:r>
-              <a:rPr lang="ja-JP" altLang="en-US" dirty="0"/>
-              <a:t>背景</a:t>
-            </a:r>
-            <a:endParaRPr kumimoji="1" lang="ja-JP" altLang="en-US" dirty="0"/>
-          </a:p>
-        </p:txBody>
-      </p:sp>
-      <p:sp>
-        <p:nvSpPr>
-          <p:cNvPr id="3" name="コンテンツ プレースホルダー 2"/>
-          <p:cNvSpPr>
-            <a:spLocks noGrp="1"/>
-          </p:cNvSpPr>
-          <p:nvPr>
-            <p:ph idx="1"/>
-          </p:nvPr>
-        </p:nvSpPr>
-        <p:spPr/>
-        <p:txBody>
-          <a:bodyPr/>
-          <a:lstStyle/>
-          <a:p>
-            <a:r>
-              <a:rPr lang="ja-JP" altLang="en-US" dirty="0" smtClean="0"/>
-              <a:t>クラス分類</a:t>
-            </a:r>
-            <a:endParaRPr lang="en-US" altLang="ja-JP" dirty="0" smtClean="0"/>
-          </a:p>
-          <a:p>
-            <a:pPr lvl="1"/>
-            <a:r>
-              <a:rPr lang="ja-JP" altLang="en-US" sz="1800" dirty="0"/>
-              <a:t>教師</a:t>
-            </a:r>
-            <a:r>
-              <a:rPr lang="ja-JP" altLang="en-US" sz="1800" dirty="0" smtClean="0"/>
-              <a:t>データを</a:t>
-            </a:r>
-            <a:r>
-              <a:rPr lang="ja-JP" altLang="en-US" sz="1800" dirty="0"/>
-              <a:t>使って、データに対してそれぞれのデータがどのクラスに分類されるのか学習します</a:t>
-            </a:r>
-            <a:r>
-              <a:rPr lang="ja-JP" altLang="en-US" sz="1800" dirty="0" smtClean="0"/>
-              <a:t>。学習</a:t>
-            </a:r>
-            <a:r>
-              <a:rPr lang="ja-JP" altLang="en-US" sz="1800" dirty="0"/>
-              <a:t>の結果として見つかった法則性を元にして、</a:t>
-            </a:r>
-            <a:r>
-              <a:rPr lang="ja-JP" altLang="en-US" sz="1800" dirty="0" smtClean="0"/>
-              <a:t>テストデータに</a:t>
-            </a:r>
-            <a:r>
-              <a:rPr lang="ja-JP" altLang="en-US" sz="1800" dirty="0"/>
-              <a:t>ラベルづけを行います</a:t>
-            </a:r>
-          </a:p>
-          <a:p>
-            <a:pPr lvl="1"/>
-            <a:endParaRPr lang="en-US" altLang="ja-JP" dirty="0" smtClean="0"/>
-          </a:p>
-        </p:txBody>
-      </p:sp>
-      <p:pic>
-        <p:nvPicPr>
-          <p:cNvPr id="4098" name="Picture 2" descr="https://dol.ismcdn.jp/mwimgs/7/1/670m/img_71c53c1d81500a1cf73a4f543e72413f27838.jpg"/>
-          <p:cNvPicPr>
-            <a:picLocks noChangeAspect="1" noChangeArrowheads="1"/>
-          </p:cNvPicPr>
-          <p:nvPr/>
-        </p:nvPicPr>
-        <p:blipFill>
-          <a:blip r:embed="rId4">
-            <a:extLst>
-              <a:ext uri="{28A0092B-C50C-407E-A947-70E740481C1C}">
-                <a14:useLocalDpi xmlns:a14="http://schemas.microsoft.com/office/drawing/2010/main" val="0"/>
-              </a:ext>
-            </a:extLst>
-          </a:blip>
-          <a:srcRect/>
-          <a:stretch>
-            <a:fillRect/>
-          </a:stretch>
-        </p:blipFill>
-        <p:spPr bwMode="auto">
-          <a:xfrm>
-            <a:off x="827584" y="2564904"/>
-            <a:ext cx="2880320" cy="2160240"/>
-          </a:xfrm>
-          <a:prstGeom prst="rect">
-            <a:avLst/>
-          </a:prstGeom>
-          <a:noFill/>
-          <a:extLst>
-            <a:ext uri="{909E8E84-426E-40DD-AFC4-6F175D3DCCD1}">
-              <a14:hiddenFill xmlns:a14="http://schemas.microsoft.com/office/drawing/2010/main">
-                <a:solidFill>
-                  <a:srgbClr val="FFFFFF"/>
-                </a:solidFill>
-              </a14:hiddenFill>
-            </a:ext>
-          </a:extLst>
-        </p:spPr>
-      </p:pic>
-      <p:sp>
-        <p:nvSpPr>
-          <p:cNvPr id="5" name="下矢印 4"/>
-          <p:cNvSpPr/>
-          <p:nvPr/>
-        </p:nvSpPr>
-        <p:spPr>
-          <a:xfrm>
-            <a:off x="5220072" y="4861785"/>
-            <a:ext cx="288032" cy="504056"/>
-          </a:xfrm>
-          <a:prstGeom prst="downArrow">
-            <a:avLst/>
-          </a:prstGeom>
-        </p:spPr>
-        <p:style>
-          <a:lnRef idx="2">
-            <a:schemeClr val="accent1">
-              <a:shade val="50000"/>
-            </a:schemeClr>
-          </a:lnRef>
-          <a:fillRef idx="1">
-            <a:schemeClr val="accent1"/>
-          </a:fillRef>
-          <a:effectRef idx="0">
-            <a:schemeClr val="accent1"/>
-          </a:effectRef>
-          <a:fontRef idx="minor">
-            <a:schemeClr val="lt1"/>
-          </a:fontRef>
-        </p:style>
-        <p:txBody>
-          <a:bodyPr rtlCol="0" anchor="ctr"/>
-          <a:lstStyle/>
-          <a:p>
-            <a:pPr algn="ctr"/>
-            <a:endParaRPr kumimoji="1" lang="ja-JP" altLang="en-US"/>
-          </a:p>
-        </p:txBody>
-      </p:sp>
-      <p:sp>
-        <p:nvSpPr>
-          <p:cNvPr id="6" name="テキスト ボックス 5"/>
-          <p:cNvSpPr txBox="1"/>
-          <p:nvPr/>
-        </p:nvSpPr>
-        <p:spPr>
-          <a:xfrm>
-            <a:off x="1958996" y="5365407"/>
-            <a:ext cx="468796" cy="369332"/>
-          </a:xfrm>
-          <a:prstGeom prst="rect">
-            <a:avLst/>
-          </a:prstGeom>
-          <a:noFill/>
-        </p:spPr>
-        <p:txBody>
-          <a:bodyPr wrap="square" rtlCol="0">
-            <a:spAutoFit/>
-          </a:bodyPr>
-          <a:lstStyle/>
-          <a:p>
-            <a:r>
-              <a:rPr kumimoji="1" lang="ja-JP" altLang="en-US" dirty="0" smtClean="0"/>
-              <a:t>犬</a:t>
-            </a:r>
-            <a:endParaRPr kumimoji="1" lang="ja-JP" altLang="en-US" dirty="0"/>
-          </a:p>
-        </p:txBody>
-      </p:sp>
-      <p:sp>
-        <p:nvSpPr>
-          <p:cNvPr id="10" name="テキスト ボックス 9"/>
-          <p:cNvSpPr txBox="1"/>
-          <p:nvPr/>
-        </p:nvSpPr>
-        <p:spPr>
-          <a:xfrm>
-            <a:off x="5148064" y="5365407"/>
-            <a:ext cx="360040" cy="369332"/>
-          </a:xfrm>
-          <a:prstGeom prst="rect">
-            <a:avLst/>
-          </a:prstGeom>
-          <a:noFill/>
-        </p:spPr>
-        <p:txBody>
-          <a:bodyPr wrap="square" rtlCol="0">
-            <a:spAutoFit/>
-          </a:bodyPr>
-          <a:lstStyle/>
-          <a:p>
-            <a:r>
-              <a:rPr kumimoji="1" lang="ja-JP" altLang="en-US" dirty="0" smtClean="0"/>
-              <a:t>猫</a:t>
-            </a:r>
-            <a:endParaRPr kumimoji="1" lang="ja-JP" altLang="en-US" dirty="0"/>
-          </a:p>
-        </p:txBody>
-      </p:sp>
-      <p:pic>
-        <p:nvPicPr>
-          <p:cNvPr id="4110" name="Picture 14" descr="https://www.anicom-sompo.co.jp/nekonoshiori/wp-content/uploads/2018/06/679-1-740x493.jpg"/>
-          <p:cNvPicPr>
-            <a:picLocks noChangeAspect="1" noChangeArrowheads="1"/>
-          </p:cNvPicPr>
-          <p:nvPr/>
-        </p:nvPicPr>
-        <p:blipFill>
-          <a:blip r:embed="rId5">
-            <a:extLst>
-              <a:ext uri="{28A0092B-C50C-407E-A947-70E740481C1C}">
-                <a14:useLocalDpi xmlns:a14="http://schemas.microsoft.com/office/drawing/2010/main" val="0"/>
-              </a:ext>
-            </a:extLst>
-          </a:blip>
-          <a:srcRect/>
-          <a:stretch>
-            <a:fillRect/>
-          </a:stretch>
-        </p:blipFill>
-        <p:spPr bwMode="auto">
-          <a:xfrm>
-            <a:off x="3733685" y="2564904"/>
-            <a:ext cx="3242551" cy="2160240"/>
-          </a:xfrm>
-          <a:prstGeom prst="rect">
-            <a:avLst/>
-          </a:prstGeom>
-          <a:noFill/>
-          <a:extLst>
-            <a:ext uri="{909E8E84-426E-40DD-AFC4-6F175D3DCCD1}">
-              <a14:hiddenFill xmlns:a14="http://schemas.microsoft.com/office/drawing/2010/main">
-                <a:solidFill>
-                  <a:srgbClr val="FFFFFF"/>
-                </a:solidFill>
-              </a14:hiddenFill>
-            </a:ext>
-          </a:extLst>
-        </p:spPr>
-      </p:pic>
-      <p:sp>
-        <p:nvSpPr>
-          <p:cNvPr id="19" name="下矢印 18"/>
-          <p:cNvSpPr/>
-          <p:nvPr/>
-        </p:nvSpPr>
-        <p:spPr>
-          <a:xfrm>
-            <a:off x="2031004" y="4789343"/>
-            <a:ext cx="288032" cy="504056"/>
-          </a:xfrm>
-          <a:prstGeom prst="downArrow">
-            <a:avLst/>
-          </a:prstGeom>
-        </p:spPr>
-        <p:style>
-          <a:lnRef idx="2">
-            <a:schemeClr val="accent1">
-              <a:shade val="50000"/>
-            </a:schemeClr>
-          </a:lnRef>
-          <a:fillRef idx="1">
-            <a:schemeClr val="accent1"/>
-          </a:fillRef>
-          <a:effectRef idx="0">
-            <a:schemeClr val="accent1"/>
-          </a:effectRef>
-          <a:fontRef idx="minor">
-            <a:schemeClr val="lt1"/>
-          </a:fontRef>
-        </p:style>
-        <p:txBody>
-          <a:bodyPr rtlCol="0" anchor="ctr"/>
-          <a:lstStyle/>
-          <a:p>
-            <a:pPr algn="ctr"/>
-            <a:endParaRPr kumimoji="1" lang="ja-JP" altLang="en-US"/>
-          </a:p>
-        </p:txBody>
-      </p:sp>
-    </p:spTree>
-    <p:extLst>
-      <p:ext uri="{BB962C8B-B14F-4D97-AF65-F5344CB8AC3E}">
-        <p14:creationId xmlns:p14="http://schemas.microsoft.com/office/powerpoint/2010/main" val="1092598026"/>
-      </p:ext>
-    </p:extLst>
-  </p:cSld>
-  <p:clrMapOvr>
-    <a:masterClrMapping/>
-  </p:clrMapOvr>
-  <p:timing>
-    <p:tnLst>
-      <p:par>
-        <p:cTn id="1" dur="indefinite" restart="never" nodeType="tmRoot">
-          <p:childTnLst>
-            <p:seq concurrent="1" nextAc="seek">
-              <p:cTn id="2" dur="indefinite" nodeType="mainSeq">
-                <p:childTnLst>
-                  <p:par>
-                    <p:cTn id="3" fill="hold">
-                      <p:stCondLst>
-                        <p:cond delay="indefinite"/>
-                      </p:stCondLst>
-                      <p:childTnLst>
-                        <p:par>
-                          <p:cTn id="4" fill="hold">
-                            <p:stCondLst>
-                              <p:cond delay="0"/>
-                            </p:stCondLst>
-                            <p:childTnLst>
-                              <p:par>
-                                <p:cTn id="5" presetID="10" presetClass="entr" presetSubtype="0" fill="hold" nodeType="clickEffect">
-                                  <p:stCondLst>
-                                    <p:cond delay="0"/>
-                                  </p:stCondLst>
-                                  <p:childTnLst>
-                                    <p:set>
-                                      <p:cBhvr>
-                                        <p:cTn id="6" dur="1" fill="hold">
-                                          <p:stCondLst>
-                                            <p:cond delay="0"/>
-                                          </p:stCondLst>
-                                        </p:cTn>
-                                        <p:tgtEl>
-                                          <p:spTgt spid="13"/>
-                                        </p:tgtEl>
-                                        <p:attrNameLst>
-                                          <p:attrName>style.visibility</p:attrName>
-                                        </p:attrNameLst>
-                                      </p:cBhvr>
-                                      <p:to>
-                                        <p:strVal val="visible"/>
-                                      </p:to>
-                                    </p:set>
-                                    <p:animEffect transition="in" filter="fade">
-                                      <p:cBhvr>
-                                        <p:cTn id="7" dur="500"/>
-                                        <p:tgtEl>
-                                          <p:spTgt spid="13"/>
-                                        </p:tgtEl>
-                                      </p:cBhvr>
-                                    </p:animEffect>
-                                  </p:childTnLst>
-                                </p:cTn>
-                              </p:par>
-                            </p:childTnLst>
-                          </p:cTn>
-                        </p:par>
-                      </p:childTnLst>
-                    </p:cTn>
-                  </p:par>
-                  <p:par>
-                    <p:cTn id="8" fill="hold">
-                      <p:stCondLst>
-                        <p:cond delay="indefinite"/>
-                      </p:stCondLst>
-                      <p:childTnLst>
-                        <p:par>
-                          <p:cTn id="9" fill="hold">
-                            <p:stCondLst>
-                              <p:cond delay="0"/>
-                            </p:stCondLst>
-                            <p:childTnLst>
-                              <p:par>
-                                <p:cTn id="10" presetID="2" presetClass="entr" presetSubtype="1" fill="hold" nodeType="clickEffect">
-                                  <p:stCondLst>
-                                    <p:cond delay="0"/>
-                                  </p:stCondLst>
-                                  <p:childTnLst>
-                                    <p:set>
-                                      <p:cBhvr>
-                                        <p:cTn id="11" dur="1" fill="hold">
-                                          <p:stCondLst>
-                                            <p:cond delay="0"/>
-                                          </p:stCondLst>
-                                        </p:cTn>
-                                        <p:tgtEl>
-                                          <p:spTgt spid="4098"/>
-                                        </p:tgtEl>
-                                        <p:attrNameLst>
-                                          <p:attrName>style.visibility</p:attrName>
-                                        </p:attrNameLst>
-                                      </p:cBhvr>
-                                      <p:to>
-                                        <p:strVal val="visible"/>
-                                      </p:to>
-                                    </p:set>
-                                    <p:anim calcmode="lin" valueType="num">
-                                      <p:cBhvr additive="base">
-                                        <p:cTn id="12" dur="500" fill="hold"/>
-                                        <p:tgtEl>
-                                          <p:spTgt spid="4098"/>
-                                        </p:tgtEl>
-                                        <p:attrNameLst>
-                                          <p:attrName>ppt_x</p:attrName>
-                                        </p:attrNameLst>
-                                      </p:cBhvr>
-                                      <p:tavLst>
-                                        <p:tav tm="0">
-                                          <p:val>
-                                            <p:strVal val="#ppt_x"/>
-                                          </p:val>
-                                        </p:tav>
-                                        <p:tav tm="100000">
-                                          <p:val>
-                                            <p:strVal val="#ppt_x"/>
-                                          </p:val>
-                                        </p:tav>
-                                      </p:tavLst>
-                                    </p:anim>
-                                    <p:anim calcmode="lin" valueType="num">
-                                      <p:cBhvr additive="base">
-                                        <p:cTn id="13" dur="500" fill="hold"/>
-                                        <p:tgtEl>
-                                          <p:spTgt spid="4098"/>
-                                        </p:tgtEl>
-                                        <p:attrNameLst>
-                                          <p:attrName>ppt_y</p:attrName>
-                                        </p:attrNameLst>
-                                      </p:cBhvr>
-                                      <p:tavLst>
-                                        <p:tav tm="0">
-                                          <p:val>
-                                            <p:strVal val="0-#ppt_h/2"/>
-                                          </p:val>
-                                        </p:tav>
-                                        <p:tav tm="100000">
-                                          <p:val>
-                                            <p:strVal val="#ppt_y"/>
-                                          </p:val>
-                                        </p:tav>
-                                      </p:tavLst>
-                                    </p:anim>
-                                  </p:childTnLst>
-                                </p:cTn>
-                              </p:par>
-                            </p:childTnLst>
-                          </p:cTn>
-                        </p:par>
-                      </p:childTnLst>
-                    </p:cTn>
-                  </p:par>
-                  <p:par>
-                    <p:cTn id="14" fill="hold">
-                      <p:stCondLst>
-                        <p:cond delay="indefinite"/>
-                      </p:stCondLst>
-                      <p:childTnLst>
-                        <p:par>
-                          <p:cTn id="15" fill="hold">
-                            <p:stCondLst>
-                              <p:cond delay="0"/>
-                            </p:stCondLst>
-                            <p:childTnLst>
-                              <p:par>
-                                <p:cTn id="16" presetID="2" presetClass="entr" presetSubtype="1" fill="hold" grpId="0" nodeType="clickEffect">
-                                  <p:stCondLst>
-                                    <p:cond delay="0"/>
-                                  </p:stCondLst>
-                                  <p:childTnLst>
-                                    <p:set>
-                                      <p:cBhvr>
-                                        <p:cTn id="17" dur="1" fill="hold">
-                                          <p:stCondLst>
-                                            <p:cond delay="0"/>
-                                          </p:stCondLst>
-                                        </p:cTn>
-                                        <p:tgtEl>
-                                          <p:spTgt spid="19"/>
-                                        </p:tgtEl>
-                                        <p:attrNameLst>
-                                          <p:attrName>style.visibility</p:attrName>
-                                        </p:attrNameLst>
-                                      </p:cBhvr>
-                                      <p:to>
-                                        <p:strVal val="visible"/>
-                                      </p:to>
-                                    </p:set>
-                                    <p:anim calcmode="lin" valueType="num">
-                                      <p:cBhvr additive="base">
-                                        <p:cTn id="18" dur="500" fill="hold"/>
-                                        <p:tgtEl>
-                                          <p:spTgt spid="19"/>
-                                        </p:tgtEl>
-                                        <p:attrNameLst>
-                                          <p:attrName>ppt_x</p:attrName>
-                                        </p:attrNameLst>
-                                      </p:cBhvr>
-                                      <p:tavLst>
-                                        <p:tav tm="0">
-                                          <p:val>
-                                            <p:strVal val="#ppt_x"/>
-                                          </p:val>
-                                        </p:tav>
-                                        <p:tav tm="100000">
-                                          <p:val>
-                                            <p:strVal val="#ppt_x"/>
-                                          </p:val>
-                                        </p:tav>
-                                      </p:tavLst>
-                                    </p:anim>
-                                    <p:anim calcmode="lin" valueType="num">
-                                      <p:cBhvr additive="base">
-                                        <p:cTn id="19" dur="500" fill="hold"/>
-                                        <p:tgtEl>
-                                          <p:spTgt spid="19"/>
-                                        </p:tgtEl>
-                                        <p:attrNameLst>
-                                          <p:attrName>ppt_y</p:attrName>
-                                        </p:attrNameLst>
-                                      </p:cBhvr>
-                                      <p:tavLst>
-                                        <p:tav tm="0">
-                                          <p:val>
-                                            <p:strVal val="0-#ppt_h/2"/>
-                                          </p:val>
-                                        </p:tav>
-                                        <p:tav tm="100000">
-                                          <p:val>
-                                            <p:strVal val="#ppt_y"/>
-                                          </p:val>
-                                        </p:tav>
-                                      </p:tavLst>
-                                    </p:anim>
-                                  </p:childTnLst>
-                                </p:cTn>
-                              </p:par>
-                            </p:childTnLst>
-                          </p:cTn>
-                        </p:par>
-                      </p:childTnLst>
-                    </p:cTn>
-                  </p:par>
-                  <p:par>
-                    <p:cTn id="20" fill="hold">
-                      <p:stCondLst>
-                        <p:cond delay="indefinite"/>
-                      </p:stCondLst>
-                      <p:childTnLst>
-                        <p:par>
-                          <p:cTn id="21" fill="hold">
-                            <p:stCondLst>
-                              <p:cond delay="0"/>
-                            </p:stCondLst>
-                            <p:childTnLst>
-                              <p:par>
-                                <p:cTn id="22" presetID="1" presetClass="entr" presetSubtype="0" fill="hold" grpId="0" nodeType="clickEffect">
-                                  <p:stCondLst>
-                                    <p:cond delay="0"/>
-                                  </p:stCondLst>
-                                  <p:childTnLst>
-                                    <p:set>
-                                      <p:cBhvr>
-                                        <p:cTn id="23" dur="1" fill="hold">
-                                          <p:stCondLst>
-                                            <p:cond delay="0"/>
-                                          </p:stCondLst>
-                                        </p:cTn>
-                                        <p:tgtEl>
-                                          <p:spTgt spid="6"/>
-                                        </p:tgtEl>
-                                        <p:attrNameLst>
-                                          <p:attrName>style.visibility</p:attrName>
-                                        </p:attrNameLst>
-                                      </p:cBhvr>
-                                      <p:to>
-                                        <p:strVal val="visible"/>
-                                      </p:to>
-                                    </p:set>
-                                  </p:childTnLst>
-                                </p:cTn>
-                              </p:par>
-                            </p:childTnLst>
-                          </p:cTn>
-                        </p:par>
-                      </p:childTnLst>
-                    </p:cTn>
-                  </p:par>
-                  <p:par>
-                    <p:cTn id="24" fill="hold">
-                      <p:stCondLst>
-                        <p:cond delay="indefinite"/>
-                      </p:stCondLst>
-                      <p:childTnLst>
-                        <p:par>
-                          <p:cTn id="25" fill="hold">
-                            <p:stCondLst>
-                              <p:cond delay="0"/>
-                            </p:stCondLst>
-                            <p:childTnLst>
-                              <p:par>
-                                <p:cTn id="26" presetID="2" presetClass="entr" presetSubtype="1" fill="hold" nodeType="clickEffect">
-                                  <p:stCondLst>
-                                    <p:cond delay="0"/>
-                                  </p:stCondLst>
-                                  <p:childTnLst>
-                                    <p:set>
-                                      <p:cBhvr>
-                                        <p:cTn id="27" dur="1" fill="hold">
-                                          <p:stCondLst>
-                                            <p:cond delay="0"/>
-                                          </p:stCondLst>
-                                        </p:cTn>
-                                        <p:tgtEl>
-                                          <p:spTgt spid="4110"/>
-                                        </p:tgtEl>
-                                        <p:attrNameLst>
-                                          <p:attrName>style.visibility</p:attrName>
-                                        </p:attrNameLst>
-                                      </p:cBhvr>
-                                      <p:to>
-                                        <p:strVal val="visible"/>
-                                      </p:to>
-                                    </p:set>
-                                    <p:anim calcmode="lin" valueType="num">
-                                      <p:cBhvr additive="base">
-                                        <p:cTn id="28" dur="500" fill="hold"/>
-                                        <p:tgtEl>
-                                          <p:spTgt spid="4110"/>
-                                        </p:tgtEl>
-                                        <p:attrNameLst>
-                                          <p:attrName>ppt_x</p:attrName>
-                                        </p:attrNameLst>
-                                      </p:cBhvr>
-                                      <p:tavLst>
-                                        <p:tav tm="0">
-                                          <p:val>
-                                            <p:strVal val="#ppt_x"/>
-                                          </p:val>
-                                        </p:tav>
-                                        <p:tav tm="100000">
-                                          <p:val>
-                                            <p:strVal val="#ppt_x"/>
-                                          </p:val>
-                                        </p:tav>
-                                      </p:tavLst>
-                                    </p:anim>
-                                    <p:anim calcmode="lin" valueType="num">
-                                      <p:cBhvr additive="base">
-                                        <p:cTn id="29" dur="500" fill="hold"/>
-                                        <p:tgtEl>
-                                          <p:spTgt spid="4110"/>
-                                        </p:tgtEl>
-                                        <p:attrNameLst>
-                                          <p:attrName>ppt_y</p:attrName>
-                                        </p:attrNameLst>
-                                      </p:cBhvr>
-                                      <p:tavLst>
-                                        <p:tav tm="0">
-                                          <p:val>
-                                            <p:strVal val="0-#ppt_h/2"/>
-                                          </p:val>
-                                        </p:tav>
-                                        <p:tav tm="100000">
-                                          <p:val>
-                                            <p:strVal val="#ppt_y"/>
-                                          </p:val>
-                                        </p:tav>
-                                      </p:tavLst>
-                                    </p:anim>
-                                  </p:childTnLst>
-                                </p:cTn>
-                              </p:par>
-                            </p:childTnLst>
-                          </p:cTn>
-                        </p:par>
-                      </p:childTnLst>
-                    </p:cTn>
-                  </p:par>
-                  <p:par>
-                    <p:cTn id="30" fill="hold">
-                      <p:stCondLst>
-                        <p:cond delay="indefinite"/>
-                      </p:stCondLst>
-                      <p:childTnLst>
-                        <p:par>
-                          <p:cTn id="31" fill="hold">
-                            <p:stCondLst>
-                              <p:cond delay="0"/>
-                            </p:stCondLst>
-                            <p:childTnLst>
-                              <p:par>
-                                <p:cTn id="32" presetID="2" presetClass="entr" presetSubtype="1" fill="hold" grpId="0" nodeType="clickEffect">
-                                  <p:stCondLst>
-                                    <p:cond delay="0"/>
-                                  </p:stCondLst>
-                                  <p:childTnLst>
-                                    <p:set>
-                                      <p:cBhvr>
-                                        <p:cTn id="33" dur="1" fill="hold">
-                                          <p:stCondLst>
-                                            <p:cond delay="0"/>
-                                          </p:stCondLst>
-                                        </p:cTn>
-                                        <p:tgtEl>
-                                          <p:spTgt spid="5"/>
-                                        </p:tgtEl>
-                                        <p:attrNameLst>
-                                          <p:attrName>style.visibility</p:attrName>
-                                        </p:attrNameLst>
-                                      </p:cBhvr>
-                                      <p:to>
-                                        <p:strVal val="visible"/>
-                                      </p:to>
-                                    </p:set>
-                                    <p:anim calcmode="lin" valueType="num">
-                                      <p:cBhvr additive="base">
-                                        <p:cTn id="34" dur="500" fill="hold"/>
-                                        <p:tgtEl>
-                                          <p:spTgt spid="5"/>
-                                        </p:tgtEl>
-                                        <p:attrNameLst>
-                                          <p:attrName>ppt_x</p:attrName>
-                                        </p:attrNameLst>
-                                      </p:cBhvr>
-                                      <p:tavLst>
-                                        <p:tav tm="0">
-                                          <p:val>
-                                            <p:strVal val="#ppt_x"/>
-                                          </p:val>
-                                        </p:tav>
-                                        <p:tav tm="100000">
-                                          <p:val>
-                                            <p:strVal val="#ppt_x"/>
-                                          </p:val>
-                                        </p:tav>
-                                      </p:tavLst>
-                                    </p:anim>
-                                    <p:anim calcmode="lin" valueType="num">
-                                      <p:cBhvr additive="base">
-                                        <p:cTn id="35" dur="500" fill="hold"/>
-                                        <p:tgtEl>
-                                          <p:spTgt spid="5"/>
-                                        </p:tgtEl>
-                                        <p:attrNameLst>
-                                          <p:attrName>ppt_y</p:attrName>
-                                        </p:attrNameLst>
-                                      </p:cBhvr>
-                                      <p:tavLst>
-                                        <p:tav tm="0">
-                                          <p:val>
-                                            <p:strVal val="0-#ppt_h/2"/>
-                                          </p:val>
-                                        </p:tav>
-                                        <p:tav tm="100000">
-                                          <p:val>
-                                            <p:strVal val="#ppt_y"/>
-                                          </p:val>
-                                        </p:tav>
-                                      </p:tavLst>
-                                    </p:anim>
-                                  </p:childTnLst>
-                                </p:cTn>
-                              </p:par>
-                            </p:childTnLst>
-                          </p:cTn>
-                        </p:par>
-                      </p:childTnLst>
-                    </p:cTn>
-                  </p:par>
-                  <p:par>
-                    <p:cTn id="36" fill="hold">
-                      <p:stCondLst>
-                        <p:cond delay="indefinite"/>
-                      </p:stCondLst>
-                      <p:childTnLst>
-                        <p:par>
-                          <p:cTn id="37" fill="hold">
-                            <p:stCondLst>
-                              <p:cond delay="0"/>
-                            </p:stCondLst>
-                            <p:childTnLst>
-                              <p:par>
-                                <p:cTn id="38" presetID="1" presetClass="entr" presetSubtype="0" fill="hold" grpId="0" nodeType="clickEffect">
-                                  <p:stCondLst>
-                                    <p:cond delay="0"/>
-                                  </p:stCondLst>
-                                  <p:childTnLst>
-                                    <p:set>
-                                      <p:cBhvr>
-                                        <p:cTn id="39" dur="1" fill="hold">
-                                          <p:stCondLst>
-                                            <p:cond delay="0"/>
-                                          </p:stCondLst>
-                                        </p:cTn>
-                                        <p:tgtEl>
-                                          <p:spTgt spid="10"/>
-                                        </p:tgtEl>
-                                        <p:attrNameLst>
-                                          <p:attrName>style.visibility</p:attrName>
-                                        </p:attrNameLst>
-                                      </p:cBhvr>
-                                      <p:to>
-                                        <p:strVal val="visible"/>
-                                      </p:to>
-                                    </p:set>
-                                  </p:childTnLst>
-                                </p:cTn>
-                              </p:par>
-                            </p:childTnLst>
-                          </p:cTn>
-                        </p:par>
-                      </p:childTnLst>
-                    </p:cTn>
-                  </p:par>
-                </p:childTnLst>
-              </p:cTn>
-              <p:prevCondLst>
-                <p:cond evt="onPrev" delay="0">
-                  <p:tgtEl>
-                    <p:sldTgt/>
-                  </p:tgtEl>
-                </p:cond>
-              </p:prevCondLst>
-              <p:nextCondLst>
-                <p:cond evt="onNext" delay="0">
-                  <p:tgtEl>
-                    <p:sldTgt/>
-                  </p:tgtEl>
-                </p:cond>
-              </p:nextCondLst>
-            </p:seq>
-          </p:childTnLst>
-        </p:cTn>
-      </p:par>
-    </p:tnLst>
-    <p:bldLst>
-      <p:bldP spid="5" grpId="0" animBg="1"/>
-      <p:bldP spid="6" grpId="0"/>
-      <p:bldP spid="10" grpId="0"/>
-      <p:bldP spid="19" grpId="0" animBg="1"/>
-    </p:bldLst>
-  </p:timing>
-</p:sld>
-</file>
-
-<file path=ppt/slides/slide7.xml><?xml version="1.0" encoding="utf-8"?>
-<p:sld xmlns:a="http://schemas.openxmlformats.org/drawingml/2006/main" xmlns:r="http://schemas.openxmlformats.org/officeDocument/2006/relationships" xmlns:p="http://schemas.openxmlformats.org/presentationml/2006/main">
-  <p:cSld>
-    <p:spTree>
-      <p:nvGrpSpPr>
-        <p:cNvPr id="1" name=""/>
-        <p:cNvGrpSpPr/>
-        <p:nvPr/>
-      </p:nvGrpSpPr>
-      <p:grpSpPr>
-        <a:xfrm>
-          <a:off x="0" y="0"/>
-          <a:ext cx="0" cy="0"/>
-          <a:chOff x="0" y="0"/>
-          <a:chExt cx="0" cy="0"/>
-        </a:xfrm>
-      </p:grpSpPr>
-      <p:sp>
-        <p:nvSpPr>
-          <p:cNvPr id="2" name="タイトル 1"/>
-          <p:cNvSpPr>
-            <a:spLocks noGrp="1"/>
-          </p:cNvSpPr>
-          <p:nvPr>
-            <p:ph type="title"/>
-          </p:nvPr>
-        </p:nvSpPr>
-        <p:spPr/>
-        <p:txBody>
-          <a:bodyPr/>
-          <a:lstStyle/>
-          <a:p>
-            <a:r>
-              <a:rPr lang="ja-JP" altLang="en-US" dirty="0"/>
-              <a:t>背景</a:t>
-            </a:r>
-            <a:endParaRPr kumimoji="1" lang="ja-JP" altLang="en-US" dirty="0"/>
-          </a:p>
-        </p:txBody>
-      </p:sp>
-      <p:sp>
-        <p:nvSpPr>
-          <p:cNvPr id="3" name="コンテンツ プレースホルダー 2"/>
-          <p:cNvSpPr>
-            <a:spLocks noGrp="1"/>
-          </p:cNvSpPr>
-          <p:nvPr>
-            <p:ph idx="1"/>
-          </p:nvPr>
-        </p:nvSpPr>
-        <p:spPr/>
-        <p:txBody>
-          <a:bodyPr/>
-          <a:lstStyle/>
-          <a:p>
-            <a:r>
-              <a:rPr lang="ja-JP" altLang="en-US" dirty="0" smtClean="0"/>
-              <a:t>クラスタリング</a:t>
-            </a:r>
-            <a:endParaRPr lang="en-US" altLang="ja-JP" dirty="0" smtClean="0"/>
-          </a:p>
-          <a:p>
-            <a:pPr lvl="1"/>
-            <a:r>
-              <a:rPr lang="ja-JP" altLang="en-US" sz="1800" dirty="0"/>
-              <a:t>分類対象の集合を，内的</a:t>
-            </a:r>
-            <a:r>
-              <a:rPr lang="ja-JP" altLang="en-US" sz="1800" dirty="0" smtClean="0"/>
-              <a:t>結合と</a:t>
-            </a:r>
-            <a:r>
-              <a:rPr lang="ja-JP" altLang="en-US" sz="1800" dirty="0"/>
-              <a:t>外的</a:t>
-            </a:r>
-            <a:r>
-              <a:rPr lang="ja-JP" altLang="en-US" sz="1800" dirty="0" smtClean="0"/>
-              <a:t>分離が</a:t>
-            </a:r>
-            <a:r>
-              <a:rPr lang="ja-JP" altLang="en-US" sz="1800" dirty="0"/>
-              <a:t>達成されるような部分集合に分割すること</a:t>
-            </a:r>
-            <a:endParaRPr lang="en-US" altLang="ja-JP" sz="1800" dirty="0" smtClean="0"/>
-          </a:p>
-        </p:txBody>
-      </p:sp>
-      <p:pic>
-        <p:nvPicPr>
-          <p:cNvPr id="3074" name="Picture 2" descr="https://datumstudio.jp/wp-content/uploads/2017/07/clustering_fig2.png"/>
-          <p:cNvPicPr>
-            <a:picLocks noChangeAspect="1" noChangeArrowheads="1"/>
-          </p:cNvPicPr>
-          <p:nvPr/>
-        </p:nvPicPr>
-        <p:blipFill>
-          <a:blip r:embed="rId3" cstate="print">
-            <a:extLst>
-              <a:ext uri="{28A0092B-C50C-407E-A947-70E740481C1C}">
-                <a14:useLocalDpi xmlns:a14="http://schemas.microsoft.com/office/drawing/2010/main" val="0"/>
-              </a:ext>
-            </a:extLst>
-          </a:blip>
-          <a:srcRect/>
-          <a:stretch>
-            <a:fillRect/>
-          </a:stretch>
-        </p:blipFill>
-        <p:spPr bwMode="auto">
-          <a:xfrm>
-            <a:off x="0" y="3513002"/>
-            <a:ext cx="3644945" cy="3354244"/>
-          </a:xfrm>
-          <a:prstGeom prst="rect">
-            <a:avLst/>
-          </a:prstGeom>
-          <a:noFill/>
-          <a:extLst>
-            <a:ext uri="{909E8E84-426E-40DD-AFC4-6F175D3DCCD1}">
-              <a14:hiddenFill xmlns:a14="http://schemas.microsoft.com/office/drawing/2010/main">
-                <a:solidFill>
-                  <a:srgbClr val="FFFFFF"/>
-                </a:solidFill>
-              </a14:hiddenFill>
-            </a:ext>
-          </a:extLst>
-        </p:spPr>
-      </p:pic>
-      <p:pic>
-        <p:nvPicPr>
-          <p:cNvPr id="3076" name="Picture 4" descr="https://datumstudio.jp/wp-content/uploads/2017/07/clustering_fig3.png"/>
-          <p:cNvPicPr>
-            <a:picLocks noChangeAspect="1" noChangeArrowheads="1"/>
-          </p:cNvPicPr>
-          <p:nvPr/>
-        </p:nvPicPr>
-        <p:blipFill>
-          <a:blip r:embed="rId4">
-            <a:extLst>
-              <a:ext uri="{28A0092B-C50C-407E-A947-70E740481C1C}">
-                <a14:useLocalDpi xmlns:a14="http://schemas.microsoft.com/office/drawing/2010/main" val="0"/>
-              </a:ext>
-            </a:extLst>
-          </a:blip>
-          <a:srcRect/>
-          <a:stretch>
-            <a:fillRect/>
-          </a:stretch>
-        </p:blipFill>
-        <p:spPr bwMode="auto">
-          <a:xfrm>
-            <a:off x="4427984" y="3513002"/>
-            <a:ext cx="3795591" cy="3354244"/>
-          </a:xfrm>
-          <a:prstGeom prst="rect">
-            <a:avLst/>
-          </a:prstGeom>
-          <a:noFill/>
-          <a:extLst>
-            <a:ext uri="{909E8E84-426E-40DD-AFC4-6F175D3DCCD1}">
-              <a14:hiddenFill xmlns:a14="http://schemas.microsoft.com/office/drawing/2010/main">
-                <a:solidFill>
-                  <a:srgbClr val="FFFFFF"/>
-                </a:solidFill>
-              </a14:hiddenFill>
-            </a:ext>
-          </a:extLst>
-        </p:spPr>
-      </p:pic>
-      <p:sp>
-        <p:nvSpPr>
-          <p:cNvPr id="4" name="右矢印 3"/>
-          <p:cNvSpPr/>
-          <p:nvPr/>
-        </p:nvSpPr>
-        <p:spPr>
-          <a:xfrm>
-            <a:off x="3860968" y="4725144"/>
-            <a:ext cx="504056" cy="360040"/>
-          </a:xfrm>
-          <a:prstGeom prst="rightArrow">
-            <a:avLst/>
-          </a:prstGeom>
-        </p:spPr>
-        <p:style>
-          <a:lnRef idx="2">
-            <a:schemeClr val="accent1">
-              <a:shade val="50000"/>
-            </a:schemeClr>
-          </a:lnRef>
-          <a:fillRef idx="1">
-            <a:schemeClr val="accent1"/>
-          </a:fillRef>
-          <a:effectRef idx="0">
-            <a:schemeClr val="accent1"/>
-          </a:effectRef>
-          <a:fontRef idx="minor">
-            <a:schemeClr val="lt1"/>
-          </a:fontRef>
-        </p:style>
-        <p:txBody>
-          <a:bodyPr rtlCol="0" anchor="ctr"/>
-          <a:lstStyle/>
-          <a:p>
-            <a:pPr algn="ctr"/>
-            <a:endParaRPr kumimoji="1" lang="ja-JP" altLang="en-US"/>
-          </a:p>
-        </p:txBody>
-      </p:sp>
-      <p:sp>
-        <p:nvSpPr>
-          <p:cNvPr id="5" name="円/楕円 4"/>
-          <p:cNvSpPr/>
-          <p:nvPr/>
-        </p:nvSpPr>
-        <p:spPr>
-          <a:xfrm>
-            <a:off x="4887253" y="4538777"/>
-            <a:ext cx="1152128" cy="1080120"/>
-          </a:xfrm>
-          <a:prstGeom prst="ellipse">
-            <a:avLst/>
-          </a:prstGeom>
-          <a:noFill/>
-        </p:spPr>
-        <p:style>
-          <a:lnRef idx="2">
-            <a:schemeClr val="accent1">
-              <a:shade val="50000"/>
-            </a:schemeClr>
-          </a:lnRef>
-          <a:fillRef idx="1">
-            <a:schemeClr val="accent1"/>
-          </a:fillRef>
-          <a:effectRef idx="0">
-            <a:schemeClr val="accent1"/>
-          </a:effectRef>
-          <a:fontRef idx="minor">
-            <a:schemeClr val="lt1"/>
-          </a:fontRef>
-        </p:style>
-        <p:txBody>
-          <a:bodyPr rtlCol="0" anchor="ctr"/>
-          <a:lstStyle/>
-          <a:p>
-            <a:pPr algn="ctr"/>
-            <a:endParaRPr kumimoji="1" lang="ja-JP" altLang="en-US"/>
-          </a:p>
-        </p:txBody>
-      </p:sp>
-      <p:sp>
-        <p:nvSpPr>
-          <p:cNvPr id="6" name="テキスト ボックス 5"/>
-          <p:cNvSpPr txBox="1"/>
-          <p:nvPr/>
-        </p:nvSpPr>
-        <p:spPr>
-          <a:xfrm>
-            <a:off x="5292081" y="3789040"/>
-            <a:ext cx="720080" cy="369332"/>
-          </a:xfrm>
-          <a:prstGeom prst="rect">
-            <a:avLst/>
-          </a:prstGeom>
-          <a:noFill/>
-        </p:spPr>
-        <p:txBody>
-          <a:bodyPr wrap="square" rtlCol="0">
-            <a:spAutoFit/>
-          </a:bodyPr>
-          <a:lstStyle/>
-          <a:p>
-            <a:r>
-              <a:rPr lang="ja-JP" altLang="en-US" dirty="0"/>
-              <a:t>細い</a:t>
-            </a:r>
-            <a:endParaRPr kumimoji="1" lang="ja-JP" altLang="en-US" dirty="0"/>
-          </a:p>
-        </p:txBody>
-      </p:sp>
-      <p:sp>
-        <p:nvSpPr>
-          <p:cNvPr id="9" name="円/楕円 8"/>
-          <p:cNvSpPr/>
-          <p:nvPr/>
-        </p:nvSpPr>
-        <p:spPr>
-          <a:xfrm>
-            <a:off x="5886279" y="4538777"/>
-            <a:ext cx="936105" cy="1080120"/>
-          </a:xfrm>
-          <a:prstGeom prst="ellipse">
-            <a:avLst/>
-          </a:prstGeom>
-          <a:noFill/>
-          <a:ln>
-            <a:solidFill>
-              <a:srgbClr val="FF0000"/>
-            </a:solidFill>
-          </a:ln>
-        </p:spPr>
-        <p:style>
-          <a:lnRef idx="2">
-            <a:schemeClr val="accent1">
-              <a:shade val="50000"/>
-            </a:schemeClr>
-          </a:lnRef>
-          <a:fillRef idx="1">
-            <a:schemeClr val="accent1"/>
-          </a:fillRef>
-          <a:effectRef idx="0">
-            <a:schemeClr val="accent1"/>
-          </a:effectRef>
-          <a:fontRef idx="minor">
-            <a:schemeClr val="lt1"/>
-          </a:fontRef>
-        </p:style>
-        <p:txBody>
-          <a:bodyPr rtlCol="0" anchor="ctr"/>
-          <a:lstStyle/>
-          <a:p>
-            <a:pPr algn="ctr"/>
-            <a:endParaRPr kumimoji="1" lang="ja-JP" altLang="en-US"/>
-          </a:p>
-        </p:txBody>
-      </p:sp>
-      <p:sp>
-        <p:nvSpPr>
-          <p:cNvPr id="10" name="テキスト ボックス 9"/>
-          <p:cNvSpPr txBox="1"/>
-          <p:nvPr/>
-        </p:nvSpPr>
-        <p:spPr>
-          <a:xfrm>
-            <a:off x="6336196" y="3794512"/>
-            <a:ext cx="720080" cy="369332"/>
-          </a:xfrm>
-          <a:prstGeom prst="rect">
-            <a:avLst/>
-          </a:prstGeom>
-          <a:noFill/>
-        </p:spPr>
-        <p:txBody>
-          <a:bodyPr wrap="square" rtlCol="0">
-            <a:spAutoFit/>
-          </a:bodyPr>
-          <a:lstStyle/>
-          <a:p>
-            <a:r>
-              <a:rPr kumimoji="1" lang="ja-JP" altLang="en-US" dirty="0" smtClean="0"/>
-              <a:t>普通</a:t>
-            </a:r>
-            <a:endParaRPr kumimoji="1" lang="ja-JP" altLang="en-US" dirty="0"/>
-          </a:p>
-        </p:txBody>
-      </p:sp>
-      <p:sp>
-        <p:nvSpPr>
-          <p:cNvPr id="11" name="円/楕円 10"/>
-          <p:cNvSpPr/>
-          <p:nvPr/>
-        </p:nvSpPr>
-        <p:spPr>
-          <a:xfrm>
-            <a:off x="6732203" y="4547365"/>
-            <a:ext cx="936105" cy="1080120"/>
-          </a:xfrm>
-          <a:prstGeom prst="ellipse">
-            <a:avLst/>
-          </a:prstGeom>
-          <a:noFill/>
-          <a:ln>
-            <a:solidFill>
-              <a:srgbClr val="00B050"/>
-            </a:solidFill>
-          </a:ln>
-        </p:spPr>
-        <p:style>
-          <a:lnRef idx="2">
-            <a:schemeClr val="accent1">
-              <a:shade val="50000"/>
-            </a:schemeClr>
-          </a:lnRef>
-          <a:fillRef idx="1">
-            <a:schemeClr val="accent1"/>
-          </a:fillRef>
-          <a:effectRef idx="0">
-            <a:schemeClr val="accent1"/>
-          </a:effectRef>
-          <a:fontRef idx="minor">
-            <a:schemeClr val="lt1"/>
-          </a:fontRef>
-        </p:style>
-        <p:txBody>
-          <a:bodyPr rtlCol="0" anchor="ctr"/>
-          <a:lstStyle/>
-          <a:p>
-            <a:pPr algn="ctr"/>
-            <a:endParaRPr kumimoji="1" lang="ja-JP" altLang="en-US"/>
-          </a:p>
-        </p:txBody>
-      </p:sp>
-      <p:sp>
-        <p:nvSpPr>
-          <p:cNvPr id="12" name="テキスト ボックス 11"/>
-          <p:cNvSpPr txBox="1"/>
-          <p:nvPr/>
-        </p:nvSpPr>
-        <p:spPr>
-          <a:xfrm>
-            <a:off x="7272301" y="3794512"/>
-            <a:ext cx="720080" cy="369332"/>
-          </a:xfrm>
-          <a:prstGeom prst="rect">
-            <a:avLst/>
-          </a:prstGeom>
-          <a:noFill/>
-        </p:spPr>
-        <p:txBody>
-          <a:bodyPr wrap="square" rtlCol="0">
-            <a:spAutoFit/>
-          </a:bodyPr>
-          <a:lstStyle/>
-          <a:p>
-            <a:r>
-              <a:rPr kumimoji="1" lang="ja-JP" altLang="en-US" dirty="0" smtClean="0"/>
-              <a:t>太い</a:t>
-            </a:r>
-            <a:endParaRPr kumimoji="1" lang="en-US" altLang="ja-JP" dirty="0" smtClean="0"/>
-          </a:p>
-        </p:txBody>
-      </p:sp>
-    </p:spTree>
-    <p:extLst>
-      <p:ext uri="{BB962C8B-B14F-4D97-AF65-F5344CB8AC3E}">
-        <p14:creationId xmlns:p14="http://schemas.microsoft.com/office/powerpoint/2010/main" val="2266488082"/>
-      </p:ext>
-    </p:extLst>
-  </p:cSld>
-  <p:clrMapOvr>
-    <a:masterClrMapping/>
-  </p:clrMapOvr>
-  <p:timing>
-    <p:tnLst>
-      <p:par>
-        <p:cTn id="1" dur="indefinite" restart="never" nodeType="tmRoot">
-          <p:childTnLst>
-            <p:seq concurrent="1" nextAc="seek">
-              <p:cTn id="2" dur="indefinite" nodeType="mainSeq">
-                <p:childTnLst>
-                  <p:par>
-                    <p:cTn id="3" fill="hold">
-                      <p:stCondLst>
-                        <p:cond delay="indefinite"/>
-                      </p:stCondLst>
-                      <p:childTnLst>
-                        <p:par>
-                          <p:cTn id="4" fill="hold">
-                            <p:stCondLst>
-                              <p:cond delay="0"/>
-                            </p:stCondLst>
-                            <p:childTnLst>
-                              <p:par>
-                                <p:cTn id="5" presetID="10" presetClass="entr" presetSubtype="0" fill="hold" nodeType="clickEffect">
-                                  <p:stCondLst>
-                                    <p:cond delay="0"/>
-                                  </p:stCondLst>
-                                  <p:childTnLst>
-                                    <p:set>
-                                      <p:cBhvr>
-                                        <p:cTn id="6" dur="1" fill="hold">
-                                          <p:stCondLst>
-                                            <p:cond delay="0"/>
-                                          </p:stCondLst>
-                                        </p:cTn>
-                                        <p:tgtEl>
-                                          <p:spTgt spid="3074"/>
-                                        </p:tgtEl>
-                                        <p:attrNameLst>
-                                          <p:attrName>style.visibility</p:attrName>
-                                        </p:attrNameLst>
-                                      </p:cBhvr>
-                                      <p:to>
-                                        <p:strVal val="visible"/>
-                                      </p:to>
-                                    </p:set>
-                                    <p:animEffect transition="in" filter="fade">
-                                      <p:cBhvr>
-                                        <p:cTn id="7" dur="500"/>
-                                        <p:tgtEl>
-                                          <p:spTgt spid="3074"/>
-                                        </p:tgtEl>
-                                      </p:cBhvr>
-                                    </p:animEffect>
-                                  </p:childTnLst>
-                                </p:cTn>
-                              </p:par>
-                            </p:childTnLst>
-                          </p:cTn>
-                        </p:par>
-                      </p:childTnLst>
-                    </p:cTn>
-                  </p:par>
-                  <p:par>
-                    <p:cTn id="8" fill="hold">
-                      <p:stCondLst>
-                        <p:cond delay="indefinite"/>
-                      </p:stCondLst>
-                      <p:childTnLst>
-                        <p:par>
-                          <p:cTn id="9" fill="hold">
-                            <p:stCondLst>
-                              <p:cond delay="0"/>
-                            </p:stCondLst>
-                            <p:childTnLst>
-                              <p:par>
-                                <p:cTn id="10" presetID="10" presetClass="entr" presetSubtype="0" fill="hold" grpId="0" nodeType="clickEffect">
-                                  <p:stCondLst>
-                                    <p:cond delay="0"/>
-                                  </p:stCondLst>
-                                  <p:childTnLst>
-                                    <p:set>
-                                      <p:cBhvr>
-                                        <p:cTn id="11" dur="1" fill="hold">
-                                          <p:stCondLst>
-                                            <p:cond delay="0"/>
-                                          </p:stCondLst>
-                                        </p:cTn>
-                                        <p:tgtEl>
-                                          <p:spTgt spid="4"/>
-                                        </p:tgtEl>
-                                        <p:attrNameLst>
-                                          <p:attrName>style.visibility</p:attrName>
-                                        </p:attrNameLst>
-                                      </p:cBhvr>
-                                      <p:to>
-                                        <p:strVal val="visible"/>
-                                      </p:to>
-                                    </p:set>
-                                    <p:animEffect transition="in" filter="fade">
-                                      <p:cBhvr>
-                                        <p:cTn id="12" dur="500"/>
-                                        <p:tgtEl>
-                                          <p:spTgt spid="4"/>
-                                        </p:tgtEl>
-                                      </p:cBhvr>
-                                    </p:animEffect>
-                                  </p:childTnLst>
-                                </p:cTn>
-                              </p:par>
-                            </p:childTnLst>
-                          </p:cTn>
-                        </p:par>
-                      </p:childTnLst>
-                    </p:cTn>
-                  </p:par>
-                  <p:par>
-                    <p:cTn id="13" fill="hold">
-                      <p:stCondLst>
-                        <p:cond delay="indefinite"/>
-                      </p:stCondLst>
-                      <p:childTnLst>
-                        <p:par>
-                          <p:cTn id="14" fill="hold">
-                            <p:stCondLst>
-                              <p:cond delay="0"/>
-                            </p:stCondLst>
-                            <p:childTnLst>
-                              <p:par>
-                                <p:cTn id="15" presetID="10" presetClass="entr" presetSubtype="0" fill="hold" nodeType="clickEffect">
-                                  <p:stCondLst>
-                                    <p:cond delay="0"/>
-                                  </p:stCondLst>
-                                  <p:childTnLst>
-                                    <p:set>
-                                      <p:cBhvr>
-                                        <p:cTn id="16" dur="1" fill="hold">
-                                          <p:stCondLst>
-                                            <p:cond delay="0"/>
-                                          </p:stCondLst>
-                                        </p:cTn>
-                                        <p:tgtEl>
-                                          <p:spTgt spid="3076"/>
-                                        </p:tgtEl>
-                                        <p:attrNameLst>
-                                          <p:attrName>style.visibility</p:attrName>
-                                        </p:attrNameLst>
-                                      </p:cBhvr>
-                                      <p:to>
-                                        <p:strVal val="visible"/>
-                                      </p:to>
-                                    </p:set>
-                                    <p:animEffect transition="in" filter="fade">
-                                      <p:cBhvr>
-                                        <p:cTn id="17" dur="500"/>
-                                        <p:tgtEl>
-                                          <p:spTgt spid="3076"/>
-                                        </p:tgtEl>
-                                      </p:cBhvr>
-                                    </p:animEffect>
-                                  </p:childTnLst>
-                                </p:cTn>
-                              </p:par>
-                            </p:childTnLst>
-                          </p:cTn>
-                        </p:par>
-                      </p:childTnLst>
-                    </p:cTn>
-                  </p:par>
-                  <p:par>
-                    <p:cTn id="18" fill="hold">
-                      <p:stCondLst>
-                        <p:cond delay="indefinite"/>
-                      </p:stCondLst>
-                      <p:childTnLst>
-                        <p:par>
-                          <p:cTn id="19" fill="hold">
-                            <p:stCondLst>
-                              <p:cond delay="0"/>
-                            </p:stCondLst>
-                            <p:childTnLst>
-                              <p:par>
-                                <p:cTn id="20" presetID="10" presetClass="entr" presetSubtype="0" fill="hold" grpId="0" nodeType="clickEffect">
-                                  <p:stCondLst>
-                                    <p:cond delay="0"/>
-                                  </p:stCondLst>
-                                  <p:childTnLst>
-                                    <p:set>
-                                      <p:cBhvr>
-                                        <p:cTn id="21" dur="1" fill="hold">
-                                          <p:stCondLst>
-                                            <p:cond delay="0"/>
-                                          </p:stCondLst>
-                                        </p:cTn>
-                                        <p:tgtEl>
-                                          <p:spTgt spid="5"/>
-                                        </p:tgtEl>
-                                        <p:attrNameLst>
-                                          <p:attrName>style.visibility</p:attrName>
-                                        </p:attrNameLst>
-                                      </p:cBhvr>
-                                      <p:to>
-                                        <p:strVal val="visible"/>
-                                      </p:to>
-                                    </p:set>
-                                    <p:animEffect transition="in" filter="fade">
-                                      <p:cBhvr>
-                                        <p:cTn id="22" dur="500"/>
-                                        <p:tgtEl>
-                                          <p:spTgt spid="5"/>
-                                        </p:tgtEl>
-                                      </p:cBhvr>
-                                    </p:animEffect>
-                                  </p:childTnLst>
-                                </p:cTn>
-                              </p:par>
-                              <p:par>
-                                <p:cTn id="23" presetID="10" presetClass="entr" presetSubtype="0" fill="hold" grpId="0" nodeType="withEffect">
-                                  <p:stCondLst>
-                                    <p:cond delay="0"/>
-                                  </p:stCondLst>
-                                  <p:childTnLst>
-                                    <p:set>
-                                      <p:cBhvr>
-                                        <p:cTn id="24" dur="1" fill="hold">
-                                          <p:stCondLst>
-                                            <p:cond delay="0"/>
-                                          </p:stCondLst>
-                                        </p:cTn>
-                                        <p:tgtEl>
-                                          <p:spTgt spid="9"/>
-                                        </p:tgtEl>
-                                        <p:attrNameLst>
-                                          <p:attrName>style.visibility</p:attrName>
-                                        </p:attrNameLst>
-                                      </p:cBhvr>
-                                      <p:to>
-                                        <p:strVal val="visible"/>
-                                      </p:to>
-                                    </p:set>
-                                    <p:animEffect transition="in" filter="fade">
-                                      <p:cBhvr>
-                                        <p:cTn id="25" dur="500"/>
-                                        <p:tgtEl>
-                                          <p:spTgt spid="9"/>
-                                        </p:tgtEl>
-                                      </p:cBhvr>
-                                    </p:animEffect>
-                                  </p:childTnLst>
-                                </p:cTn>
-                              </p:par>
-                              <p:par>
-                                <p:cTn id="26" presetID="10" presetClass="entr" presetSubtype="0" fill="hold" grpId="0" nodeType="withEffect">
-                                  <p:stCondLst>
-                                    <p:cond delay="0"/>
-                                  </p:stCondLst>
-                                  <p:childTnLst>
-                                    <p:set>
-                                      <p:cBhvr>
-                                        <p:cTn id="27" dur="1" fill="hold">
-                                          <p:stCondLst>
-                                            <p:cond delay="0"/>
-                                          </p:stCondLst>
-                                        </p:cTn>
-                                        <p:tgtEl>
-                                          <p:spTgt spid="11"/>
-                                        </p:tgtEl>
-                                        <p:attrNameLst>
-                                          <p:attrName>style.visibility</p:attrName>
-                                        </p:attrNameLst>
-                                      </p:cBhvr>
-                                      <p:to>
-                                        <p:strVal val="visible"/>
-                                      </p:to>
-                                    </p:set>
-                                    <p:animEffect transition="in" filter="fade">
-                                      <p:cBhvr>
-                                        <p:cTn id="28" dur="500"/>
-                                        <p:tgtEl>
-                                          <p:spTgt spid="11"/>
-                                        </p:tgtEl>
-                                      </p:cBhvr>
-                                    </p:animEffect>
-                                  </p:childTnLst>
-                                </p:cTn>
-                              </p:par>
-                              <p:par>
-                                <p:cTn id="29" presetID="10" presetClass="entr" presetSubtype="0" fill="hold" grpId="0" nodeType="withEffect">
-                                  <p:stCondLst>
-                                    <p:cond delay="0"/>
-                                  </p:stCondLst>
-                                  <p:childTnLst>
-                                    <p:set>
-                                      <p:cBhvr>
-                                        <p:cTn id="30" dur="1" fill="hold">
-                                          <p:stCondLst>
-                                            <p:cond delay="0"/>
-                                          </p:stCondLst>
-                                        </p:cTn>
-                                        <p:tgtEl>
-                                          <p:spTgt spid="12"/>
-                                        </p:tgtEl>
-                                        <p:attrNameLst>
-                                          <p:attrName>style.visibility</p:attrName>
-                                        </p:attrNameLst>
-                                      </p:cBhvr>
-                                      <p:to>
-                                        <p:strVal val="visible"/>
-                                      </p:to>
-                                    </p:set>
-                                    <p:animEffect transition="in" filter="fade">
-                                      <p:cBhvr>
-                                        <p:cTn id="31" dur="500"/>
-                                        <p:tgtEl>
-                                          <p:spTgt spid="12"/>
-                                        </p:tgtEl>
-                                      </p:cBhvr>
-                                    </p:animEffect>
-                                  </p:childTnLst>
-                                </p:cTn>
-                              </p:par>
-                              <p:par>
-                                <p:cTn id="32" presetID="10" presetClass="entr" presetSubtype="0" fill="hold" grpId="0" nodeType="withEffect">
-                                  <p:stCondLst>
-                                    <p:cond delay="0"/>
-                                  </p:stCondLst>
-                                  <p:childTnLst>
-                                    <p:set>
-                                      <p:cBhvr>
-                                        <p:cTn id="33" dur="1" fill="hold">
-                                          <p:stCondLst>
-                                            <p:cond delay="0"/>
-                                          </p:stCondLst>
-                                        </p:cTn>
-                                        <p:tgtEl>
-                                          <p:spTgt spid="10"/>
-                                        </p:tgtEl>
-                                        <p:attrNameLst>
-                                          <p:attrName>style.visibility</p:attrName>
-                                        </p:attrNameLst>
-                                      </p:cBhvr>
-                                      <p:to>
-                                        <p:strVal val="visible"/>
-                                      </p:to>
-                                    </p:set>
-                                    <p:animEffect transition="in" filter="fade">
-                                      <p:cBhvr>
-                                        <p:cTn id="34" dur="500"/>
-                                        <p:tgtEl>
-                                          <p:spTgt spid="10"/>
-                                        </p:tgtEl>
-                                      </p:cBhvr>
-                                    </p:animEffect>
-                                  </p:childTnLst>
-                                </p:cTn>
-                              </p:par>
-                              <p:par>
-                                <p:cTn id="35" presetID="10" presetClass="entr" presetSubtype="0" fill="hold" grpId="0" nodeType="withEffect">
-                                  <p:stCondLst>
-                                    <p:cond delay="0"/>
-                                  </p:stCondLst>
-                                  <p:childTnLst>
-                                    <p:set>
-                                      <p:cBhvr>
-                                        <p:cTn id="36" dur="1" fill="hold">
-                                          <p:stCondLst>
-                                            <p:cond delay="0"/>
-                                          </p:stCondLst>
-                                        </p:cTn>
-                                        <p:tgtEl>
-                                          <p:spTgt spid="6"/>
-                                        </p:tgtEl>
-                                        <p:attrNameLst>
-                                          <p:attrName>style.visibility</p:attrName>
-                                        </p:attrNameLst>
-                                      </p:cBhvr>
-                                      <p:to>
-                                        <p:strVal val="visible"/>
-                                      </p:to>
-                                    </p:set>
-                                    <p:animEffect transition="in" filter="fade">
-                                      <p:cBhvr>
-                                        <p:cTn id="37" dur="500"/>
-                                        <p:tgtEl>
-                                          <p:spTgt spid="6"/>
-                                        </p:tgtEl>
-                                      </p:cBhvr>
-                                    </p:animEffect>
-                                  </p:childTnLst>
-                                </p:cTn>
-                              </p:par>
-                            </p:childTnLst>
-                          </p:cTn>
-                        </p:par>
-                      </p:childTnLst>
-                    </p:cTn>
-                  </p:par>
-                </p:childTnLst>
-              </p:cTn>
-              <p:prevCondLst>
-                <p:cond evt="onPrev" delay="0">
-                  <p:tgtEl>
-                    <p:sldTgt/>
-                  </p:tgtEl>
-                </p:cond>
-              </p:prevCondLst>
-              <p:nextCondLst>
-                <p:cond evt="onNext" delay="0">
-                  <p:tgtEl>
-                    <p:sldTgt/>
-                  </p:tgtEl>
-                </p:cond>
-              </p:nextCondLst>
-            </p:seq>
-          </p:childTnLst>
-        </p:cTn>
-      </p:par>
-    </p:tnLst>
-    <p:bldLst>
-      <p:bldP spid="4" grpId="0" animBg="1"/>
-      <p:bldP spid="5" grpId="0" animBg="1"/>
-      <p:bldP spid="6" grpId="0"/>
-      <p:bldP spid="9" grpId="0" animBg="1"/>
-      <p:bldP spid="10" grpId="0"/>
-      <p:bldP spid="11" grpId="0" animBg="1"/>
-      <p:bldP spid="12" grpId="0"/>
-    </p:bldLst>
-  </p:timing>
-</p:sld>
-</file>
-
-<file path=ppt/slides/slide8.xml><?xml version="1.0" encoding="utf-8"?>
-<p:sld xmlns:a="http://schemas.openxmlformats.org/drawingml/2006/main" xmlns:r="http://schemas.openxmlformats.org/officeDocument/2006/relationships" xmlns:p="http://schemas.openxmlformats.org/presentationml/2006/main">
-  <p:cSld>
-    <p:spTree>
-      <p:nvGrpSpPr>
-        <p:cNvPr id="1" name=""/>
-        <p:cNvGrpSpPr/>
-        <p:nvPr/>
-      </p:nvGrpSpPr>
-      <p:grpSpPr>
-        <a:xfrm>
-          <a:off x="0" y="0"/>
-          <a:ext cx="0" cy="0"/>
-          <a:chOff x="0" y="0"/>
-          <a:chExt cx="0" cy="0"/>
-        </a:xfrm>
-      </p:grpSpPr>
-      <p:sp>
-        <p:nvSpPr>
-          <p:cNvPr id="2" name="タイトル 1"/>
-          <p:cNvSpPr>
-            <a:spLocks noGrp="1"/>
-          </p:cNvSpPr>
-          <p:nvPr>
-            <p:ph type="title"/>
-          </p:nvPr>
-        </p:nvSpPr>
-        <p:spPr/>
-        <p:txBody>
-          <a:bodyPr/>
-          <a:lstStyle/>
-          <a:p>
-            <a:r>
-              <a:rPr lang="ja-JP" altLang="en-US" dirty="0"/>
-              <a:t>目標</a:t>
-            </a:r>
-            <a:endParaRPr kumimoji="1" lang="ja-JP" altLang="en-US" dirty="0"/>
-          </a:p>
-        </p:txBody>
-      </p:sp>
-      <p:sp>
-        <p:nvSpPr>
-          <p:cNvPr id="3" name="コンテンツ プレースホルダー 2"/>
-          <p:cNvSpPr>
-            <a:spLocks noGrp="1"/>
-          </p:cNvSpPr>
-          <p:nvPr>
-            <p:ph idx="1"/>
-          </p:nvPr>
-        </p:nvSpPr>
-        <p:spPr/>
-        <p:txBody>
-          <a:bodyPr/>
-          <a:lstStyle/>
-          <a:p>
-            <a:r>
-              <a:rPr kumimoji="1" lang="ja-JP" altLang="en-US" dirty="0" smtClean="0"/>
-              <a:t>過去のデータによる未来の株価を予測する</a:t>
-            </a:r>
-            <a:endParaRPr kumimoji="1" lang="en-US" altLang="ja-JP" dirty="0" smtClean="0"/>
-          </a:p>
-          <a:p>
-            <a:pPr lvl="1"/>
-            <a:endParaRPr kumimoji="1" lang="ja-JP" altLang="en-US" dirty="0"/>
-          </a:p>
-        </p:txBody>
-      </p:sp>
-      <p:sp>
-        <p:nvSpPr>
-          <p:cNvPr id="5" name="星 12 4"/>
-          <p:cNvSpPr/>
-          <p:nvPr/>
-        </p:nvSpPr>
-        <p:spPr>
-          <a:xfrm>
-            <a:off x="1475656" y="2996952"/>
-            <a:ext cx="5688632" cy="2088232"/>
-          </a:xfrm>
-          <a:prstGeom prst="star12">
-            <a:avLst/>
-          </a:prstGeom>
-          <a:solidFill>
-            <a:srgbClr val="FF0000"/>
-          </a:solidFill>
-        </p:spPr>
-        <p:style>
-          <a:lnRef idx="2">
-            <a:schemeClr val="accent1">
-              <a:shade val="50000"/>
-            </a:schemeClr>
-          </a:lnRef>
-          <a:fillRef idx="1">
-            <a:schemeClr val="accent1"/>
-          </a:fillRef>
-          <a:effectRef idx="0">
-            <a:schemeClr val="accent1"/>
-          </a:effectRef>
-          <a:fontRef idx="minor">
-            <a:schemeClr val="lt1"/>
-          </a:fontRef>
-        </p:style>
-        <p:txBody>
-          <a:bodyPr rtlCol="0" anchor="ctr"/>
-          <a:lstStyle/>
-          <a:p>
-            <a:pPr algn="ctr"/>
-            <a:r>
-              <a:rPr lang="ja-JP" altLang="en-US" sz="4400" dirty="0" smtClean="0"/>
-              <a:t>回帰分析</a:t>
-            </a:r>
-            <a:endParaRPr kumimoji="1" lang="ja-JP" altLang="en-US" sz="4400" dirty="0"/>
-          </a:p>
-        </p:txBody>
-      </p:sp>
-    </p:spTree>
-    <p:extLst>
-      <p:ext uri="{BB962C8B-B14F-4D97-AF65-F5344CB8AC3E}">
-        <p14:creationId xmlns:p14="http://schemas.microsoft.com/office/powerpoint/2010/main" val="582662811"/>
-      </p:ext>
-    </p:extLst>
-  </p:cSld>
-  <p:clrMapOvr>
-    <a:masterClrMapping/>
-  </p:clrMapOvr>
-  <p:timing>
-    <p:tnLst>
-      <p:par>
-        <p:cTn id="1" dur="indefinite" restart="never" nodeType="tmRoot">
-          <p:childTnLst>
-            <p:seq concurrent="1" nextAc="seek">
-              <p:cTn id="2" dur="indefinite" nodeType="mainSeq">
-                <p:childTnLst>
-                  <p:par>
-                    <p:cTn id="3" fill="hold">
-                      <p:stCondLst>
-                        <p:cond delay="indefinite"/>
-                      </p:stCondLst>
-                      <p:childTnLst>
-                        <p:par>
-                          <p:cTn id="4" fill="hold">
-                            <p:stCondLst>
-                              <p:cond delay="0"/>
-                            </p:stCondLst>
-                            <p:childTnLst>
-                              <p:par>
-                                <p:cTn id="5" presetID="10" presetClass="entr" presetSubtype="0" fill="hold" grpId="0" nodeType="clickEffect">
-                                  <p:stCondLst>
-                                    <p:cond delay="0"/>
-                                  </p:stCondLst>
-                                  <p:childTnLst>
-                                    <p:set>
-                                      <p:cBhvr>
-                                        <p:cTn id="6" dur="1" fill="hold">
-                                          <p:stCondLst>
-                                            <p:cond delay="0"/>
-                                          </p:stCondLst>
-                                        </p:cTn>
-                                        <p:tgtEl>
-                                          <p:spTgt spid="5"/>
-                                        </p:tgtEl>
-                                        <p:attrNameLst>
-                                          <p:attrName>style.visibility</p:attrName>
-                                        </p:attrNameLst>
-                                      </p:cBhvr>
-                                      <p:to>
-                                        <p:strVal val="visible"/>
-                                      </p:to>
-                                    </p:set>
-                                    <p:animEffect transition="in" filter="fade">
-                                      <p:cBhvr>
-                                        <p:cTn id="7" dur="500"/>
-                                        <p:tgtEl>
-                                          <p:spTgt spid="5"/>
-                                        </p:tgtEl>
-                                      </p:cBhvr>
-                                    </p:animEffect>
-                                  </p:childTnLst>
-                                </p:cTn>
-                              </p:par>
-                            </p:childTnLst>
-                          </p:cTn>
-                        </p:par>
-                      </p:childTnLst>
-                    </p:cTn>
-                  </p:par>
-                </p:childTnLst>
-              </p:cTn>
-              <p:prevCondLst>
-                <p:cond evt="onPrev" delay="0">
-                  <p:tgtEl>
-                    <p:sldTgt/>
-                  </p:tgtEl>
-                </p:cond>
-              </p:prevCondLst>
-              <p:nextCondLst>
-                <p:cond evt="onNext" delay="0">
-                  <p:tgtEl>
-                    <p:sldTgt/>
-                  </p:tgtEl>
-                </p:cond>
-              </p:nextCondLst>
-            </p:seq>
-          </p:childTnLst>
-        </p:cTn>
-      </p:par>
-    </p:tnLst>
-    <p:bldLst>
-      <p:bldP spid="5" grpId="0" animBg="1"/>
-    </p:bldLst>
-  </p:timing>
-</p:sld>
-</file>
-
-<file path=ppt/slides/slide9.xml><?xml version="1.0" encoding="utf-8"?>
 <p:sld xmlns:a="http://schemas.openxmlformats.org/drawingml/2006/main" xmlns:r="http://schemas.openxmlformats.org/officeDocument/2006/relationships" xmlns:p="http://schemas.openxmlformats.org/presentationml/2006/main">
   <p:cSld>
     <p:spTree>
@@ -11123,7 +7918,7 @@
         </p:nvSpPr>
         <p:spPr>
           <a:xfrm>
-            <a:off x="202477" y="2101466"/>
+            <a:off x="132814" y="2102116"/>
             <a:ext cx="1354841" cy="369332"/>
           </a:xfrm>
           <a:prstGeom prst="rect">
@@ -11280,7 +8075,7 @@
         <p:spPr>
           <a:xfrm>
             <a:off x="19457" y="4241253"/>
-            <a:ext cx="1894902" cy="369332"/>
+            <a:ext cx="1894902" cy="646331"/>
           </a:xfrm>
           <a:prstGeom prst="rect">
             <a:avLst/>
@@ -11294,10 +8089,18 @@
           <a:lstStyle/>
           <a:p>
             <a:r>
-              <a:rPr lang="ja-JP" altLang="en-US" dirty="0" smtClean="0"/>
+              <a:rPr lang="ja-JP" altLang="en-US" dirty="0" smtClean="0">
+                <a:solidFill>
+                  <a:srgbClr val="FF0000"/>
+                </a:solidFill>
+              </a:rPr>
               <a:t>アルゴリズム勉強</a:t>
             </a:r>
-            <a:endParaRPr lang="en-US" altLang="zh-CN" dirty="0" smtClean="0"/>
+            <a:endParaRPr lang="en-US" altLang="zh-CN" dirty="0" smtClean="0">
+              <a:solidFill>
+                <a:srgbClr val="FF0000"/>
+              </a:solidFill>
+            </a:endParaRPr>
           </a:p>
         </p:txBody>
       </p:sp>
@@ -11343,7 +8146,7 @@
         <p:spPr>
           <a:xfrm>
             <a:off x="48806" y="4803484"/>
-            <a:ext cx="1894902" cy="369332"/>
+            <a:ext cx="2002914" cy="646331"/>
           </a:xfrm>
           <a:prstGeom prst="rect">
             <a:avLst/>
@@ -11357,10 +8160,18 @@
           <a:lstStyle/>
           <a:p>
             <a:r>
-              <a:rPr lang="ja-JP" altLang="en-US" dirty="0" smtClean="0"/>
+              <a:rPr lang="ja-JP" altLang="en-US" dirty="0" smtClean="0">
+                <a:solidFill>
+                  <a:srgbClr val="FF0000"/>
+                </a:solidFill>
+              </a:rPr>
               <a:t>アルゴリズム改善</a:t>
             </a:r>
-            <a:endParaRPr lang="en-US" altLang="zh-CN" dirty="0" smtClean="0"/>
+            <a:endParaRPr lang="en-US" altLang="zh-CN" dirty="0" smtClean="0">
+              <a:solidFill>
+                <a:srgbClr val="FF0000"/>
+              </a:solidFill>
+            </a:endParaRPr>
           </a:p>
         </p:txBody>
       </p:sp>
@@ -11573,6 +8384,2602 @@
       </p:par>
     </p:tnLst>
   </p:timing>
+</p:sld>
+</file>
+
+<file path=ppt/slides/slide12.xml><?xml version="1.0" encoding="utf-8"?>
+<p:sld xmlns:a="http://schemas.openxmlformats.org/drawingml/2006/main" xmlns:r="http://schemas.openxmlformats.org/officeDocument/2006/relationships" xmlns:p="http://schemas.openxmlformats.org/presentationml/2006/main">
+  <p:cSld>
+    <p:spTree>
+      <p:nvGrpSpPr>
+        <p:cNvPr id="1" name=""/>
+        <p:cNvGrpSpPr/>
+        <p:nvPr/>
+      </p:nvGrpSpPr>
+      <p:grpSpPr>
+        <a:xfrm>
+          <a:off x="0" y="0"/>
+          <a:ext cx="0" cy="0"/>
+          <a:chOff x="0" y="0"/>
+          <a:chExt cx="0" cy="0"/>
+        </a:xfrm>
+      </p:grpSpPr>
+      <p:sp>
+        <p:nvSpPr>
+          <p:cNvPr id="2" name="タイトル 1"/>
+          <p:cNvSpPr>
+            <a:spLocks noGrp="1"/>
+          </p:cNvSpPr>
+          <p:nvPr>
+            <p:ph type="title"/>
+          </p:nvPr>
+        </p:nvSpPr>
+        <p:spPr>
+          <a:xfrm>
+            <a:off x="457200" y="3068960"/>
+            <a:ext cx="8229600" cy="1143000"/>
+          </a:xfrm>
+        </p:spPr>
+        <p:txBody>
+          <a:bodyPr>
+            <a:normAutofit/>
+          </a:bodyPr>
+          <a:lstStyle/>
+          <a:p>
+            <a:r>
+              <a:rPr lang="ja-JP" altLang="en-US" dirty="0"/>
+              <a:t>ご清</a:t>
+            </a:r>
+            <a:r>
+              <a:rPr lang="ja-JP" altLang="en-US" dirty="0" smtClean="0"/>
+              <a:t>聴ありがとうございます。</a:t>
+            </a:r>
+            <a:endParaRPr kumimoji="1" lang="ja-JP" altLang="en-US" dirty="0"/>
+          </a:p>
+        </p:txBody>
+      </p:sp>
+    </p:spTree>
+    <p:extLst>
+      <p:ext uri="{BB962C8B-B14F-4D97-AF65-F5344CB8AC3E}">
+        <p14:creationId xmlns:p14="http://schemas.microsoft.com/office/powerpoint/2010/main" val="2731057766"/>
+      </p:ext>
+    </p:extLst>
+  </p:cSld>
+  <p:clrMapOvr>
+    <a:masterClrMapping/>
+  </p:clrMapOvr>
+  <p:timing>
+    <p:tnLst>
+      <p:par>
+        <p:cTn id="1" dur="indefinite" restart="never" nodeType="tmRoot"/>
+      </p:par>
+    </p:tnLst>
+  </p:timing>
+</p:sld>
+</file>
+
+<file path=ppt/slides/slide2.xml><?xml version="1.0" encoding="utf-8"?>
+<p:sld xmlns:a="http://schemas.openxmlformats.org/drawingml/2006/main" xmlns:r="http://schemas.openxmlformats.org/officeDocument/2006/relationships" xmlns:p="http://schemas.openxmlformats.org/presentationml/2006/main">
+  <p:cSld>
+    <p:spTree>
+      <p:nvGrpSpPr>
+        <p:cNvPr id="1" name=""/>
+        <p:cNvGrpSpPr/>
+        <p:nvPr/>
+      </p:nvGrpSpPr>
+      <p:grpSpPr>
+        <a:xfrm>
+          <a:off x="0" y="0"/>
+          <a:ext cx="0" cy="0"/>
+          <a:chOff x="0" y="0"/>
+          <a:chExt cx="0" cy="0"/>
+        </a:xfrm>
+      </p:grpSpPr>
+      <p:sp>
+        <p:nvSpPr>
+          <p:cNvPr id="2" name="タイトル 1"/>
+          <p:cNvSpPr>
+            <a:spLocks noGrp="1"/>
+          </p:cNvSpPr>
+          <p:nvPr>
+            <p:ph type="title"/>
+          </p:nvPr>
+        </p:nvSpPr>
+        <p:spPr/>
+        <p:txBody>
+          <a:bodyPr/>
+          <a:lstStyle/>
+          <a:p>
+            <a:r>
+              <a:rPr lang="ja-JP" altLang="en-US" dirty="0"/>
+              <a:t>目的</a:t>
+            </a:r>
+            <a:endParaRPr kumimoji="1" lang="ja-JP" altLang="en-US" dirty="0"/>
+          </a:p>
+        </p:txBody>
+      </p:sp>
+      <p:sp>
+        <p:nvSpPr>
+          <p:cNvPr id="3" name="コンテンツ プレースホルダー 2"/>
+          <p:cNvSpPr>
+            <a:spLocks noGrp="1"/>
+          </p:cNvSpPr>
+          <p:nvPr>
+            <p:ph idx="1"/>
+          </p:nvPr>
+        </p:nvSpPr>
+        <p:spPr/>
+        <p:txBody>
+          <a:bodyPr>
+            <a:normAutofit/>
+          </a:bodyPr>
+          <a:lstStyle/>
+          <a:p>
+            <a:r>
+              <a:rPr lang="en-US" altLang="ja-JP" dirty="0"/>
+              <a:t>AI</a:t>
+            </a:r>
+            <a:r>
+              <a:rPr lang="ja-JP" altLang="en-US" dirty="0"/>
+              <a:t>の勉</a:t>
+            </a:r>
+            <a:r>
+              <a:rPr lang="ja-JP" altLang="en-US" dirty="0" smtClean="0"/>
+              <a:t>強</a:t>
+            </a:r>
+            <a:endParaRPr lang="en-US" altLang="ja-JP" dirty="0" smtClean="0"/>
+          </a:p>
+          <a:p>
+            <a:r>
+              <a:rPr lang="en-US" altLang="ja-JP" dirty="0" smtClean="0"/>
+              <a:t>AI</a:t>
+            </a:r>
+            <a:r>
+              <a:rPr lang="ja-JP" altLang="en-US" dirty="0" smtClean="0"/>
+              <a:t>に関連する</a:t>
+            </a:r>
+            <a:r>
+              <a:rPr lang="en-US" altLang="ja-JP" dirty="0" smtClean="0"/>
+              <a:t>Python</a:t>
+            </a:r>
+            <a:r>
+              <a:rPr lang="ja-JP" altLang="en-US" dirty="0"/>
+              <a:t>ライブラリ</a:t>
+            </a:r>
+            <a:r>
+              <a:rPr lang="ja-JP" altLang="en-US" dirty="0" smtClean="0"/>
+              <a:t>の</a:t>
+            </a:r>
+            <a:r>
+              <a:rPr lang="ja-JP" altLang="en-US" dirty="0"/>
+              <a:t>勉</a:t>
+            </a:r>
+            <a:r>
+              <a:rPr lang="ja-JP" altLang="en-US" dirty="0" smtClean="0"/>
+              <a:t>強</a:t>
+            </a:r>
+            <a:endParaRPr lang="en-US" altLang="ja-JP" dirty="0"/>
+          </a:p>
+        </p:txBody>
+      </p:sp>
+      <p:pic>
+        <p:nvPicPr>
+          <p:cNvPr id="5122" name="Picture 2" descr="「AI」の画像検索結果">
+            <a:hlinkClick r:id="rId3"/>
+          </p:cNvPr>
+          <p:cNvPicPr>
+            <a:picLocks noChangeAspect="1" noChangeArrowheads="1"/>
+          </p:cNvPicPr>
+          <p:nvPr/>
+        </p:nvPicPr>
+        <p:blipFill>
+          <a:blip r:embed="rId4">
+            <a:extLst>
+              <a:ext uri="{28A0092B-C50C-407E-A947-70E740481C1C}">
+                <a14:useLocalDpi xmlns:a14="http://schemas.microsoft.com/office/drawing/2010/main" val="0"/>
+              </a:ext>
+            </a:extLst>
+          </a:blip>
+          <a:srcRect/>
+          <a:stretch>
+            <a:fillRect/>
+          </a:stretch>
+        </p:blipFill>
+        <p:spPr bwMode="auto">
+          <a:xfrm>
+            <a:off x="4067944" y="4055228"/>
+            <a:ext cx="3532650" cy="1986135"/>
+          </a:xfrm>
+          <a:prstGeom prst="rect">
+            <a:avLst/>
+          </a:prstGeom>
+          <a:noFill/>
+          <a:extLst>
+            <a:ext uri="{909E8E84-426E-40DD-AFC4-6F175D3DCCD1}">
+              <a14:hiddenFill xmlns:a14="http://schemas.microsoft.com/office/drawing/2010/main">
+                <a:solidFill>
+                  <a:srgbClr val="FFFFFF"/>
+                </a:solidFill>
+              </a14:hiddenFill>
+            </a:ext>
+          </a:extLst>
+        </p:spPr>
+      </p:pic>
+    </p:spTree>
+    <p:extLst>
+      <p:ext uri="{BB962C8B-B14F-4D97-AF65-F5344CB8AC3E}">
+        <p14:creationId xmlns:p14="http://schemas.microsoft.com/office/powerpoint/2010/main" val="572296245"/>
+      </p:ext>
+    </p:extLst>
+  </p:cSld>
+  <p:clrMapOvr>
+    <a:masterClrMapping/>
+  </p:clrMapOvr>
+  <p:timing>
+    <p:tnLst>
+      <p:par>
+        <p:cTn id="1" dur="indefinite" restart="never" nodeType="tmRoot"/>
+      </p:par>
+    </p:tnLst>
+  </p:timing>
+</p:sld>
+</file>
+
+<file path=ppt/slides/slide3.xml><?xml version="1.0" encoding="utf-8"?>
+<p:sld xmlns:a="http://schemas.openxmlformats.org/drawingml/2006/main" xmlns:r="http://schemas.openxmlformats.org/officeDocument/2006/relationships" xmlns:p="http://schemas.openxmlformats.org/presentationml/2006/main">
+  <p:cSld>
+    <p:spTree>
+      <p:nvGrpSpPr>
+        <p:cNvPr id="1" name=""/>
+        <p:cNvGrpSpPr/>
+        <p:nvPr/>
+      </p:nvGrpSpPr>
+      <p:grpSpPr>
+        <a:xfrm>
+          <a:off x="0" y="0"/>
+          <a:ext cx="0" cy="0"/>
+          <a:chOff x="0" y="0"/>
+          <a:chExt cx="0" cy="0"/>
+        </a:xfrm>
+      </p:grpSpPr>
+      <p:sp>
+        <p:nvSpPr>
+          <p:cNvPr id="2" name="タイトル 1"/>
+          <p:cNvSpPr>
+            <a:spLocks noGrp="1"/>
+          </p:cNvSpPr>
+          <p:nvPr>
+            <p:ph type="title"/>
+          </p:nvPr>
+        </p:nvSpPr>
+        <p:spPr/>
+        <p:txBody>
+          <a:bodyPr/>
+          <a:lstStyle/>
+          <a:p>
+            <a:r>
+              <a:rPr lang="ja-JP" altLang="en-US" dirty="0"/>
+              <a:t>背景</a:t>
+            </a:r>
+            <a:endParaRPr kumimoji="1" lang="ja-JP" altLang="en-US" dirty="0"/>
+          </a:p>
+        </p:txBody>
+      </p:sp>
+      <p:sp>
+        <p:nvSpPr>
+          <p:cNvPr id="3" name="コンテンツ プレースホルダー 2"/>
+          <p:cNvSpPr>
+            <a:spLocks noGrp="1"/>
+          </p:cNvSpPr>
+          <p:nvPr>
+            <p:ph idx="1"/>
+          </p:nvPr>
+        </p:nvSpPr>
+        <p:spPr/>
+        <p:txBody>
+          <a:bodyPr/>
+          <a:lstStyle/>
+          <a:p>
+            <a:r>
+              <a:rPr lang="ja-JP" altLang="en-US" dirty="0"/>
+              <a:t>機械</a:t>
+            </a:r>
+            <a:r>
+              <a:rPr lang="ja-JP" altLang="en-US" dirty="0" smtClean="0"/>
+              <a:t>学習</a:t>
+            </a:r>
+            <a:endParaRPr lang="en-US" altLang="ja-JP" dirty="0" smtClean="0"/>
+          </a:p>
+          <a:p>
+            <a:pPr lvl="1"/>
+            <a:r>
+              <a:rPr lang="ja-JP" altLang="en-US" sz="1800" dirty="0" smtClean="0"/>
+              <a:t>回帰</a:t>
+            </a:r>
+            <a:endParaRPr lang="en-US" altLang="ja-JP" sz="1800" dirty="0" smtClean="0"/>
+          </a:p>
+          <a:p>
+            <a:pPr lvl="1"/>
+            <a:r>
+              <a:rPr lang="ja-JP" altLang="en-US" sz="1800" dirty="0" smtClean="0"/>
+              <a:t>クラス分類</a:t>
+            </a:r>
+            <a:endParaRPr lang="en-US" altLang="ja-JP" sz="1800" dirty="0"/>
+          </a:p>
+          <a:p>
+            <a:pPr lvl="1"/>
+            <a:r>
+              <a:rPr lang="ja-JP" altLang="en-US" sz="1800" dirty="0" smtClean="0"/>
+              <a:t>クラスタリング</a:t>
+            </a:r>
+            <a:endParaRPr kumimoji="1" lang="ja-JP" altLang="en-US" sz="1800" dirty="0"/>
+          </a:p>
+        </p:txBody>
+      </p:sp>
+      <p:pic>
+        <p:nvPicPr>
+          <p:cNvPr id="4" name="图片 3"/>
+          <p:cNvPicPr>
+            <a:picLocks noChangeAspect="1"/>
+          </p:cNvPicPr>
+          <p:nvPr/>
+        </p:nvPicPr>
+        <p:blipFill>
+          <a:blip r:embed="rId3">
+            <a:extLst>
+              <a:ext uri="{28A0092B-C50C-407E-A947-70E740481C1C}">
+                <a14:useLocalDpi xmlns:a14="http://schemas.microsoft.com/office/drawing/2010/main" val="0"/>
+              </a:ext>
+            </a:extLst>
+          </a:blip>
+          <a:stretch>
+            <a:fillRect/>
+          </a:stretch>
+        </p:blipFill>
+        <p:spPr>
+          <a:xfrm>
+            <a:off x="971600" y="4100976"/>
+            <a:ext cx="3672408" cy="2444446"/>
+          </a:xfrm>
+          <a:prstGeom prst="rect">
+            <a:avLst/>
+          </a:prstGeom>
+        </p:spPr>
+      </p:pic>
+    </p:spTree>
+    <p:extLst>
+      <p:ext uri="{BB962C8B-B14F-4D97-AF65-F5344CB8AC3E}">
+        <p14:creationId xmlns:p14="http://schemas.microsoft.com/office/powerpoint/2010/main" val="2372213850"/>
+      </p:ext>
+    </p:extLst>
+  </p:cSld>
+  <p:clrMapOvr>
+    <a:masterClrMapping/>
+  </p:clrMapOvr>
+  <p:timing>
+    <p:tnLst>
+      <p:par>
+        <p:cTn id="1" dur="indefinite" restart="never" nodeType="tmRoot"/>
+      </p:par>
+    </p:tnLst>
+  </p:timing>
+</p:sld>
+</file>
+
+<file path=ppt/slides/slide4.xml><?xml version="1.0" encoding="utf-8"?>
+<p:sld xmlns:a="http://schemas.openxmlformats.org/drawingml/2006/main" xmlns:r="http://schemas.openxmlformats.org/officeDocument/2006/relationships" xmlns:p="http://schemas.openxmlformats.org/presentationml/2006/main">
+  <p:cSld>
+    <p:spTree>
+      <p:nvGrpSpPr>
+        <p:cNvPr id="1" name=""/>
+        <p:cNvGrpSpPr/>
+        <p:nvPr/>
+      </p:nvGrpSpPr>
+      <p:grpSpPr>
+        <a:xfrm>
+          <a:off x="0" y="0"/>
+          <a:ext cx="0" cy="0"/>
+          <a:chOff x="0" y="0"/>
+          <a:chExt cx="0" cy="0"/>
+        </a:xfrm>
+      </p:grpSpPr>
+      <p:sp>
+        <p:nvSpPr>
+          <p:cNvPr id="2" name="タイトル 1"/>
+          <p:cNvSpPr>
+            <a:spLocks noGrp="1"/>
+          </p:cNvSpPr>
+          <p:nvPr>
+            <p:ph type="title"/>
+          </p:nvPr>
+        </p:nvSpPr>
+        <p:spPr/>
+        <p:txBody>
+          <a:bodyPr/>
+          <a:lstStyle/>
+          <a:p>
+            <a:r>
+              <a:rPr lang="ja-JP" altLang="en-US" dirty="0"/>
+              <a:t>背景</a:t>
+            </a:r>
+            <a:endParaRPr kumimoji="1" lang="ja-JP" altLang="en-US" dirty="0"/>
+          </a:p>
+        </p:txBody>
+      </p:sp>
+      <p:sp>
+        <p:nvSpPr>
+          <p:cNvPr id="3" name="コンテンツ プレースホルダー 2"/>
+          <p:cNvSpPr>
+            <a:spLocks noGrp="1"/>
+          </p:cNvSpPr>
+          <p:nvPr>
+            <p:ph idx="1"/>
+          </p:nvPr>
+        </p:nvSpPr>
+        <p:spPr/>
+        <p:txBody>
+          <a:bodyPr/>
+          <a:lstStyle/>
+          <a:p>
+            <a:r>
+              <a:rPr lang="ja-JP" altLang="en-US" sz="2400" dirty="0" smtClean="0"/>
+              <a:t>回帰分析</a:t>
+            </a:r>
+            <a:endParaRPr lang="en-US" altLang="ja-JP" sz="2400" dirty="0" smtClean="0"/>
+          </a:p>
+          <a:p>
+            <a:pPr lvl="1"/>
+            <a:r>
+              <a:rPr lang="ja-JP" altLang="en-US" sz="1800" dirty="0"/>
+              <a:t>関数をデータに当てはめることによって、ある変数</a:t>
+            </a:r>
+            <a:r>
+              <a:rPr lang="en-US" altLang="ja-JP" sz="1800" dirty="0"/>
+              <a:t>y</a:t>
+            </a:r>
+            <a:r>
+              <a:rPr lang="ja-JP" altLang="en-US" sz="1800" dirty="0"/>
+              <a:t>の変動を別の変数</a:t>
+            </a:r>
+            <a:r>
+              <a:rPr lang="en-US" altLang="ja-JP" sz="1800" dirty="0"/>
+              <a:t>x</a:t>
+            </a:r>
+            <a:r>
+              <a:rPr lang="ja-JP" altLang="en-US" sz="1800" dirty="0"/>
+              <a:t>の変動により説明・予測・影響関係を検討するための手法</a:t>
+            </a:r>
+            <a:endParaRPr lang="en-US" altLang="ja-JP" sz="1800" dirty="0" smtClean="0"/>
+          </a:p>
+        </p:txBody>
+      </p:sp>
+    </p:spTree>
+    <p:extLst>
+      <p:ext uri="{BB962C8B-B14F-4D97-AF65-F5344CB8AC3E}">
+        <p14:creationId xmlns:p14="http://schemas.microsoft.com/office/powerpoint/2010/main" val="593927290"/>
+      </p:ext>
+    </p:extLst>
+  </p:cSld>
+  <p:clrMapOvr>
+    <a:masterClrMapping/>
+  </p:clrMapOvr>
+  <p:timing>
+    <p:tnLst>
+      <p:par>
+        <p:cTn id="1" dur="indefinite" restart="never" nodeType="tmRoot"/>
+      </p:par>
+    </p:tnLst>
+  </p:timing>
+</p:sld>
+</file>
+
+<file path=ppt/slides/slide5.xml><?xml version="1.0" encoding="utf-8"?>
+<p:sld xmlns:a="http://schemas.openxmlformats.org/drawingml/2006/main" xmlns:r="http://schemas.openxmlformats.org/officeDocument/2006/relationships" xmlns:p="http://schemas.openxmlformats.org/presentationml/2006/main">
+  <p:cSld>
+    <p:spTree>
+      <p:nvGrpSpPr>
+        <p:cNvPr id="1" name=""/>
+        <p:cNvGrpSpPr/>
+        <p:nvPr/>
+      </p:nvGrpSpPr>
+      <p:grpSpPr>
+        <a:xfrm>
+          <a:off x="0" y="0"/>
+          <a:ext cx="0" cy="0"/>
+          <a:chOff x="0" y="0"/>
+          <a:chExt cx="0" cy="0"/>
+        </a:xfrm>
+      </p:grpSpPr>
+      <p:sp>
+        <p:nvSpPr>
+          <p:cNvPr id="2" name="タイトル 1"/>
+          <p:cNvSpPr>
+            <a:spLocks noGrp="1"/>
+          </p:cNvSpPr>
+          <p:nvPr>
+            <p:ph type="title"/>
+          </p:nvPr>
+        </p:nvSpPr>
+        <p:spPr/>
+        <p:txBody>
+          <a:bodyPr/>
+          <a:lstStyle/>
+          <a:p>
+            <a:r>
+              <a:rPr lang="ja-JP" altLang="en-US" dirty="0"/>
+              <a:t>背景</a:t>
+            </a:r>
+            <a:endParaRPr kumimoji="1" lang="ja-JP" altLang="en-US" dirty="0"/>
+          </a:p>
+        </p:txBody>
+      </p:sp>
+      <mc:AlternateContent xmlns:mc="http://schemas.openxmlformats.org/markup-compatibility/2006">
+        <mc:Choice xmlns:a14="http://schemas.microsoft.com/office/drawing/2010/main" Requires="a14">
+          <p:sp>
+            <p:nvSpPr>
+              <p:cNvPr id="3" name="コンテンツ プレースホルダー 2"/>
+              <p:cNvSpPr>
+                <a:spLocks noGrp="1"/>
+              </p:cNvSpPr>
+              <p:nvPr>
+                <p:ph idx="1"/>
+              </p:nvPr>
+            </p:nvSpPr>
+            <p:spPr/>
+            <p:txBody>
+              <a:bodyPr/>
+              <a:lstStyle/>
+              <a:p>
+                <a:r>
+                  <a:rPr lang="ja-JP" altLang="en-US" sz="2400" dirty="0" smtClean="0"/>
+                  <a:t>線形回帰</a:t>
+                </a:r>
+                <a:endParaRPr lang="en-US" altLang="ja-JP" sz="2400" dirty="0" smtClean="0"/>
+              </a:p>
+              <a:p>
+                <a:pPr lvl="1"/>
+                <a:r>
+                  <a:rPr kumimoji="1" lang="ja-JP" altLang="en-US" dirty="0">
+                    <a:solidFill>
+                      <a:schemeClr val="tx1"/>
+                    </a:solidFill>
+                  </a:rPr>
+                  <a:t>目的変数 </a:t>
+                </a:r>
+                <a:r>
+                  <a:rPr kumimoji="1" lang="en-US" altLang="ja-JP" dirty="0">
+                    <a:solidFill>
+                      <a:schemeClr val="tx1"/>
+                    </a:solidFill>
+                  </a:rPr>
+                  <a:t>Y</a:t>
+                </a:r>
+                <a:r>
+                  <a:rPr kumimoji="1" lang="ja-JP" altLang="en-US" dirty="0">
+                    <a:solidFill>
+                      <a:schemeClr val="tx1"/>
+                    </a:solidFill>
+                  </a:rPr>
+                  <a:t> が説明変数 </a:t>
+                </a:r>
+                <a:r>
+                  <a:rPr kumimoji="1" lang="en-US" altLang="ja-JP" dirty="0">
+                    <a:solidFill>
+                      <a:schemeClr val="tx1"/>
+                    </a:solidFill>
+                  </a:rPr>
+                  <a:t>X</a:t>
+                </a:r>
+                <a:r>
+                  <a:rPr kumimoji="1" lang="ja-JP" altLang="en-US" dirty="0">
+                    <a:solidFill>
+                      <a:schemeClr val="tx1"/>
+                    </a:solidFill>
+                  </a:rPr>
+                  <a:t> の係数 </a:t>
+                </a:r>
+                <a:r>
+                  <a:rPr kumimoji="1" lang="en-US" altLang="ja-JP" dirty="0">
+                    <a:solidFill>
+                      <a:schemeClr val="tx1"/>
+                    </a:solidFill>
+                  </a:rPr>
+                  <a:t>β</a:t>
+                </a:r>
+                <a:r>
+                  <a:rPr kumimoji="1" lang="ja-JP" altLang="en-US" dirty="0">
+                    <a:solidFill>
+                      <a:schemeClr val="tx1"/>
+                    </a:solidFill>
+                  </a:rPr>
+                  <a:t> に対</a:t>
+                </a:r>
+                <a:r>
+                  <a:rPr kumimoji="1" lang="ja-JP" altLang="en-US" dirty="0" smtClean="0">
+                    <a:solidFill>
+                      <a:schemeClr val="tx1"/>
+                    </a:solidFill>
+                  </a:rPr>
+                  <a:t>して線形である</a:t>
+                </a:r>
+                <a:endParaRPr kumimoji="1" lang="en-US" altLang="ja-JP" dirty="0" smtClean="0">
+                  <a:solidFill>
+                    <a:schemeClr val="tx1"/>
+                  </a:solidFill>
+                </a:endParaRPr>
+              </a:p>
+              <a:p>
+                <a:pPr lvl="1"/>
+                <a14:m>
+                  <m:oMath xmlns:m="http://schemas.openxmlformats.org/officeDocument/2006/math">
+                    <m:r>
+                      <a:rPr lang="en-US" altLang="zh-CN" sz="2000" i="1" dirty="0">
+                        <a:latin typeface="Cambria Math" panose="02040503050406030204" pitchFamily="18" charset="0"/>
+                      </a:rPr>
+                      <m:t>𝑌</m:t>
+                    </m:r>
+                    <m:r>
+                      <a:rPr lang="en-US" altLang="ja-JP" sz="2000" i="1" smtClean="0">
+                        <a:latin typeface="Cambria Math" panose="02040503050406030204" pitchFamily="18" charset="0"/>
+                      </a:rPr>
+                      <m:t>=</m:t>
+                    </m:r>
+                    <m:sSub>
+                      <m:sSubPr>
+                        <m:ctrlPr>
+                          <a:rPr lang="en-US" altLang="ja-JP" sz="2000" i="1" smtClean="0">
+                            <a:latin typeface="Cambria Math" panose="02040503050406030204" pitchFamily="18" charset="0"/>
+                          </a:rPr>
+                        </m:ctrlPr>
+                      </m:sSubPr>
+                      <m:e>
+                        <m:r>
+                          <a:rPr lang="el-GR" altLang="ja-JP" sz="2000" i="1">
+                            <a:latin typeface="Cambria Math" panose="02040503050406030204" pitchFamily="18" charset="0"/>
+                          </a:rPr>
+                          <m:t>𝛽</m:t>
+                        </m:r>
+                      </m:e>
+                      <m:sub>
+                        <m:r>
+                          <a:rPr lang="en-US" altLang="ja-JP" sz="2000" i="1">
+                            <a:latin typeface="Cambria Math" panose="02040503050406030204" pitchFamily="18" charset="0"/>
+                          </a:rPr>
+                          <m:t>0</m:t>
+                        </m:r>
+                      </m:sub>
+                    </m:sSub>
+                    <m:r>
+                      <a:rPr lang="en-US" altLang="ja-JP" sz="2000" b="0" i="1" smtClean="0">
+                        <a:latin typeface="Cambria Math" panose="02040503050406030204" pitchFamily="18" charset="0"/>
+                      </a:rPr>
+                      <m:t>+</m:t>
+                    </m:r>
+                    <m:sSub>
+                      <m:sSubPr>
+                        <m:ctrlPr>
+                          <a:rPr lang="en-US" altLang="ja-JP" sz="2000" i="1">
+                            <a:latin typeface="Cambria Math" panose="02040503050406030204" pitchFamily="18" charset="0"/>
+                          </a:rPr>
+                        </m:ctrlPr>
+                      </m:sSubPr>
+                      <m:e>
+                        <m:r>
+                          <a:rPr lang="el-GR" altLang="ja-JP" sz="2000" i="1">
+                            <a:latin typeface="Cambria Math" panose="02040503050406030204" pitchFamily="18" charset="0"/>
+                          </a:rPr>
+                          <m:t>𝛽</m:t>
+                        </m:r>
+                      </m:e>
+                      <m:sub>
+                        <m:r>
+                          <a:rPr lang="en-US" altLang="ja-JP" sz="2000" b="0" i="1" smtClean="0">
+                            <a:latin typeface="Cambria Math" panose="02040503050406030204" pitchFamily="18" charset="0"/>
+                          </a:rPr>
+                          <m:t>1</m:t>
+                        </m:r>
+                      </m:sub>
+                    </m:sSub>
+                    <m:sSub>
+                      <m:sSubPr>
+                        <m:ctrlPr>
+                          <a:rPr lang="en-US" altLang="ja-JP" sz="2000" i="1">
+                            <a:latin typeface="Cambria Math" panose="02040503050406030204" pitchFamily="18" charset="0"/>
+                          </a:rPr>
+                        </m:ctrlPr>
+                      </m:sSubPr>
+                      <m:e>
+                        <m:r>
+                          <a:rPr lang="en-US" altLang="ja-JP" sz="2000" b="0" i="1" smtClean="0">
+                            <a:latin typeface="Cambria Math" panose="02040503050406030204" pitchFamily="18" charset="0"/>
+                          </a:rPr>
+                          <m:t>𝑋</m:t>
+                        </m:r>
+                      </m:e>
+                      <m:sub>
+                        <m:r>
+                          <a:rPr lang="en-US" altLang="ja-JP" sz="2000" b="0" i="1" smtClean="0">
+                            <a:latin typeface="Cambria Math" panose="02040503050406030204" pitchFamily="18" charset="0"/>
+                          </a:rPr>
+                          <m:t>1</m:t>
+                        </m:r>
+                      </m:sub>
+                    </m:sSub>
+                    <m:r>
+                      <a:rPr lang="en-US" altLang="ja-JP" sz="2000" b="0" i="1" smtClean="0">
+                        <a:latin typeface="Cambria Math" panose="02040503050406030204" pitchFamily="18" charset="0"/>
+                      </a:rPr>
+                      <m:t>+</m:t>
+                    </m:r>
+                    <m:sSub>
+                      <m:sSubPr>
+                        <m:ctrlPr>
+                          <a:rPr lang="en-US" altLang="ja-JP" sz="2000" i="1">
+                            <a:latin typeface="Cambria Math" panose="02040503050406030204" pitchFamily="18" charset="0"/>
+                          </a:rPr>
+                        </m:ctrlPr>
+                      </m:sSubPr>
+                      <m:e>
+                        <m:r>
+                          <a:rPr lang="el-GR" altLang="ja-JP" sz="2000" i="1">
+                            <a:latin typeface="Cambria Math" panose="02040503050406030204" pitchFamily="18" charset="0"/>
+                          </a:rPr>
+                          <m:t>𝛽</m:t>
+                        </m:r>
+                      </m:e>
+                      <m:sub>
+                        <m:r>
+                          <a:rPr lang="en-US" altLang="ja-JP" sz="2000" b="0" i="1" smtClean="0">
+                            <a:latin typeface="Cambria Math" panose="02040503050406030204" pitchFamily="18" charset="0"/>
+                          </a:rPr>
+                          <m:t>2</m:t>
+                        </m:r>
+                      </m:sub>
+                    </m:sSub>
+                    <m:sSub>
+                      <m:sSubPr>
+                        <m:ctrlPr>
+                          <a:rPr lang="en-US" altLang="ja-JP" sz="2000" i="1">
+                            <a:latin typeface="Cambria Math" panose="02040503050406030204" pitchFamily="18" charset="0"/>
+                          </a:rPr>
+                        </m:ctrlPr>
+                      </m:sSubPr>
+                      <m:e>
+                        <m:r>
+                          <a:rPr lang="en-US" altLang="ja-JP" sz="2000" b="0" i="1" smtClean="0">
+                            <a:latin typeface="Cambria Math" panose="02040503050406030204" pitchFamily="18" charset="0"/>
+                          </a:rPr>
+                          <m:t>𝑋</m:t>
+                        </m:r>
+                      </m:e>
+                      <m:sub>
+                        <m:r>
+                          <a:rPr lang="en-US" altLang="ja-JP" sz="2000" b="0" i="1" smtClean="0">
+                            <a:latin typeface="Cambria Math" panose="02040503050406030204" pitchFamily="18" charset="0"/>
+                          </a:rPr>
+                          <m:t>2</m:t>
+                        </m:r>
+                      </m:sub>
+                    </m:sSub>
+                    <m:r>
+                      <a:rPr lang="en-US" altLang="ja-JP" sz="2000" b="0" i="1" smtClean="0">
+                        <a:latin typeface="Cambria Math" panose="02040503050406030204" pitchFamily="18" charset="0"/>
+                      </a:rPr>
+                      <m:t>+</m:t>
+                    </m:r>
+                    <m:sSub>
+                      <m:sSubPr>
+                        <m:ctrlPr>
+                          <a:rPr lang="en-US" altLang="ja-JP" sz="2000" i="1" smtClean="0">
+                            <a:latin typeface="Cambria Math" panose="02040503050406030204" pitchFamily="18" charset="0"/>
+                          </a:rPr>
+                        </m:ctrlPr>
+                      </m:sSubPr>
+                      <m:e>
+                        <m:r>
+                          <a:rPr lang="el-GR" altLang="ja-JP" sz="2000" i="1">
+                            <a:latin typeface="Cambria Math" panose="02040503050406030204" pitchFamily="18" charset="0"/>
+                          </a:rPr>
+                          <m:t>𝛽</m:t>
+                        </m:r>
+                      </m:e>
+                      <m:sub>
+                        <m:r>
+                          <a:rPr lang="en-US" altLang="ja-JP" sz="2000" b="0" i="1" smtClean="0">
+                            <a:latin typeface="Cambria Math" panose="02040503050406030204" pitchFamily="18" charset="0"/>
+                          </a:rPr>
+                          <m:t>2</m:t>
+                        </m:r>
+                      </m:sub>
+                    </m:sSub>
+                    <m:sSub>
+                      <m:sSubPr>
+                        <m:ctrlPr>
+                          <a:rPr lang="en-US" altLang="ja-JP" sz="2000" i="1">
+                            <a:latin typeface="Cambria Math" panose="02040503050406030204" pitchFamily="18" charset="0"/>
+                          </a:rPr>
+                        </m:ctrlPr>
+                      </m:sSubPr>
+                      <m:e>
+                        <m:r>
+                          <a:rPr lang="en-US" altLang="ja-JP" sz="2000" b="0" i="1" smtClean="0">
+                            <a:latin typeface="Cambria Math" panose="02040503050406030204" pitchFamily="18" charset="0"/>
+                          </a:rPr>
+                          <m:t>𝑋</m:t>
+                        </m:r>
+                      </m:e>
+                      <m:sub>
+                        <m:r>
+                          <a:rPr lang="en-US" altLang="ja-JP" sz="2000" b="0" i="1" smtClean="0">
+                            <a:latin typeface="Cambria Math" panose="02040503050406030204" pitchFamily="18" charset="0"/>
+                          </a:rPr>
+                          <m:t>2</m:t>
+                        </m:r>
+                      </m:sub>
+                    </m:sSub>
+                    <m:r>
+                      <a:rPr lang="en-US" altLang="ja-JP" sz="2000" b="0" i="1" smtClean="0">
+                        <a:latin typeface="Cambria Math" panose="02040503050406030204" pitchFamily="18" charset="0"/>
+                      </a:rPr>
+                      <m:t>+…+</m:t>
+                    </m:r>
+                    <m:sSub>
+                      <m:sSubPr>
+                        <m:ctrlPr>
+                          <a:rPr lang="en-US" altLang="ja-JP" sz="2000" i="1">
+                            <a:latin typeface="Cambria Math" panose="02040503050406030204" pitchFamily="18" charset="0"/>
+                          </a:rPr>
+                        </m:ctrlPr>
+                      </m:sSubPr>
+                      <m:e>
+                        <m:r>
+                          <a:rPr lang="el-GR" altLang="ja-JP" sz="2000" i="1">
+                            <a:latin typeface="Cambria Math" panose="02040503050406030204" pitchFamily="18" charset="0"/>
+                          </a:rPr>
+                          <m:t>𝛽</m:t>
+                        </m:r>
+                      </m:e>
+                      <m:sub>
+                        <m:r>
+                          <a:rPr lang="en-US" altLang="ja-JP" sz="2000" b="0" i="1" smtClean="0">
+                            <a:latin typeface="Cambria Math" panose="02040503050406030204" pitchFamily="18" charset="0"/>
+                          </a:rPr>
+                          <m:t>𝑝</m:t>
+                        </m:r>
+                      </m:sub>
+                    </m:sSub>
+                    <m:sSub>
+                      <m:sSubPr>
+                        <m:ctrlPr>
+                          <a:rPr lang="en-US" altLang="ja-JP" sz="2000" i="1">
+                            <a:latin typeface="Cambria Math" panose="02040503050406030204" pitchFamily="18" charset="0"/>
+                          </a:rPr>
+                        </m:ctrlPr>
+                      </m:sSubPr>
+                      <m:e>
+                        <m:r>
+                          <a:rPr lang="en-US" altLang="ja-JP" sz="2000" b="0" i="1" smtClean="0">
+                            <a:latin typeface="Cambria Math" panose="02040503050406030204" pitchFamily="18" charset="0"/>
+                          </a:rPr>
+                          <m:t>𝑋</m:t>
+                        </m:r>
+                      </m:e>
+                      <m:sub>
+                        <m:r>
+                          <a:rPr lang="en-US" altLang="ja-JP" sz="2000" b="0" i="1" smtClean="0">
+                            <a:latin typeface="Cambria Math" panose="02040503050406030204" pitchFamily="18" charset="0"/>
+                          </a:rPr>
+                          <m:t>𝑝</m:t>
+                        </m:r>
+                      </m:sub>
+                    </m:sSub>
+                    <m:r>
+                      <a:rPr lang="en-US" altLang="ja-JP" sz="2000" b="0" i="1" smtClean="0">
+                        <a:latin typeface="Cambria Math" panose="02040503050406030204" pitchFamily="18" charset="0"/>
+                      </a:rPr>
+                      <m:t>+</m:t>
+                    </m:r>
+                    <m:r>
+                      <a:rPr lang="el-GR" altLang="ja-JP" sz="2000" i="1" smtClean="0">
+                        <a:latin typeface="Cambria Math" panose="02040503050406030204" pitchFamily="18" charset="0"/>
+                      </a:rPr>
+                      <m:t>𝜀</m:t>
+                    </m:r>
+                  </m:oMath>
+                </a14:m>
+                <a:endParaRPr lang="en-US" altLang="ja-JP" sz="2000" i="1" dirty="0" smtClean="0"/>
+              </a:p>
+            </p:txBody>
+          </p:sp>
+        </mc:Choice>
+        <mc:Fallback>
+          <p:sp>
+            <p:nvSpPr>
+              <p:cNvPr id="3" name="コンテンツ プレースホルダー 2"/>
+              <p:cNvSpPr>
+                <a:spLocks noGrp="1" noRot="1" noChangeAspect="1" noMove="1" noResize="1" noEditPoints="1" noAdjustHandles="1" noChangeArrowheads="1" noChangeShapeType="1" noTextEdit="1"/>
+              </p:cNvSpPr>
+              <p:nvPr>
+                <p:ph idx="1"/>
+              </p:nvPr>
+            </p:nvSpPr>
+            <p:spPr>
+              <a:blipFill rotWithShape="0">
+                <a:blip r:embed="rId3"/>
+                <a:stretch>
+                  <a:fillRect l="-768" t="-942"/>
+                </a:stretch>
+              </a:blipFill>
+            </p:spPr>
+            <p:txBody>
+              <a:bodyPr/>
+              <a:lstStyle/>
+              <a:p>
+                <a:r>
+                  <a:rPr lang="zh-CN" altLang="en-US">
+                    <a:noFill/>
+                  </a:rPr>
+                  <a:t> </a:t>
+                </a:r>
+              </a:p>
+            </p:txBody>
+          </p:sp>
+        </mc:Fallback>
+      </mc:AlternateContent>
+      <p:pic>
+        <p:nvPicPr>
+          <p:cNvPr id="2050" name="Picture 2" descr="f:id:ikeay:20160502151322p:plain"/>
+          <p:cNvPicPr>
+            <a:picLocks noChangeAspect="1" noChangeArrowheads="1"/>
+          </p:cNvPicPr>
+          <p:nvPr/>
+        </p:nvPicPr>
+        <p:blipFill>
+          <a:blip r:embed="rId4">
+            <a:extLst>
+              <a:ext uri="{28A0092B-C50C-407E-A947-70E740481C1C}">
+                <a14:useLocalDpi xmlns:a14="http://schemas.microsoft.com/office/drawing/2010/main" val="0"/>
+              </a:ext>
+            </a:extLst>
+          </a:blip>
+          <a:srcRect/>
+          <a:stretch>
+            <a:fillRect/>
+          </a:stretch>
+        </p:blipFill>
+        <p:spPr bwMode="auto">
+          <a:xfrm>
+            <a:off x="1547664" y="3501008"/>
+            <a:ext cx="4310238" cy="2942456"/>
+          </a:xfrm>
+          <a:prstGeom prst="rect">
+            <a:avLst/>
+          </a:prstGeom>
+          <a:noFill/>
+          <a:extLst>
+            <a:ext uri="{909E8E84-426E-40DD-AFC4-6F175D3DCCD1}">
+              <a14:hiddenFill xmlns:a14="http://schemas.microsoft.com/office/drawing/2010/main">
+                <a:solidFill>
+                  <a:srgbClr val="FFFFFF"/>
+                </a:solidFill>
+              </a14:hiddenFill>
+            </a:ext>
+          </a:extLst>
+        </p:spPr>
+      </p:pic>
+    </p:spTree>
+    <p:extLst>
+      <p:ext uri="{BB962C8B-B14F-4D97-AF65-F5344CB8AC3E}">
+        <p14:creationId xmlns:p14="http://schemas.microsoft.com/office/powerpoint/2010/main" val="3566993496"/>
+      </p:ext>
+    </p:extLst>
+  </p:cSld>
+  <p:clrMapOvr>
+    <a:masterClrMapping/>
+  </p:clrMapOvr>
+  <p:timing>
+    <p:tnLst>
+      <p:par>
+        <p:cTn id="1" dur="indefinite" restart="never" nodeType="tmRoot">
+          <p:childTnLst>
+            <p:seq concurrent="1" nextAc="seek">
+              <p:cTn id="2" dur="indefinite" nodeType="mainSeq">
+                <p:childTnLst>
+                  <p:par>
+                    <p:cTn id="3" fill="hold">
+                      <p:stCondLst>
+                        <p:cond delay="indefinite"/>
+                      </p:stCondLst>
+                      <p:childTnLst>
+                        <p:par>
+                          <p:cTn id="4" fill="hold">
+                            <p:stCondLst>
+                              <p:cond delay="0"/>
+                            </p:stCondLst>
+                            <p:childTnLst>
+                              <p:par>
+                                <p:cTn id="5" presetID="10" presetClass="entr" presetSubtype="0" fill="hold" nodeType="clickEffect">
+                                  <p:stCondLst>
+                                    <p:cond delay="0"/>
+                                  </p:stCondLst>
+                                  <p:childTnLst>
+                                    <p:set>
+                                      <p:cBhvr>
+                                        <p:cTn id="6" dur="1" fill="hold">
+                                          <p:stCondLst>
+                                            <p:cond delay="0"/>
+                                          </p:stCondLst>
+                                        </p:cTn>
+                                        <p:tgtEl>
+                                          <p:spTgt spid="2050"/>
+                                        </p:tgtEl>
+                                        <p:attrNameLst>
+                                          <p:attrName>style.visibility</p:attrName>
+                                        </p:attrNameLst>
+                                      </p:cBhvr>
+                                      <p:to>
+                                        <p:strVal val="visible"/>
+                                      </p:to>
+                                    </p:set>
+                                    <p:animEffect transition="in" filter="fade">
+                                      <p:cBhvr>
+                                        <p:cTn id="7" dur="500"/>
+                                        <p:tgtEl>
+                                          <p:spTgt spid="2050"/>
+                                        </p:tgtEl>
+                                      </p:cBhvr>
+                                    </p:animEffect>
+                                  </p:childTnLst>
+                                </p:cTn>
+                              </p:par>
+                            </p:childTnLst>
+                          </p:cTn>
+                        </p:par>
+                      </p:childTnLst>
+                    </p:cTn>
+                  </p:par>
+                </p:childTnLst>
+              </p:cTn>
+              <p:prevCondLst>
+                <p:cond evt="onPrev" delay="0">
+                  <p:tgtEl>
+                    <p:sldTgt/>
+                  </p:tgtEl>
+                </p:cond>
+              </p:prevCondLst>
+              <p:nextCondLst>
+                <p:cond evt="onNext" delay="0">
+                  <p:tgtEl>
+                    <p:sldTgt/>
+                  </p:tgtEl>
+                </p:cond>
+              </p:nextCondLst>
+            </p:seq>
+          </p:childTnLst>
+        </p:cTn>
+      </p:par>
+    </p:tnLst>
+  </p:timing>
+</p:sld>
+</file>
+
+<file path=ppt/slides/slide6.xml><?xml version="1.0" encoding="utf-8"?>
+<p:sld xmlns:a="http://schemas.openxmlformats.org/drawingml/2006/main" xmlns:r="http://schemas.openxmlformats.org/officeDocument/2006/relationships" xmlns:p="http://schemas.openxmlformats.org/presentationml/2006/main">
+  <p:cSld>
+    <p:spTree>
+      <p:nvGrpSpPr>
+        <p:cNvPr id="1" name=""/>
+        <p:cNvGrpSpPr/>
+        <p:nvPr/>
+      </p:nvGrpSpPr>
+      <p:grpSpPr>
+        <a:xfrm>
+          <a:off x="0" y="0"/>
+          <a:ext cx="0" cy="0"/>
+          <a:chOff x="0" y="0"/>
+          <a:chExt cx="0" cy="0"/>
+        </a:xfrm>
+      </p:grpSpPr>
+      <p:sp>
+        <p:nvSpPr>
+          <p:cNvPr id="2" name="タイトル 1"/>
+          <p:cNvSpPr>
+            <a:spLocks noGrp="1"/>
+          </p:cNvSpPr>
+          <p:nvPr>
+            <p:ph type="title"/>
+          </p:nvPr>
+        </p:nvSpPr>
+        <p:spPr/>
+        <p:txBody>
+          <a:bodyPr/>
+          <a:lstStyle/>
+          <a:p>
+            <a:r>
+              <a:rPr lang="ja-JP" altLang="en-US" dirty="0"/>
+              <a:t>背景</a:t>
+            </a:r>
+            <a:endParaRPr kumimoji="1" lang="ja-JP" altLang="en-US" dirty="0"/>
+          </a:p>
+        </p:txBody>
+      </p:sp>
+      <mc:AlternateContent xmlns:mc="http://schemas.openxmlformats.org/markup-compatibility/2006">
+        <mc:Choice xmlns:a14="http://schemas.microsoft.com/office/drawing/2010/main" Requires="a14">
+          <p:sp>
+            <p:nvSpPr>
+              <p:cNvPr id="3" name="コンテンツ プレースホルダー 2"/>
+              <p:cNvSpPr>
+                <a:spLocks noGrp="1"/>
+              </p:cNvSpPr>
+              <p:nvPr>
+                <p:ph idx="1"/>
+              </p:nvPr>
+            </p:nvSpPr>
+            <p:spPr>
+              <a:xfrm>
+                <a:off x="609599" y="2160590"/>
+                <a:ext cx="6347714" cy="4508770"/>
+              </a:xfrm>
+            </p:spPr>
+            <p:txBody>
+              <a:bodyPr>
+                <a:normAutofit/>
+              </a:bodyPr>
+              <a:lstStyle/>
+              <a:p>
+                <a:r>
+                  <a:rPr lang="ja-JP" altLang="en-US" sz="2400" dirty="0" smtClean="0"/>
+                  <a:t>自己回帰モデル</a:t>
+                </a:r>
+                <a:endParaRPr lang="en-US" altLang="ja-JP" sz="2400" dirty="0" smtClean="0"/>
+              </a:p>
+              <a:p>
+                <a:pPr lvl="1"/>
+                <a:r>
+                  <a:rPr kumimoji="1" lang="ja-JP" altLang="en-US" sz="2000" dirty="0">
+                    <a:solidFill>
+                      <a:schemeClr val="tx1"/>
+                    </a:solidFill>
+                  </a:rPr>
+                  <a:t>実現値</a:t>
+                </a:r>
+                <a14:m>
+                  <m:oMath xmlns:m="http://schemas.openxmlformats.org/officeDocument/2006/math">
+                    <m:sSub>
+                      <m:sSubPr>
+                        <m:ctrlPr>
+                          <a:rPr lang="en-US" altLang="ja-JP" sz="2000" i="1">
+                            <a:latin typeface="Cambria Math" panose="02040503050406030204" pitchFamily="18" charset="0"/>
+                          </a:rPr>
+                        </m:ctrlPr>
+                      </m:sSubPr>
+                      <m:e>
+                        <m:r>
+                          <a:rPr lang="en-US" altLang="ja-JP" sz="2000" i="1">
+                            <a:latin typeface="Cambria Math" panose="02040503050406030204" pitchFamily="18" charset="0"/>
+                          </a:rPr>
+                          <m:t>𝑋</m:t>
+                        </m:r>
+                      </m:e>
+                      <m:sub>
+                        <m:r>
+                          <m:rPr>
+                            <m:sty m:val="p"/>
+                          </m:rPr>
+                          <a:rPr lang="en-US" altLang="zh-CN" sz="2000" i="1">
+                            <a:latin typeface="Cambria Math" panose="02040503050406030204" pitchFamily="18" charset="0"/>
+                          </a:rPr>
+                          <m:t>t</m:t>
+                        </m:r>
+                      </m:sub>
+                    </m:sSub>
+                  </m:oMath>
+                </a14:m>
+                <a:r>
+                  <a:rPr kumimoji="1" lang="ja-JP" altLang="en-US" sz="2000" dirty="0">
+                    <a:solidFill>
+                      <a:schemeClr val="tx1"/>
+                    </a:solidFill>
+                  </a:rPr>
+                  <a:t>となる変数</a:t>
+                </a:r>
+                <a:r>
+                  <a:rPr kumimoji="1" lang="ja-JP" altLang="en-US" sz="2000" dirty="0" smtClean="0">
+                    <a:solidFill>
+                      <a:schemeClr val="tx1"/>
+                    </a:solidFill>
+                  </a:rPr>
+                  <a:t>が</a:t>
+                </a:r>
+                <a14:m>
+                  <m:oMath xmlns:m="http://schemas.openxmlformats.org/officeDocument/2006/math">
+                    <m:r>
+                      <a:rPr lang="en-US" altLang="zh-CN" sz="2000" b="0" i="1" smtClean="0">
+                        <a:latin typeface="Cambria Math" panose="02040503050406030204" pitchFamily="18" charset="0"/>
+                      </a:rPr>
+                      <m:t>𝑋</m:t>
+                    </m:r>
+                  </m:oMath>
+                </a14:m>
+                <a:r>
+                  <a:rPr kumimoji="1" lang="ja-JP" altLang="en-US" sz="2000" dirty="0" smtClean="0">
+                    <a:solidFill>
+                      <a:schemeClr val="tx1"/>
+                    </a:solidFill>
+                  </a:rPr>
+                  <a:t>の</a:t>
+                </a:r>
+                <a:r>
+                  <a:rPr kumimoji="1" lang="ja-JP" altLang="en-US" sz="2000" dirty="0">
+                    <a:solidFill>
+                      <a:schemeClr val="tx1"/>
+                    </a:solidFill>
+                  </a:rPr>
+                  <a:t>過去の値</a:t>
+                </a:r>
+                <a14:m>
+                  <m:oMath xmlns:m="http://schemas.openxmlformats.org/officeDocument/2006/math">
+                    <m:sSub>
+                      <m:sSubPr>
+                        <m:ctrlPr>
+                          <a:rPr lang="en-US" altLang="ja-JP" sz="2000" i="1">
+                            <a:latin typeface="Cambria Math" panose="02040503050406030204" pitchFamily="18" charset="0"/>
+                          </a:rPr>
+                        </m:ctrlPr>
+                      </m:sSubPr>
+                      <m:e>
+                        <m:r>
+                          <a:rPr lang="en-US" altLang="ja-JP" sz="2000" i="1">
+                            <a:latin typeface="Cambria Math" panose="02040503050406030204" pitchFamily="18" charset="0"/>
+                          </a:rPr>
+                          <m:t>𝑋</m:t>
+                        </m:r>
+                      </m:e>
+                      <m:sub>
+                        <m:r>
+                          <a:rPr lang="en-US" altLang="ja-JP" sz="2000" b="0" i="1" smtClean="0">
+                            <a:latin typeface="Cambria Math" panose="02040503050406030204" pitchFamily="18" charset="0"/>
+                          </a:rPr>
+                          <m:t>𝑖</m:t>
+                        </m:r>
+                      </m:sub>
+                    </m:sSub>
+                  </m:oMath>
+                </a14:m>
+                <a:r>
+                  <a:rPr kumimoji="1" lang="ja-JP" altLang="en-US" sz="2000" dirty="0" smtClean="0">
+                    <a:solidFill>
+                      <a:schemeClr val="tx1"/>
+                    </a:solidFill>
+                  </a:rPr>
+                  <a:t>と予</a:t>
+                </a:r>
+                <a:r>
+                  <a:rPr kumimoji="1" lang="ja-JP" altLang="en-US" sz="2000" dirty="0">
+                    <a:solidFill>
+                      <a:schemeClr val="tx1"/>
+                    </a:solidFill>
+                  </a:rPr>
+                  <a:t>測できない</a:t>
+                </a:r>
+                <a:r>
+                  <a:rPr kumimoji="1" lang="ja-JP" altLang="en-US" sz="2000" dirty="0" smtClean="0">
+                    <a:solidFill>
+                      <a:schemeClr val="tx1"/>
+                    </a:solidFill>
+                  </a:rPr>
+                  <a:t>項に</a:t>
+                </a:r>
+                <a:r>
+                  <a:rPr kumimoji="1" lang="ja-JP" altLang="en-US" sz="2000" dirty="0">
+                    <a:solidFill>
+                      <a:schemeClr val="tx1"/>
+                    </a:solidFill>
+                  </a:rPr>
+                  <a:t>線形に依存</a:t>
+                </a:r>
+                <a:r>
+                  <a:rPr kumimoji="1" lang="ja-JP" altLang="en-US" sz="2000" dirty="0" smtClean="0">
+                    <a:solidFill>
+                      <a:schemeClr val="tx1"/>
+                    </a:solidFill>
+                  </a:rPr>
+                  <a:t>している</a:t>
+                </a:r>
+                <a:endParaRPr lang="en-US" altLang="zh-CN" sz="2000" i="1" dirty="0" smtClean="0">
+                  <a:latin typeface="Cambria Math" panose="02040503050406030204" pitchFamily="18" charset="0"/>
+                </a:endParaRPr>
+              </a:p>
+              <a:p>
+                <a:pPr lvl="1"/>
+                <a14:m>
+                  <m:oMath xmlns:m="http://schemas.openxmlformats.org/officeDocument/2006/math">
+                    <m:sSub>
+                      <m:sSubPr>
+                        <m:ctrlPr>
+                          <a:rPr lang="en-US" altLang="ja-JP" sz="2000" i="1">
+                            <a:latin typeface="Cambria Math" panose="02040503050406030204" pitchFamily="18" charset="0"/>
+                          </a:rPr>
+                        </m:ctrlPr>
+                      </m:sSubPr>
+                      <m:e>
+                        <m:r>
+                          <a:rPr lang="en-US" altLang="ja-JP" sz="2000" b="0" i="1" smtClean="0">
+                            <a:latin typeface="Cambria Math" panose="02040503050406030204" pitchFamily="18" charset="0"/>
+                          </a:rPr>
+                          <m:t>𝑋</m:t>
+                        </m:r>
+                      </m:e>
+                      <m:sub>
+                        <m:r>
+                          <m:rPr>
+                            <m:sty m:val="p"/>
+                          </m:rPr>
+                          <a:rPr lang="en-US" altLang="zh-CN" sz="2000" i="1">
+                            <a:latin typeface="Cambria Math" panose="02040503050406030204" pitchFamily="18" charset="0"/>
+                          </a:rPr>
+                          <m:t>t</m:t>
+                        </m:r>
+                      </m:sub>
+                    </m:sSub>
+                    <m:r>
+                      <a:rPr lang="en-US" altLang="ja-JP" sz="2000" i="1" smtClean="0">
+                        <a:latin typeface="Cambria Math" panose="02040503050406030204" pitchFamily="18" charset="0"/>
+                      </a:rPr>
+                      <m:t>=</m:t>
+                    </m:r>
+                    <m:r>
+                      <a:rPr lang="en-US" altLang="ja-JP" sz="2000" b="0" i="1" smtClean="0">
+                        <a:latin typeface="Cambria Math" panose="02040503050406030204" pitchFamily="18" charset="0"/>
+                      </a:rPr>
+                      <m:t>𝐶</m:t>
+                    </m:r>
+                    <m:r>
+                      <a:rPr lang="en-US" altLang="ja-JP" sz="2000" b="0" i="1" smtClean="0">
+                        <a:latin typeface="Cambria Math" panose="02040503050406030204" pitchFamily="18" charset="0"/>
+                      </a:rPr>
+                      <m:t>+</m:t>
+                    </m:r>
+                    <m:nary>
+                      <m:naryPr>
+                        <m:chr m:val="∑"/>
+                        <m:ctrlPr>
+                          <a:rPr lang="en-US" altLang="ja-JP" sz="2000" b="0" i="1" smtClean="0">
+                            <a:latin typeface="Cambria Math" panose="02040503050406030204" pitchFamily="18" charset="0"/>
+                          </a:rPr>
+                        </m:ctrlPr>
+                      </m:naryPr>
+                      <m:sub>
+                        <m:r>
+                          <m:rPr>
+                            <m:brk m:alnAt="23"/>
+                          </m:rPr>
+                          <a:rPr lang="en-US" altLang="ja-JP" sz="2000" b="0" i="1" smtClean="0">
+                            <a:latin typeface="Cambria Math" panose="02040503050406030204" pitchFamily="18" charset="0"/>
+                          </a:rPr>
+                          <m:t>𝑖</m:t>
+                        </m:r>
+                        <m:r>
+                          <a:rPr lang="en-US" altLang="ja-JP" sz="2000" b="0" i="1" smtClean="0">
+                            <a:latin typeface="Cambria Math" panose="02040503050406030204" pitchFamily="18" charset="0"/>
+                          </a:rPr>
+                          <m:t>=1</m:t>
+                        </m:r>
+                      </m:sub>
+                      <m:sup>
+                        <m:r>
+                          <a:rPr lang="en-US" altLang="ja-JP" sz="2000" b="0" i="1" smtClean="0">
+                            <a:latin typeface="Cambria Math" panose="02040503050406030204" pitchFamily="18" charset="0"/>
+                          </a:rPr>
+                          <m:t>𝑝</m:t>
+                        </m:r>
+                      </m:sup>
+                      <m:e>
+                        <m:sSub>
+                          <m:sSubPr>
+                            <m:ctrlPr>
+                              <a:rPr lang="en-US" altLang="ja-JP" sz="2000" i="1">
+                                <a:latin typeface="Cambria Math" panose="02040503050406030204" pitchFamily="18" charset="0"/>
+                              </a:rPr>
+                            </m:ctrlPr>
+                          </m:sSubPr>
+                          <m:e>
+                            <m:sSub>
+                              <m:sSubPr>
+                                <m:ctrlPr>
+                                  <a:rPr lang="en-US" altLang="ja-JP" sz="2000" i="1" smtClean="0">
+                                    <a:latin typeface="Cambria Math" panose="02040503050406030204" pitchFamily="18" charset="0"/>
+                                  </a:rPr>
+                                </m:ctrlPr>
+                              </m:sSubPr>
+                              <m:e>
+                                <m:r>
+                                  <a:rPr lang="ja-JP" altLang="en-US" sz="2000" i="1" smtClean="0">
+                                    <a:latin typeface="Cambria Math" panose="02040503050406030204" pitchFamily="18" charset="0"/>
+                                  </a:rPr>
+                                  <m:t>𝜑</m:t>
+                                </m:r>
+                              </m:e>
+                              <m:sub>
+                                <m:r>
+                                  <a:rPr lang="en-US" altLang="ja-JP" sz="2000" b="0" i="1" smtClean="0">
+                                    <a:latin typeface="Cambria Math" panose="02040503050406030204" pitchFamily="18" charset="0"/>
+                                  </a:rPr>
+                                  <m:t>𝑖</m:t>
+                                </m:r>
+                              </m:sub>
+                            </m:sSub>
+                            <m:r>
+                              <a:rPr lang="en-US" altLang="ja-JP" sz="2000" i="1">
+                                <a:latin typeface="Cambria Math" panose="02040503050406030204" pitchFamily="18" charset="0"/>
+                              </a:rPr>
+                              <m:t>𝑋</m:t>
+                            </m:r>
+                          </m:e>
+                          <m:sub>
+                            <m:r>
+                              <a:rPr lang="en-US" altLang="ja-JP" sz="2000" b="0" i="1" smtClean="0">
+                                <a:latin typeface="Cambria Math" panose="02040503050406030204" pitchFamily="18" charset="0"/>
+                              </a:rPr>
+                              <m:t>𝑖</m:t>
+                            </m:r>
+                          </m:sub>
+                        </m:sSub>
+                      </m:e>
+                    </m:nary>
+                    <m:r>
+                      <a:rPr lang="en-US" altLang="ja-JP" sz="2000" b="0" i="1" smtClean="0">
+                        <a:latin typeface="Cambria Math" panose="02040503050406030204" pitchFamily="18" charset="0"/>
+                      </a:rPr>
+                      <m:t>+</m:t>
+                    </m:r>
+                    <m:r>
+                      <a:rPr lang="el-GR" altLang="ja-JP" sz="2000" i="1" smtClean="0">
+                        <a:latin typeface="Cambria Math" panose="02040503050406030204" pitchFamily="18" charset="0"/>
+                      </a:rPr>
+                      <m:t>𝜀</m:t>
+                    </m:r>
+                  </m:oMath>
+                </a14:m>
+                <a:endParaRPr lang="en-US" altLang="ja-JP" sz="2000" i="1" dirty="0" smtClean="0"/>
+              </a:p>
+              <a:p>
+                <a:pPr lvl="1"/>
+                <a:endParaRPr lang="en-US" altLang="ja-JP" sz="2400" i="1" dirty="0" smtClean="0"/>
+              </a:p>
+              <a:p>
+                <a:r>
+                  <a:rPr lang="ja-JP" altLang="en-US" sz="2400" dirty="0"/>
+                  <a:t>自己回帰移動平均</a:t>
+                </a:r>
+                <a:r>
+                  <a:rPr lang="ja-JP" altLang="en-US" sz="2400" dirty="0" smtClean="0"/>
+                  <a:t>モデル</a:t>
+                </a:r>
+                <a:endParaRPr lang="en-US" altLang="ja-JP" sz="2400" dirty="0" smtClean="0"/>
+              </a:p>
+              <a:p>
+                <a:pPr lvl="1"/>
+                <a:r>
+                  <a:rPr lang="en-US" altLang="ja-JP" sz="2000" i="1" dirty="0"/>
+                  <a:t>p</a:t>
+                </a:r>
+                <a:r>
+                  <a:rPr lang="ja-JP" altLang="en-US" sz="2000" dirty="0"/>
+                  <a:t>次の自己回帰と</a:t>
+                </a:r>
+                <a:r>
+                  <a:rPr lang="en-US" altLang="ja-JP" sz="2000" i="1" dirty="0"/>
+                  <a:t>q</a:t>
+                </a:r>
+                <a:r>
+                  <a:rPr lang="ja-JP" altLang="en-US" sz="2000" dirty="0"/>
+                  <a:t>次の移動</a:t>
+                </a:r>
+                <a:r>
+                  <a:rPr lang="ja-JP" altLang="en-US" sz="2000" dirty="0" smtClean="0"/>
+                  <a:t>平均</a:t>
+                </a:r>
+                <a:r>
+                  <a:rPr lang="en-US" altLang="ja-JP" sz="2000" dirty="0" smtClean="0"/>
+                  <a:t>(</a:t>
+                </a:r>
+                <a:r>
+                  <a:rPr lang="el-GR" altLang="zh-CN" sz="2000" dirty="0"/>
+                  <a:t>ε</a:t>
+                </a:r>
+                <a:r>
+                  <a:rPr lang="en-US" altLang="zh-CN" sz="2000" baseline="-25000" dirty="0"/>
+                  <a:t>t</a:t>
+                </a:r>
+                <a:r>
+                  <a:rPr lang="en-US" altLang="zh-CN" sz="2000" dirty="0"/>
+                  <a:t>, </a:t>
+                </a:r>
+                <a:r>
+                  <a:rPr lang="el-GR" altLang="zh-CN" sz="2000" dirty="0"/>
+                  <a:t>ε</a:t>
+                </a:r>
+                <a:r>
+                  <a:rPr lang="en-US" altLang="zh-CN" sz="2000" baseline="-25000" dirty="0"/>
+                  <a:t>t-1</a:t>
+                </a:r>
+                <a:r>
+                  <a:rPr lang="en-US" altLang="zh-CN" sz="2000" dirty="0"/>
+                  <a:t>,... </a:t>
+                </a:r>
+                <a:r>
+                  <a:rPr lang="ja-JP" altLang="en-US" sz="2000" dirty="0" smtClean="0"/>
+                  <a:t>は</a:t>
+                </a:r>
+                <a:r>
+                  <a:rPr lang="ja-JP" altLang="en-US" sz="2000" dirty="0"/>
+                  <a:t>誤</a:t>
+                </a:r>
+                <a:r>
+                  <a:rPr lang="ja-JP" altLang="en-US" sz="2000" dirty="0" smtClean="0"/>
+                  <a:t>差項</a:t>
+                </a:r>
+                <a:r>
+                  <a:rPr lang="en-US" altLang="ja-JP" sz="2000" dirty="0" smtClean="0"/>
+                  <a:t>)</a:t>
+                </a:r>
+                <a:r>
+                  <a:rPr lang="ja-JP" altLang="en-US" sz="2000" dirty="0" smtClean="0"/>
+                  <a:t>を</a:t>
+                </a:r>
+                <a:r>
+                  <a:rPr lang="ja-JP" altLang="en-US" sz="2000" dirty="0"/>
+                  <a:t>組合</a:t>
+                </a:r>
+                <a:r>
+                  <a:rPr lang="ja-JP" altLang="en-US" sz="2000" dirty="0" smtClean="0"/>
+                  <a:t>わせたモデル</a:t>
+                </a:r>
+                <a:endParaRPr lang="en-US" altLang="ja-JP" sz="2000" dirty="0" smtClean="0"/>
+              </a:p>
+              <a:p>
+                <a:pPr lvl="1"/>
+                <a14:m>
+                  <m:oMath xmlns:m="http://schemas.openxmlformats.org/officeDocument/2006/math">
+                    <m:sSub>
+                      <m:sSubPr>
+                        <m:ctrlPr>
+                          <a:rPr lang="en-US" altLang="ja-JP" sz="2000" i="1">
+                            <a:latin typeface="Cambria Math" panose="02040503050406030204" pitchFamily="18" charset="0"/>
+                          </a:rPr>
+                        </m:ctrlPr>
+                      </m:sSubPr>
+                      <m:e>
+                        <m:r>
+                          <a:rPr lang="en-US" altLang="ja-JP" sz="2000" i="1">
+                            <a:latin typeface="Cambria Math" panose="02040503050406030204" pitchFamily="18" charset="0"/>
+                          </a:rPr>
+                          <m:t>𝑋</m:t>
+                        </m:r>
+                      </m:e>
+                      <m:sub>
+                        <m:r>
+                          <m:rPr>
+                            <m:sty m:val="p"/>
+                          </m:rPr>
+                          <a:rPr lang="en-US" altLang="zh-CN" sz="2000" i="1">
+                            <a:latin typeface="Cambria Math" panose="02040503050406030204" pitchFamily="18" charset="0"/>
+                          </a:rPr>
+                          <m:t>t</m:t>
+                        </m:r>
+                      </m:sub>
+                    </m:sSub>
+                    <m:r>
+                      <a:rPr lang="en-US" altLang="ja-JP" sz="2000" i="1">
+                        <a:latin typeface="Cambria Math" panose="02040503050406030204" pitchFamily="18" charset="0"/>
+                      </a:rPr>
+                      <m:t>=</m:t>
+                    </m:r>
+                    <m:sSub>
+                      <m:sSubPr>
+                        <m:ctrlPr>
+                          <a:rPr lang="en-US" altLang="ja-JP" sz="2000" i="1" smtClean="0">
+                            <a:latin typeface="Cambria Math" panose="02040503050406030204" pitchFamily="18" charset="0"/>
+                          </a:rPr>
+                        </m:ctrlPr>
+                      </m:sSubPr>
+                      <m:e>
+                        <m:r>
+                          <a:rPr lang="ja-JP" altLang="en-US" sz="2000" i="1" smtClean="0">
+                            <a:latin typeface="Cambria Math" panose="02040503050406030204" pitchFamily="18" charset="0"/>
+                          </a:rPr>
+                          <m:t>𝜀</m:t>
+                        </m:r>
+                      </m:e>
+                      <m:sub>
+                        <m:r>
+                          <a:rPr lang="en-US" altLang="ja-JP" sz="2000" b="0" i="1" smtClean="0">
+                            <a:latin typeface="Cambria Math" panose="02040503050406030204" pitchFamily="18" charset="0"/>
+                          </a:rPr>
+                          <m:t>𝑡</m:t>
+                        </m:r>
+                      </m:sub>
+                    </m:sSub>
+                    <m:r>
+                      <a:rPr lang="en-US" altLang="ja-JP" sz="2000" i="1">
+                        <a:latin typeface="Cambria Math" panose="02040503050406030204" pitchFamily="18" charset="0"/>
+                      </a:rPr>
+                      <m:t>+</m:t>
+                    </m:r>
+                    <m:nary>
+                      <m:naryPr>
+                        <m:chr m:val="∑"/>
+                        <m:ctrlPr>
+                          <a:rPr lang="en-US" altLang="ja-JP" sz="2000" i="1">
+                            <a:latin typeface="Cambria Math" panose="02040503050406030204" pitchFamily="18" charset="0"/>
+                          </a:rPr>
+                        </m:ctrlPr>
+                      </m:naryPr>
+                      <m:sub>
+                        <m:r>
+                          <m:rPr>
+                            <m:brk m:alnAt="23"/>
+                          </m:rPr>
+                          <a:rPr lang="en-US" altLang="ja-JP" sz="2000" i="1">
+                            <a:latin typeface="Cambria Math" panose="02040503050406030204" pitchFamily="18" charset="0"/>
+                          </a:rPr>
+                          <m:t>𝑖</m:t>
+                        </m:r>
+                        <m:r>
+                          <a:rPr lang="en-US" altLang="ja-JP" sz="2000" i="1">
+                            <a:latin typeface="Cambria Math" panose="02040503050406030204" pitchFamily="18" charset="0"/>
+                          </a:rPr>
+                          <m:t>=1</m:t>
+                        </m:r>
+                      </m:sub>
+                      <m:sup>
+                        <m:r>
+                          <a:rPr lang="en-US" altLang="ja-JP" sz="2000" i="1">
+                            <a:latin typeface="Cambria Math" panose="02040503050406030204" pitchFamily="18" charset="0"/>
+                          </a:rPr>
+                          <m:t>𝑝</m:t>
+                        </m:r>
+                      </m:sup>
+                      <m:e>
+                        <m:sSub>
+                          <m:sSubPr>
+                            <m:ctrlPr>
+                              <a:rPr lang="en-US" altLang="ja-JP" sz="2000" i="1">
+                                <a:latin typeface="Cambria Math" panose="02040503050406030204" pitchFamily="18" charset="0"/>
+                              </a:rPr>
+                            </m:ctrlPr>
+                          </m:sSubPr>
+                          <m:e>
+                            <m:sSub>
+                              <m:sSubPr>
+                                <m:ctrlPr>
+                                  <a:rPr lang="en-US" altLang="ja-JP" sz="2000" i="1">
+                                    <a:latin typeface="Cambria Math" panose="02040503050406030204" pitchFamily="18" charset="0"/>
+                                  </a:rPr>
+                                </m:ctrlPr>
+                              </m:sSubPr>
+                              <m:e>
+                                <m:r>
+                                  <a:rPr lang="ja-JP" altLang="en-US" sz="2000" i="1">
+                                    <a:latin typeface="Cambria Math" panose="02040503050406030204" pitchFamily="18" charset="0"/>
+                                  </a:rPr>
+                                  <m:t>𝜑</m:t>
+                                </m:r>
+                              </m:e>
+                              <m:sub>
+                                <m:r>
+                                  <a:rPr lang="en-US" altLang="ja-JP" sz="2000" i="1">
+                                    <a:latin typeface="Cambria Math" panose="02040503050406030204" pitchFamily="18" charset="0"/>
+                                  </a:rPr>
+                                  <m:t>𝑖</m:t>
+                                </m:r>
+                              </m:sub>
+                            </m:sSub>
+                            <m:r>
+                              <a:rPr lang="en-US" altLang="ja-JP" sz="2000" i="1">
+                                <a:latin typeface="Cambria Math" panose="02040503050406030204" pitchFamily="18" charset="0"/>
+                              </a:rPr>
+                              <m:t>𝑋</m:t>
+                            </m:r>
+                          </m:e>
+                          <m:sub>
+                            <m:r>
+                              <a:rPr lang="en-US" altLang="ja-JP" sz="2000" b="0" i="1" smtClean="0">
+                                <a:latin typeface="Cambria Math" panose="02040503050406030204" pitchFamily="18" charset="0"/>
+                              </a:rPr>
+                              <m:t>𝑡</m:t>
+                            </m:r>
+                            <m:r>
+                              <a:rPr lang="en-US" altLang="ja-JP" sz="2000" b="0" i="1" smtClean="0">
+                                <a:latin typeface="Cambria Math" panose="02040503050406030204" pitchFamily="18" charset="0"/>
+                              </a:rPr>
+                              <m:t>−</m:t>
+                            </m:r>
+                            <m:r>
+                              <a:rPr lang="en-US" altLang="ja-JP" sz="2000" b="0" i="1" smtClean="0">
+                                <a:latin typeface="Cambria Math" panose="02040503050406030204" pitchFamily="18" charset="0"/>
+                              </a:rPr>
+                              <m:t>𝑖</m:t>
+                            </m:r>
+                          </m:sub>
+                        </m:sSub>
+                      </m:e>
+                    </m:nary>
+                    <m:r>
+                      <a:rPr lang="en-US" altLang="ja-JP" sz="2000" i="1">
+                        <a:latin typeface="Cambria Math" panose="02040503050406030204" pitchFamily="18" charset="0"/>
+                      </a:rPr>
+                      <m:t>+</m:t>
+                    </m:r>
+                    <m:nary>
+                      <m:naryPr>
+                        <m:chr m:val="∑"/>
+                        <m:ctrlPr>
+                          <a:rPr lang="en-US" altLang="ja-JP" sz="2000" i="1">
+                            <a:latin typeface="Cambria Math" panose="02040503050406030204" pitchFamily="18" charset="0"/>
+                          </a:rPr>
+                        </m:ctrlPr>
+                      </m:naryPr>
+                      <m:sub>
+                        <m:r>
+                          <m:rPr>
+                            <m:brk m:alnAt="23"/>
+                          </m:rPr>
+                          <a:rPr lang="en-US" altLang="ja-JP" sz="2000" i="1">
+                            <a:latin typeface="Cambria Math" panose="02040503050406030204" pitchFamily="18" charset="0"/>
+                          </a:rPr>
+                          <m:t>𝑖</m:t>
+                        </m:r>
+                        <m:r>
+                          <a:rPr lang="en-US" altLang="ja-JP" sz="2000" i="1">
+                            <a:latin typeface="Cambria Math" panose="02040503050406030204" pitchFamily="18" charset="0"/>
+                          </a:rPr>
+                          <m:t>=1</m:t>
+                        </m:r>
+                      </m:sub>
+                      <m:sup>
+                        <m:r>
+                          <a:rPr lang="en-US" altLang="ja-JP" sz="2000" b="0" i="1" smtClean="0">
+                            <a:latin typeface="Cambria Math" panose="02040503050406030204" pitchFamily="18" charset="0"/>
+                          </a:rPr>
+                          <m:t>𝑞</m:t>
+                        </m:r>
+                      </m:sup>
+                      <m:e>
+                        <m:sSub>
+                          <m:sSubPr>
+                            <m:ctrlPr>
+                              <a:rPr lang="en-US" altLang="ja-JP" sz="2000" i="1">
+                                <a:latin typeface="Cambria Math" panose="02040503050406030204" pitchFamily="18" charset="0"/>
+                              </a:rPr>
+                            </m:ctrlPr>
+                          </m:sSubPr>
+                          <m:e>
+                            <m:sSub>
+                              <m:sSubPr>
+                                <m:ctrlPr>
+                                  <a:rPr lang="en-US" altLang="ja-JP" sz="2000" i="1">
+                                    <a:latin typeface="Cambria Math" panose="02040503050406030204" pitchFamily="18" charset="0"/>
+                                  </a:rPr>
+                                </m:ctrlPr>
+                              </m:sSubPr>
+                              <m:e>
+                                <m:r>
+                                  <a:rPr lang="ja-JP" altLang="en-US" sz="2000" i="1" smtClean="0">
+                                    <a:latin typeface="Cambria Math" panose="02040503050406030204" pitchFamily="18" charset="0"/>
+                                  </a:rPr>
+                                  <m:t>𝜃</m:t>
+                                </m:r>
+                              </m:e>
+                              <m:sub>
+                                <m:r>
+                                  <a:rPr lang="en-US" altLang="ja-JP" sz="2000" i="1">
+                                    <a:latin typeface="Cambria Math" panose="02040503050406030204" pitchFamily="18" charset="0"/>
+                                  </a:rPr>
+                                  <m:t>𝑖</m:t>
+                                </m:r>
+                              </m:sub>
+                            </m:sSub>
+                            <m:r>
+                              <a:rPr lang="ja-JP" altLang="en-US" sz="2000" i="1" smtClean="0">
+                                <a:latin typeface="Cambria Math" panose="02040503050406030204" pitchFamily="18" charset="0"/>
+                              </a:rPr>
+                              <m:t>𝜀</m:t>
+                            </m:r>
+                          </m:e>
+                          <m:sub>
+                            <m:r>
+                              <a:rPr lang="en-US" altLang="ja-JP" sz="2000" i="1">
+                                <a:latin typeface="Cambria Math" panose="02040503050406030204" pitchFamily="18" charset="0"/>
+                              </a:rPr>
+                              <m:t>𝑡</m:t>
+                            </m:r>
+                            <m:r>
+                              <a:rPr lang="en-US" altLang="ja-JP" sz="2000" i="1">
+                                <a:latin typeface="Cambria Math" panose="02040503050406030204" pitchFamily="18" charset="0"/>
+                              </a:rPr>
+                              <m:t>−</m:t>
+                            </m:r>
+                            <m:r>
+                              <a:rPr lang="en-US" altLang="ja-JP" sz="2000" i="1">
+                                <a:latin typeface="Cambria Math" panose="02040503050406030204" pitchFamily="18" charset="0"/>
+                              </a:rPr>
+                              <m:t>𝑖</m:t>
+                            </m:r>
+                          </m:sub>
+                        </m:sSub>
+                      </m:e>
+                    </m:nary>
+                  </m:oMath>
+                </a14:m>
+                <a:endParaRPr lang="en-US" altLang="ja-JP" sz="2400" i="1" dirty="0"/>
+              </a:p>
+            </p:txBody>
+          </p:sp>
+        </mc:Choice>
+        <mc:Fallback>
+          <p:sp>
+            <p:nvSpPr>
+              <p:cNvPr id="3" name="コンテンツ プレースホルダー 2"/>
+              <p:cNvSpPr>
+                <a:spLocks noGrp="1" noRot="1" noChangeAspect="1" noMove="1" noResize="1" noEditPoints="1" noAdjustHandles="1" noChangeArrowheads="1" noChangeShapeType="1" noTextEdit="1"/>
+              </p:cNvSpPr>
+              <p:nvPr>
+                <p:ph idx="1"/>
+              </p:nvPr>
+            </p:nvSpPr>
+            <p:spPr>
+              <a:xfrm>
+                <a:off x="609599" y="2160590"/>
+                <a:ext cx="6347714" cy="4508770"/>
+              </a:xfrm>
+              <a:blipFill rotWithShape="0">
+                <a:blip r:embed="rId3"/>
+                <a:stretch>
+                  <a:fillRect l="-768" t="-811" b="-1486"/>
+                </a:stretch>
+              </a:blipFill>
+            </p:spPr>
+            <p:txBody>
+              <a:bodyPr/>
+              <a:lstStyle/>
+              <a:p>
+                <a:r>
+                  <a:rPr lang="zh-CN" altLang="en-US">
+                    <a:noFill/>
+                  </a:rPr>
+                  <a:t> </a:t>
+                </a:r>
+              </a:p>
+            </p:txBody>
+          </p:sp>
+        </mc:Fallback>
+      </mc:AlternateContent>
+    </p:spTree>
+    <p:extLst>
+      <p:ext uri="{BB962C8B-B14F-4D97-AF65-F5344CB8AC3E}">
+        <p14:creationId xmlns:p14="http://schemas.microsoft.com/office/powerpoint/2010/main" val="1486373482"/>
+      </p:ext>
+    </p:extLst>
+  </p:cSld>
+  <p:clrMapOvr>
+    <a:masterClrMapping/>
+  </p:clrMapOvr>
+  <p:timing>
+    <p:tnLst>
+      <p:par>
+        <p:cTn id="1" dur="indefinite" restart="never" nodeType="tmRoot"/>
+      </p:par>
+    </p:tnLst>
+  </p:timing>
+</p:sld>
+</file>
+
+<file path=ppt/slides/slide7.xml><?xml version="1.0" encoding="utf-8"?>
+<p:sld xmlns:a="http://schemas.openxmlformats.org/drawingml/2006/main" xmlns:r="http://schemas.openxmlformats.org/officeDocument/2006/relationships" xmlns:p="http://schemas.openxmlformats.org/presentationml/2006/main">
+  <p:cSld>
+    <p:spTree>
+      <p:nvGrpSpPr>
+        <p:cNvPr id="1" name=""/>
+        <p:cNvGrpSpPr/>
+        <p:nvPr/>
+      </p:nvGrpSpPr>
+      <p:grpSpPr>
+        <a:xfrm>
+          <a:off x="0" y="0"/>
+          <a:ext cx="0" cy="0"/>
+          <a:chOff x="0" y="0"/>
+          <a:chExt cx="0" cy="0"/>
+        </a:xfrm>
+      </p:grpSpPr>
+      <p:sp>
+        <p:nvSpPr>
+          <p:cNvPr id="2" name="タイトル 1"/>
+          <p:cNvSpPr>
+            <a:spLocks noGrp="1"/>
+          </p:cNvSpPr>
+          <p:nvPr>
+            <p:ph type="title"/>
+          </p:nvPr>
+        </p:nvSpPr>
+        <p:spPr/>
+        <p:txBody>
+          <a:bodyPr/>
+          <a:lstStyle/>
+          <a:p>
+            <a:r>
+              <a:rPr lang="ja-JP" altLang="en-US" dirty="0"/>
+              <a:t>目標</a:t>
+            </a:r>
+            <a:endParaRPr kumimoji="1" lang="ja-JP" altLang="en-US" dirty="0"/>
+          </a:p>
+        </p:txBody>
+      </p:sp>
+      <p:sp>
+        <p:nvSpPr>
+          <p:cNvPr id="3" name="コンテンツ プレースホルダー 2"/>
+          <p:cNvSpPr>
+            <a:spLocks noGrp="1"/>
+          </p:cNvSpPr>
+          <p:nvPr>
+            <p:ph idx="1"/>
+          </p:nvPr>
+        </p:nvSpPr>
+        <p:spPr/>
+        <p:txBody>
+          <a:bodyPr/>
+          <a:lstStyle/>
+          <a:p>
+            <a:r>
+              <a:rPr kumimoji="1" lang="ja-JP" altLang="en-US" sz="2400" dirty="0" smtClean="0"/>
+              <a:t>高値と出来高を利用し、</a:t>
+            </a:r>
+            <a:r>
+              <a:rPr kumimoji="1" lang="en-US" altLang="ja-JP" sz="2400" dirty="0" smtClean="0"/>
+              <a:t>5</a:t>
+            </a:r>
+            <a:r>
+              <a:rPr kumimoji="1" lang="ja-JP" altLang="en-US" sz="2400" dirty="0" smtClean="0"/>
+              <a:t>日間</a:t>
+            </a:r>
+            <a:r>
+              <a:rPr kumimoji="1" lang="ja-JP" altLang="en-US" sz="2400" dirty="0" smtClean="0"/>
+              <a:t>の株価の</a:t>
+            </a:r>
+            <a:r>
+              <a:rPr kumimoji="1" lang="ja-JP" altLang="en-US" sz="2400" dirty="0" smtClean="0"/>
+              <a:t>終値を予測する。</a:t>
+            </a:r>
+            <a:endParaRPr kumimoji="1" lang="en-US" altLang="ja-JP" sz="2400" dirty="0" smtClean="0"/>
+          </a:p>
+          <a:p>
+            <a:r>
+              <a:rPr lang="ja-JP" altLang="en-US" sz="2400" dirty="0"/>
+              <a:t>標準</a:t>
+            </a:r>
+            <a:r>
+              <a:rPr lang="ja-JP" altLang="en-US" sz="2400" dirty="0" smtClean="0"/>
+              <a:t>偏差</a:t>
+            </a:r>
+            <a:r>
+              <a:rPr lang="en-US" altLang="ja-JP" sz="2400" dirty="0" smtClean="0"/>
+              <a:t>5</a:t>
+            </a:r>
+            <a:r>
+              <a:rPr lang="ja-JP" altLang="en-US" sz="2400" dirty="0" smtClean="0"/>
+              <a:t>％</a:t>
+            </a:r>
+            <a:r>
+              <a:rPr lang="ja-JP" altLang="en-US" sz="2400" dirty="0" smtClean="0"/>
+              <a:t>以内。</a:t>
+            </a:r>
+            <a:endParaRPr lang="en-US" altLang="ja-JP" sz="2400" dirty="0" smtClean="0"/>
+          </a:p>
+          <a:p>
+            <a:r>
+              <a:rPr kumimoji="1" lang="en-US" altLang="ja-JP" sz="2400" dirty="0" smtClean="0"/>
+              <a:t>Python</a:t>
+            </a:r>
+            <a:r>
+              <a:rPr kumimoji="1" lang="ja-JP" altLang="en-US" sz="2400" dirty="0" smtClean="0"/>
+              <a:t>でモデルを実装し、モデルの改善を目指す</a:t>
+            </a:r>
+            <a:r>
+              <a:rPr kumimoji="1" lang="ja-JP" altLang="en-US" dirty="0" smtClean="0"/>
+              <a:t>。</a:t>
+            </a:r>
+            <a:endParaRPr kumimoji="1" lang="en-US" altLang="ja-JP" dirty="0" smtClean="0"/>
+          </a:p>
+          <a:p>
+            <a:endParaRPr kumimoji="1" lang="ja-JP" altLang="en-US" dirty="0"/>
+          </a:p>
+        </p:txBody>
+      </p:sp>
+    </p:spTree>
+    <p:extLst>
+      <p:ext uri="{BB962C8B-B14F-4D97-AF65-F5344CB8AC3E}">
+        <p14:creationId xmlns:p14="http://schemas.microsoft.com/office/powerpoint/2010/main" val="582662811"/>
+      </p:ext>
+    </p:extLst>
+  </p:cSld>
+  <p:clrMapOvr>
+    <a:masterClrMapping/>
+  </p:clrMapOvr>
+  <p:timing>
+    <p:tnLst>
+      <p:par>
+        <p:cTn id="1" dur="indefinite" restart="never" nodeType="tmRoot"/>
+      </p:par>
+    </p:tnLst>
+  </p:timing>
+</p:sld>
+</file>
+
+<file path=ppt/slides/slide8.xml><?xml version="1.0" encoding="utf-8"?>
+<p:sld xmlns:a="http://schemas.openxmlformats.org/drawingml/2006/main" xmlns:r="http://schemas.openxmlformats.org/officeDocument/2006/relationships" xmlns:p="http://schemas.openxmlformats.org/presentationml/2006/main">
+  <p:cSld>
+    <p:spTree>
+      <p:nvGrpSpPr>
+        <p:cNvPr id="1" name=""/>
+        <p:cNvGrpSpPr/>
+        <p:nvPr/>
+      </p:nvGrpSpPr>
+      <p:grpSpPr>
+        <a:xfrm>
+          <a:off x="0" y="0"/>
+          <a:ext cx="0" cy="0"/>
+          <a:chOff x="0" y="0"/>
+          <a:chExt cx="0" cy="0"/>
+        </a:xfrm>
+      </p:grpSpPr>
+      <p:sp>
+        <p:nvSpPr>
+          <p:cNvPr id="2" name="标题 1"/>
+          <p:cNvSpPr>
+            <a:spLocks noGrp="1"/>
+          </p:cNvSpPr>
+          <p:nvPr>
+            <p:ph type="title"/>
+          </p:nvPr>
+        </p:nvSpPr>
+        <p:spPr/>
+        <p:txBody>
+          <a:bodyPr/>
+          <a:lstStyle/>
+          <a:p>
+            <a:r>
+              <a:rPr lang="ja-JP" altLang="en-US" dirty="0"/>
+              <a:t>活動内容</a:t>
+            </a:r>
+            <a:endParaRPr lang="zh-CN" altLang="en-US" dirty="0"/>
+          </a:p>
+        </p:txBody>
+      </p:sp>
+      <p:sp>
+        <p:nvSpPr>
+          <p:cNvPr id="3" name="内容占位符 2"/>
+          <p:cNvSpPr>
+            <a:spLocks noGrp="1"/>
+          </p:cNvSpPr>
+          <p:nvPr>
+            <p:ph idx="1"/>
+          </p:nvPr>
+        </p:nvSpPr>
+        <p:spPr/>
+        <p:txBody>
+          <a:bodyPr>
+            <a:normAutofit/>
+          </a:bodyPr>
+          <a:lstStyle/>
+          <a:p>
+            <a:r>
+              <a:rPr lang="en-US" altLang="zh-CN" sz="2400" dirty="0" smtClean="0"/>
+              <a:t>Pandas/</a:t>
+            </a:r>
+            <a:r>
+              <a:rPr lang="en-US" altLang="zh-CN" sz="2400" dirty="0" err="1" smtClean="0"/>
+              <a:t>Numpy</a:t>
+            </a:r>
+            <a:endParaRPr lang="en-US" altLang="zh-CN" sz="2400" dirty="0" smtClean="0"/>
+          </a:p>
+          <a:p>
+            <a:pPr lvl="1"/>
+            <a:r>
+              <a:rPr lang="ja-JP" altLang="en-US" sz="2000" dirty="0" smtClean="0"/>
+              <a:t>デ</a:t>
+            </a:r>
+            <a:r>
+              <a:rPr lang="ja-JP" altLang="en-US" sz="2000" dirty="0">
+                <a:solidFill>
+                  <a:schemeClr val="tx1"/>
+                </a:solidFill>
+              </a:rPr>
+              <a:t>ータを操作</a:t>
+            </a:r>
+            <a:r>
+              <a:rPr lang="ja-JP" altLang="en-US" sz="2000" dirty="0" smtClean="0">
+                <a:solidFill>
+                  <a:schemeClr val="tx1"/>
+                </a:solidFill>
+              </a:rPr>
+              <a:t>するためのデータ構造と演算</a:t>
+            </a:r>
+            <a:endParaRPr lang="en-US" altLang="zh-CN" sz="2000" dirty="0">
+              <a:solidFill>
+                <a:schemeClr val="tx1"/>
+              </a:solidFill>
+            </a:endParaRPr>
+          </a:p>
+          <a:p>
+            <a:r>
+              <a:rPr lang="en-US" altLang="zh-CN" sz="2400" dirty="0" err="1" smtClean="0"/>
+              <a:t>Matplotlib</a:t>
+            </a:r>
+            <a:endParaRPr lang="en-US" altLang="zh-CN" sz="2400" dirty="0" smtClean="0"/>
+          </a:p>
+          <a:p>
+            <a:pPr lvl="1"/>
+            <a:r>
+              <a:rPr lang="ja-JP" altLang="en-US" sz="2000" dirty="0" smtClean="0"/>
+              <a:t>グラフの描画</a:t>
+            </a:r>
+            <a:endParaRPr lang="en-US" altLang="zh-CN" sz="2000" dirty="0" smtClean="0"/>
+          </a:p>
+          <a:p>
+            <a:r>
+              <a:rPr lang="en-US" altLang="zh-CN" sz="2400" dirty="0" err="1" smtClean="0"/>
+              <a:t>Statsmodels</a:t>
+            </a:r>
+            <a:endParaRPr lang="en-US" altLang="zh-CN" sz="2400" dirty="0" smtClean="0"/>
+          </a:p>
+          <a:p>
+            <a:pPr lvl="1"/>
+            <a:r>
+              <a:rPr lang="ja-JP" altLang="en-US" sz="2000" dirty="0" smtClean="0"/>
+              <a:t>回帰分析、</a:t>
+            </a:r>
+            <a:r>
+              <a:rPr lang="ja-JP" altLang="en-US" sz="2000" dirty="0">
+                <a:solidFill>
+                  <a:schemeClr val="tx1"/>
+                </a:solidFill>
+              </a:rPr>
+              <a:t>時</a:t>
+            </a:r>
+            <a:r>
+              <a:rPr lang="ja-JP" altLang="en-US" sz="2000" dirty="0" smtClean="0">
+                <a:solidFill>
+                  <a:schemeClr val="tx1"/>
+                </a:solidFill>
+              </a:rPr>
+              <a:t>系列分析のモデル構築、予測</a:t>
+            </a:r>
+            <a:endParaRPr lang="zh-CN" altLang="en-US" sz="2000" dirty="0"/>
+          </a:p>
+        </p:txBody>
+      </p:sp>
+    </p:spTree>
+    <p:extLst>
+      <p:ext uri="{BB962C8B-B14F-4D97-AF65-F5344CB8AC3E}">
+        <p14:creationId xmlns:p14="http://schemas.microsoft.com/office/powerpoint/2010/main" val="942831609"/>
+      </p:ext>
+    </p:extLst>
+  </p:cSld>
+  <p:clrMapOvr>
+    <a:masterClrMapping/>
+  </p:clrMapOvr>
+</p:sld>
+</file>
+
+<file path=ppt/slides/slide9.xml><?xml version="1.0" encoding="utf-8"?>
+<p:sld xmlns:a="http://schemas.openxmlformats.org/drawingml/2006/main" xmlns:r="http://schemas.openxmlformats.org/officeDocument/2006/relationships" xmlns:p="http://schemas.openxmlformats.org/presentationml/2006/main">
+  <p:cSld>
+    <p:spTree>
+      <p:nvGrpSpPr>
+        <p:cNvPr id="1" name=""/>
+        <p:cNvGrpSpPr/>
+        <p:nvPr/>
+      </p:nvGrpSpPr>
+      <p:grpSpPr>
+        <a:xfrm>
+          <a:off x="0" y="0"/>
+          <a:ext cx="0" cy="0"/>
+          <a:chOff x="0" y="0"/>
+          <a:chExt cx="0" cy="0"/>
+        </a:xfrm>
+      </p:grpSpPr>
+      <p:pic>
+        <p:nvPicPr>
+          <p:cNvPr id="4" name="内容占位符 3"/>
+          <p:cNvPicPr>
+            <a:picLocks noGrp="1" noChangeAspect="1"/>
+          </p:cNvPicPr>
+          <p:nvPr>
+            <p:ph idx="1"/>
+          </p:nvPr>
+        </p:nvPicPr>
+        <p:blipFill>
+          <a:blip r:embed="rId3">
+            <a:extLst>
+              <a:ext uri="{28A0092B-C50C-407E-A947-70E740481C1C}">
+                <a14:useLocalDpi xmlns:a14="http://schemas.microsoft.com/office/drawing/2010/main" val="0"/>
+              </a:ext>
+            </a:extLst>
+          </a:blip>
+          <a:stretch>
+            <a:fillRect/>
+          </a:stretch>
+        </p:blipFill>
+        <p:spPr>
+          <a:xfrm>
+            <a:off x="448132" y="1700809"/>
+            <a:ext cx="6455773" cy="4841830"/>
+          </a:xfrm>
+        </p:spPr>
+      </p:pic>
+      <p:sp>
+        <p:nvSpPr>
+          <p:cNvPr id="2" name="标题 1"/>
+          <p:cNvSpPr>
+            <a:spLocks noGrp="1"/>
+          </p:cNvSpPr>
+          <p:nvPr>
+            <p:ph type="title"/>
+          </p:nvPr>
+        </p:nvSpPr>
+        <p:spPr/>
+        <p:txBody>
+          <a:bodyPr/>
+          <a:lstStyle/>
+          <a:p>
+            <a:r>
+              <a:rPr lang="ja-JP" altLang="en-US" dirty="0" smtClean="0"/>
+              <a:t>試作プログラム</a:t>
+            </a:r>
+            <a:endParaRPr lang="zh-CN" altLang="en-US" dirty="0"/>
+          </a:p>
+        </p:txBody>
+      </p:sp>
+      <p:sp>
+        <p:nvSpPr>
+          <p:cNvPr id="5" name="内容占位符 2"/>
+          <p:cNvSpPr txBox="1">
+            <a:spLocks/>
+          </p:cNvSpPr>
+          <p:nvPr/>
+        </p:nvSpPr>
+        <p:spPr>
+          <a:xfrm>
+            <a:off x="609599" y="1628800"/>
+            <a:ext cx="6347714" cy="3880773"/>
+          </a:xfrm>
+          <a:prstGeom prst="rect">
+            <a:avLst/>
+          </a:prstGeom>
+        </p:spPr>
+        <p:txBody>
+          <a:bodyPr vert="horz" lIns="91440" tIns="45720" rIns="91440" bIns="45720" rtlCol="0">
+            <a:normAutofit/>
+          </a:bodyPr>
+          <a:lstStyle>
+            <a:lvl1pPr marL="342900" indent="-342900" algn="l" defTabSz="457200" rtl="0" eaLnBrk="1" latinLnBrk="0" hangingPunct="1">
+              <a:spcBef>
+                <a:spcPts val="1000"/>
+              </a:spcBef>
+              <a:spcAft>
+                <a:spcPts val="0"/>
+              </a:spcAft>
+              <a:buClr>
+                <a:schemeClr val="accent1"/>
+              </a:buClr>
+              <a:buSzPct val="80000"/>
+              <a:buFont typeface="Wingdings 3" charset="2"/>
+              <a:buChar char=""/>
+              <a:defRPr sz="1800" kern="1200">
+                <a:solidFill>
+                  <a:schemeClr val="tx1">
+                    <a:lumMod val="75000"/>
+                    <a:lumOff val="25000"/>
+                  </a:schemeClr>
+                </a:solidFill>
+                <a:latin typeface="+mn-lt"/>
+                <a:ea typeface="+mn-ea"/>
+                <a:cs typeface="+mn-cs"/>
+              </a:defRPr>
+            </a:lvl1pPr>
+            <a:lvl2pPr marL="742950" indent="-285750" algn="l" defTabSz="457200" rtl="0" eaLnBrk="1" latinLnBrk="0" hangingPunct="1">
+              <a:spcBef>
+                <a:spcPts val="1000"/>
+              </a:spcBef>
+              <a:spcAft>
+                <a:spcPts val="0"/>
+              </a:spcAft>
+              <a:buClr>
+                <a:schemeClr val="accent1"/>
+              </a:buClr>
+              <a:buSzPct val="80000"/>
+              <a:buFont typeface="Wingdings 3" charset="2"/>
+              <a:buChar char=""/>
+              <a:defRPr sz="1600" kern="1200">
+                <a:solidFill>
+                  <a:schemeClr val="tx1">
+                    <a:lumMod val="75000"/>
+                    <a:lumOff val="25000"/>
+                  </a:schemeClr>
+                </a:solidFill>
+                <a:latin typeface="+mn-lt"/>
+                <a:ea typeface="+mn-ea"/>
+                <a:cs typeface="+mn-cs"/>
+              </a:defRPr>
+            </a:lvl2pPr>
+            <a:lvl3pPr marL="1143000" indent="-228600" algn="l" defTabSz="457200" rtl="0" eaLnBrk="1" latinLnBrk="0" hangingPunct="1">
+              <a:spcBef>
+                <a:spcPts val="1000"/>
+              </a:spcBef>
+              <a:spcAft>
+                <a:spcPts val="0"/>
+              </a:spcAft>
+              <a:buClr>
+                <a:schemeClr val="accent1"/>
+              </a:buClr>
+              <a:buSzPct val="80000"/>
+              <a:buFont typeface="Wingdings 3" charset="2"/>
+              <a:buChar char=""/>
+              <a:defRPr sz="1400" kern="1200">
+                <a:solidFill>
+                  <a:schemeClr val="tx1">
+                    <a:lumMod val="75000"/>
+                    <a:lumOff val="25000"/>
+                  </a:schemeClr>
+                </a:solidFill>
+                <a:latin typeface="+mn-lt"/>
+                <a:ea typeface="+mn-ea"/>
+                <a:cs typeface="+mn-cs"/>
+              </a:defRPr>
+            </a:lvl3pPr>
+            <a:lvl4pPr marL="1600200" indent="-228600" algn="l" defTabSz="457200" rtl="0" eaLnBrk="1" latinLnBrk="0" hangingPunct="1">
+              <a:spcBef>
+                <a:spcPts val="1000"/>
+              </a:spcBef>
+              <a:spcAft>
+                <a:spcPts val="0"/>
+              </a:spcAft>
+              <a:buClr>
+                <a:schemeClr val="accent1"/>
+              </a:buClr>
+              <a:buSzPct val="80000"/>
+              <a:buFont typeface="Wingdings 3" charset="2"/>
+              <a:buChar char=""/>
+              <a:defRPr sz="1200" kern="1200">
+                <a:solidFill>
+                  <a:schemeClr val="tx1">
+                    <a:lumMod val="75000"/>
+                    <a:lumOff val="25000"/>
+                  </a:schemeClr>
+                </a:solidFill>
+                <a:latin typeface="+mn-lt"/>
+                <a:ea typeface="+mn-ea"/>
+                <a:cs typeface="+mn-cs"/>
+              </a:defRPr>
+            </a:lvl4pPr>
+            <a:lvl5pPr marL="2057400" indent="-228600" algn="l" defTabSz="457200" rtl="0" eaLnBrk="1" latinLnBrk="0" hangingPunct="1">
+              <a:spcBef>
+                <a:spcPts val="1000"/>
+              </a:spcBef>
+              <a:spcAft>
+                <a:spcPts val="0"/>
+              </a:spcAft>
+              <a:buClr>
+                <a:schemeClr val="accent1"/>
+              </a:buClr>
+              <a:buSzPct val="80000"/>
+              <a:buFont typeface="Wingdings 3" charset="2"/>
+              <a:buChar char=""/>
+              <a:defRPr sz="1200" kern="1200">
+                <a:solidFill>
+                  <a:schemeClr val="tx1">
+                    <a:lumMod val="75000"/>
+                    <a:lumOff val="25000"/>
+                  </a:schemeClr>
+                </a:solidFill>
+                <a:latin typeface="+mn-lt"/>
+                <a:ea typeface="+mn-ea"/>
+                <a:cs typeface="+mn-cs"/>
+              </a:defRPr>
+            </a:lvl5pPr>
+            <a:lvl6pPr marL="2514600" indent="-228600" algn="l" defTabSz="457200" rtl="0" eaLnBrk="1" latinLnBrk="0" hangingPunct="1">
+              <a:spcBef>
+                <a:spcPts val="1000"/>
+              </a:spcBef>
+              <a:spcAft>
+                <a:spcPts val="0"/>
+              </a:spcAft>
+              <a:buClr>
+                <a:schemeClr val="accent1"/>
+              </a:buClr>
+              <a:buSzPct val="80000"/>
+              <a:buFont typeface="Wingdings 3" charset="2"/>
+              <a:buChar char=""/>
+              <a:defRPr sz="1200" kern="1200">
+                <a:solidFill>
+                  <a:schemeClr val="tx1">
+                    <a:lumMod val="75000"/>
+                    <a:lumOff val="25000"/>
+                  </a:schemeClr>
+                </a:solidFill>
+                <a:latin typeface="+mn-lt"/>
+                <a:ea typeface="+mn-ea"/>
+                <a:cs typeface="+mn-cs"/>
+              </a:defRPr>
+            </a:lvl6pPr>
+            <a:lvl7pPr marL="2971800" indent="-228600" algn="l" defTabSz="457200" rtl="0" eaLnBrk="1" latinLnBrk="0" hangingPunct="1">
+              <a:spcBef>
+                <a:spcPts val="1000"/>
+              </a:spcBef>
+              <a:spcAft>
+                <a:spcPts val="0"/>
+              </a:spcAft>
+              <a:buClr>
+                <a:schemeClr val="accent1"/>
+              </a:buClr>
+              <a:buSzPct val="80000"/>
+              <a:buFont typeface="Wingdings 3" charset="2"/>
+              <a:buChar char=""/>
+              <a:defRPr sz="1200" kern="1200">
+                <a:solidFill>
+                  <a:schemeClr val="tx1">
+                    <a:lumMod val="75000"/>
+                    <a:lumOff val="25000"/>
+                  </a:schemeClr>
+                </a:solidFill>
+                <a:latin typeface="+mn-lt"/>
+                <a:ea typeface="+mn-ea"/>
+                <a:cs typeface="+mn-cs"/>
+              </a:defRPr>
+            </a:lvl7pPr>
+            <a:lvl8pPr marL="3429000" indent="-228600" algn="l" defTabSz="457200" rtl="0" eaLnBrk="1" latinLnBrk="0" hangingPunct="1">
+              <a:spcBef>
+                <a:spcPts val="1000"/>
+              </a:spcBef>
+              <a:spcAft>
+                <a:spcPts val="0"/>
+              </a:spcAft>
+              <a:buClr>
+                <a:schemeClr val="accent1"/>
+              </a:buClr>
+              <a:buSzPct val="80000"/>
+              <a:buFont typeface="Wingdings 3" charset="2"/>
+              <a:buChar char=""/>
+              <a:defRPr sz="1200" kern="1200">
+                <a:solidFill>
+                  <a:schemeClr val="tx1">
+                    <a:lumMod val="75000"/>
+                    <a:lumOff val="25000"/>
+                  </a:schemeClr>
+                </a:solidFill>
+                <a:latin typeface="+mn-lt"/>
+                <a:ea typeface="+mn-ea"/>
+                <a:cs typeface="+mn-cs"/>
+              </a:defRPr>
+            </a:lvl8pPr>
+            <a:lvl9pPr marL="3886200" indent="-228600" algn="l" defTabSz="457200" rtl="0" eaLnBrk="1" latinLnBrk="0" hangingPunct="1">
+              <a:spcBef>
+                <a:spcPts val="1000"/>
+              </a:spcBef>
+              <a:spcAft>
+                <a:spcPts val="0"/>
+              </a:spcAft>
+              <a:buClr>
+                <a:schemeClr val="accent1"/>
+              </a:buClr>
+              <a:buSzPct val="80000"/>
+              <a:buFont typeface="Wingdings 3" charset="2"/>
+              <a:buChar char=""/>
+              <a:defRPr sz="1200" kern="1200">
+                <a:solidFill>
+                  <a:schemeClr val="tx1">
+                    <a:lumMod val="75000"/>
+                    <a:lumOff val="25000"/>
+                  </a:schemeClr>
+                </a:solidFill>
+                <a:latin typeface="+mn-lt"/>
+                <a:ea typeface="+mn-ea"/>
+                <a:cs typeface="+mn-cs"/>
+              </a:defRPr>
+            </a:lvl9pPr>
+          </a:lstStyle>
+          <a:p>
+            <a:r>
+              <a:rPr kumimoji="0" lang="en-US" altLang="ja-JP" dirty="0" smtClean="0"/>
+              <a:t>ARIMA</a:t>
+            </a:r>
+            <a:r>
+              <a:rPr kumimoji="0" lang="ja-JP" altLang="en-US" dirty="0" smtClean="0"/>
+              <a:t>モデルで、“</a:t>
+            </a:r>
+            <a:r>
+              <a:rPr kumimoji="0" lang="en-US" altLang="ja-JP" dirty="0" smtClean="0"/>
+              <a:t>2019-7-22</a:t>
+            </a:r>
+            <a:r>
+              <a:rPr kumimoji="0" lang="ja-JP" altLang="en-US" dirty="0" smtClean="0"/>
+              <a:t>”までの高値を利用し、２ヶ月分の株価を予測する</a:t>
+            </a:r>
+            <a:endParaRPr kumimoji="0" lang="zh-CN" altLang="en-US" dirty="0"/>
+          </a:p>
+        </p:txBody>
+      </p:sp>
+      <p:sp>
+        <p:nvSpPr>
+          <p:cNvPr id="3" name="文本框 2"/>
+          <p:cNvSpPr txBox="1"/>
+          <p:nvPr/>
+        </p:nvSpPr>
+        <p:spPr>
+          <a:xfrm rot="16200000">
+            <a:off x="-221178" y="3460358"/>
+            <a:ext cx="1584176" cy="369332"/>
+          </a:xfrm>
+          <a:prstGeom prst="rect">
+            <a:avLst/>
+          </a:prstGeom>
+          <a:noFill/>
+        </p:spPr>
+        <p:txBody>
+          <a:bodyPr wrap="square" rtlCol="0">
+            <a:spAutoFit/>
+          </a:bodyPr>
+          <a:lstStyle/>
+          <a:p>
+            <a:r>
+              <a:rPr lang="ja-JP" altLang="en-US" dirty="0" smtClean="0"/>
+              <a:t>終値</a:t>
+            </a:r>
+            <a:endParaRPr lang="zh-CN" altLang="en-US" dirty="0"/>
+          </a:p>
+        </p:txBody>
+      </p:sp>
+      <p:sp>
+        <p:nvSpPr>
+          <p:cNvPr id="6" name="文本框 5"/>
+          <p:cNvSpPr txBox="1"/>
+          <p:nvPr/>
+        </p:nvSpPr>
+        <p:spPr>
+          <a:xfrm>
+            <a:off x="3419872" y="6344107"/>
+            <a:ext cx="1584176" cy="369332"/>
+          </a:xfrm>
+          <a:prstGeom prst="rect">
+            <a:avLst/>
+          </a:prstGeom>
+          <a:noFill/>
+        </p:spPr>
+        <p:txBody>
+          <a:bodyPr wrap="square" rtlCol="0">
+            <a:spAutoFit/>
+          </a:bodyPr>
+          <a:lstStyle/>
+          <a:p>
+            <a:r>
+              <a:rPr lang="ja-JP" altLang="en-US" dirty="0" smtClean="0"/>
+              <a:t>日付</a:t>
+            </a:r>
+            <a:endParaRPr lang="zh-CN" altLang="en-US" dirty="0"/>
+          </a:p>
+        </p:txBody>
+      </p:sp>
+    </p:spTree>
+    <p:extLst>
+      <p:ext uri="{BB962C8B-B14F-4D97-AF65-F5344CB8AC3E}">
+        <p14:creationId xmlns:p14="http://schemas.microsoft.com/office/powerpoint/2010/main" val="1700990400"/>
+      </p:ext>
+    </p:extLst>
+  </p:cSld>
+  <p:clrMapOvr>
+    <a:masterClrMapping/>
+  </p:clrMapOvr>
 </p:sld>
 </file>
 
